--- a/Week 5 -- 1D spatial models/Lecture/Lecture 5 -- 1D spatial models.pptx
+++ b/Week 5 -- 1D spatial models/Lecture/Lecture 5 -- 1D spatial models.pptx
@@ -15,8 +15,8 @@
     <p:sldId id="303" r:id="rId6"/>
     <p:sldId id="304" r:id="rId7"/>
     <p:sldId id="307" r:id="rId8"/>
-    <p:sldId id="317" r:id="rId9"/>
-    <p:sldId id="318" r:id="rId10"/>
+    <p:sldId id="318" r:id="rId9"/>
+    <p:sldId id="317" r:id="rId10"/>
     <p:sldId id="319" r:id="rId11"/>
     <p:sldId id="310" r:id="rId12"/>
     <p:sldId id="305" r:id="rId13"/>
@@ -215,7 +215,7 @@
           <a:p>
             <a:fld id="{1522831B-4FE3-4D45-950B-0D2C6BB2DD76}" type="datetimeFigureOut">
               <a:rPr lang="en-US" smtClean="0"/>
-              <a:t>4/26/2016</a:t>
+              <a:t>6/17/2016</a:t>
             </a:fld>
             <a:endParaRPr lang="en-US"/>
           </a:p>
@@ -3565,8 +3565,8 @@
           </a:p>
         </p:txBody>
       </p:sp>
-      <mc:AlternateContent xmlns:mc="http://schemas.openxmlformats.org/markup-compatibility/2006">
-        <mc:Choice xmlns:a14="http://schemas.microsoft.com/office/drawing/2010/main" Requires="a14">
+      <mc:AlternateContent xmlns:mc="http://schemas.openxmlformats.org/markup-compatibility/2006" xmlns:a14="http://schemas.microsoft.com/office/drawing/2010/main">
+        <mc:Choice Requires="a14">
           <p:sp>
             <p:nvSpPr>
               <p:cNvPr id="3" name="Content Placeholder 2"/>
@@ -3634,34 +3634,34 @@
                           </m:ctrlPr>
                         </m:dPr>
                         <m:e>
-                          <m:sSub>
-                            <m:sSubPr>
-                              <m:ctrlPr>
-                                <a:rPr lang="en-US" i="1">
-                                  <a:latin typeface="Cambria Math" panose="02040503050406030204" pitchFamily="18" charset="0"/>
-                                  <a:ea typeface="Cambria Math" panose="02040503050406030204" pitchFamily="18" charset="0"/>
-                                </a:rPr>
-                              </m:ctrlPr>
-                            </m:sSubPr>
-                            <m:e>
-                              <m:r>
-                                <a:rPr lang="en-US" i="1">
-                                  <a:latin typeface="Cambria Math" panose="02040503050406030204" pitchFamily="18" charset="0"/>
-                                  <a:ea typeface="Cambria Math" panose="02040503050406030204" pitchFamily="18" charset="0"/>
-                                </a:rPr>
-                                <m:t>𝜀</m:t>
-                              </m:r>
-                            </m:e>
-                            <m:sub>
-                              <m:r>
-                                <a:rPr lang="en-US" i="1">
-                                  <a:latin typeface="Cambria Math" panose="02040503050406030204" pitchFamily="18" charset="0"/>
-                                  <a:ea typeface="Cambria Math" panose="02040503050406030204" pitchFamily="18" charset="0"/>
-                                </a:rPr>
-                                <m:t>𝑠</m:t>
-                              </m:r>
-                            </m:sub>
-                          </m:sSub>
+                          <m:r>
+                            <a:rPr lang="en-US" i="1">
+                              <a:latin typeface="Cambria Math" panose="02040503050406030204" pitchFamily="18" charset="0"/>
+                              <a:ea typeface="Cambria Math" panose="02040503050406030204" pitchFamily="18" charset="0"/>
+                            </a:rPr>
+                            <m:t>𝜀</m:t>
+                          </m:r>
+                          <m:r>
+                            <a:rPr lang="en-US" i="1">
+                              <a:latin typeface="Cambria Math" panose="02040503050406030204" pitchFamily="18" charset="0"/>
+                              <a:ea typeface="Cambria Math" panose="02040503050406030204" pitchFamily="18" charset="0"/>
+                            </a:rPr>
+                            <m:t>(</m:t>
+                          </m:r>
+                          <m:r>
+                            <a:rPr lang="en-US" i="1">
+                              <a:latin typeface="Cambria Math" panose="02040503050406030204" pitchFamily="18" charset="0"/>
+                              <a:ea typeface="Cambria Math" panose="02040503050406030204" pitchFamily="18" charset="0"/>
+                            </a:rPr>
+                            <m:t>𝑠</m:t>
+                          </m:r>
+                          <m:r>
+                            <a:rPr lang="en-US" i="1">
+                              <a:latin typeface="Cambria Math" panose="02040503050406030204" pitchFamily="18" charset="0"/>
+                              <a:ea typeface="Cambria Math" panose="02040503050406030204" pitchFamily="18" charset="0"/>
+                            </a:rPr>
+                            <m:t>)</m:t>
+                          </m:r>
                         </m:e>
                       </m:d>
                       <m:r>
@@ -3784,34 +3784,34 @@
                         </m:ctrlPr>
                       </m:dPr>
                       <m:e>
-                        <m:sSub>
-                          <m:sSubPr>
-                            <m:ctrlPr>
-                              <a:rPr lang="en-US" i="1">
-                                <a:latin typeface="Cambria Math" panose="02040503050406030204" pitchFamily="18" charset="0"/>
-                                <a:ea typeface="Cambria Math" panose="02040503050406030204" pitchFamily="18" charset="0"/>
-                              </a:rPr>
-                            </m:ctrlPr>
-                          </m:sSubPr>
-                          <m:e>
-                            <m:r>
-                              <a:rPr lang="en-US" i="1">
-                                <a:latin typeface="Cambria Math" panose="02040503050406030204" pitchFamily="18" charset="0"/>
-                                <a:ea typeface="Cambria Math" panose="02040503050406030204" pitchFamily="18" charset="0"/>
-                              </a:rPr>
-                              <m:t>𝜀</m:t>
-                            </m:r>
-                          </m:e>
-                          <m:sub>
-                            <m:r>
-                              <a:rPr lang="en-US" i="1">
-                                <a:latin typeface="Cambria Math" panose="02040503050406030204" pitchFamily="18" charset="0"/>
-                                <a:ea typeface="Cambria Math" panose="02040503050406030204" pitchFamily="18" charset="0"/>
-                              </a:rPr>
-                              <m:t>𝑠</m:t>
-                            </m:r>
-                          </m:sub>
-                        </m:sSub>
+                        <m:r>
+                          <a:rPr lang="en-US" i="1">
+                            <a:latin typeface="Cambria Math" panose="02040503050406030204" pitchFamily="18" charset="0"/>
+                            <a:ea typeface="Cambria Math" panose="02040503050406030204" pitchFamily="18" charset="0"/>
+                          </a:rPr>
+                          <m:t>𝜀</m:t>
+                        </m:r>
+                        <m:r>
+                          <a:rPr lang="en-US" i="1">
+                            <a:latin typeface="Cambria Math" panose="02040503050406030204" pitchFamily="18" charset="0"/>
+                            <a:ea typeface="Cambria Math" panose="02040503050406030204" pitchFamily="18" charset="0"/>
+                          </a:rPr>
+                          <m:t>(</m:t>
+                        </m:r>
+                        <m:r>
+                          <a:rPr lang="en-US" i="1">
+                            <a:latin typeface="Cambria Math" panose="02040503050406030204" pitchFamily="18" charset="0"/>
+                            <a:ea typeface="Cambria Math" panose="02040503050406030204" pitchFamily="18" charset="0"/>
+                          </a:rPr>
+                          <m:t>𝑠</m:t>
+                        </m:r>
+                        <m:r>
+                          <a:rPr lang="en-US" i="1">
+                            <a:latin typeface="Cambria Math" panose="02040503050406030204" pitchFamily="18" charset="0"/>
+                            <a:ea typeface="Cambria Math" panose="02040503050406030204" pitchFamily="18" charset="0"/>
+                          </a:rPr>
+                          <m:t>)</m:t>
+                        </m:r>
                       </m:e>
                     </m:d>
                     <m:r>
@@ -3848,7 +3848,7 @@
                         <a:latin typeface="Cambria Math" panose="02040503050406030204" pitchFamily="18" charset="0"/>
                         <a:ea typeface="Cambria Math" panose="02040503050406030204" pitchFamily="18" charset="0"/>
                       </a:rPr>
-                      <m:t>1</m:t>
+                      <m:t>0</m:t>
                     </m:r>
                   </m:oMath>
                 </a14:m>
@@ -3863,7 +3863,7 @@
             </p:txBody>
           </p:sp>
         </mc:Choice>
-        <mc:Fallback>
+        <mc:Fallback xmlns="">
           <p:sp>
             <p:nvSpPr>
               <p:cNvPr id="3" name="Content Placeholder 2"/>
@@ -3941,13 +3941,6 @@
   <p:clrMapOvr>
     <a:masterClrMapping/>
   </p:clrMapOvr>
-  <p:timing>
-    <p:tnLst>
-      <p:par>
-        <p:cTn id="1" dur="indefinite" restart="never" nodeType="tmRoot"/>
-      </p:par>
-    </p:tnLst>
-  </p:timing>
 </p:sld>
 </file>
 
@@ -4027,104 +4020,81 @@
                       <m:jc m:val="centerGroup"/>
                     </m:oMathParaPr>
                     <m:oMath xmlns:m="http://schemas.openxmlformats.org/officeDocument/2006/math">
-                      <m:sSub>
-                        <m:sSubPr>
+                      <m:r>
+                        <a:rPr lang="en-US" i="1">
+                          <a:latin typeface="Cambria Math" panose="02040503050406030204" pitchFamily="18" charset="0"/>
+                          <a:ea typeface="Cambria Math" panose="02040503050406030204" pitchFamily="18" charset="0"/>
+                        </a:rPr>
+                        <m:t>𝑐</m:t>
+                      </m:r>
+                      <m:r>
+                        <a:rPr lang="en-US" i="1">
+                          <a:latin typeface="Cambria Math" panose="02040503050406030204" pitchFamily="18" charset="0"/>
+                          <a:ea typeface="Cambria Math" panose="02040503050406030204" pitchFamily="18" charset="0"/>
+                        </a:rPr>
+                        <m:t>(</m:t>
+                      </m:r>
+                      <m:r>
+                        <a:rPr lang="en-US" i="1">
+                          <a:latin typeface="Cambria Math" panose="02040503050406030204" pitchFamily="18" charset="0"/>
+                          <a:ea typeface="Cambria Math" panose="02040503050406030204" pitchFamily="18" charset="0"/>
+                        </a:rPr>
+                        <m:t>𝑠</m:t>
+                      </m:r>
+                      <m:r>
+                        <a:rPr lang="en-US" i="1">
+                          <a:latin typeface="Cambria Math" panose="02040503050406030204" pitchFamily="18" charset="0"/>
+                          <a:ea typeface="Cambria Math" panose="02040503050406030204" pitchFamily="18" charset="0"/>
+                        </a:rPr>
+                        <m:t>)~</m:t>
+                      </m:r>
+                      <m:r>
+                        <a:rPr lang="en-US" i="1">
+                          <a:latin typeface="Cambria Math" panose="02040503050406030204" pitchFamily="18" charset="0"/>
+                          <a:ea typeface="Cambria Math" panose="02040503050406030204" pitchFamily="18" charset="0"/>
+                        </a:rPr>
+                        <m:t>𝑔</m:t>
+                      </m:r>
+                      <m:d>
+                        <m:dPr>
                           <m:ctrlPr>
                             <a:rPr lang="en-US" i="1">
                               <a:latin typeface="Cambria Math" panose="02040503050406030204" pitchFamily="18" charset="0"/>
                               <a:ea typeface="Cambria Math" panose="02040503050406030204" pitchFamily="18" charset="0"/>
                             </a:rPr>
                           </m:ctrlPr>
-                        </m:sSubPr>
+                        </m:dPr>
                         <m:e>
                           <m:r>
                             <a:rPr lang="en-US" i="1">
                               <a:latin typeface="Cambria Math" panose="02040503050406030204" pitchFamily="18" charset="0"/>
                               <a:ea typeface="Cambria Math" panose="02040503050406030204" pitchFamily="18" charset="0"/>
                             </a:rPr>
-                            <m:t>𝑐</m:t>
+                            <m:t>𝜇</m:t>
+                          </m:r>
+                          <m:r>
+                            <a:rPr lang="en-US" i="1">
+                              <a:latin typeface="Cambria Math" panose="02040503050406030204" pitchFamily="18" charset="0"/>
+                              <a:ea typeface="Cambria Math" panose="02040503050406030204" pitchFamily="18" charset="0"/>
+                            </a:rPr>
+                            <m:t>(</m:t>
+                          </m:r>
+                          <m:r>
+                            <a:rPr lang="en-US" i="1">
+                              <a:latin typeface="Cambria Math" panose="02040503050406030204" pitchFamily="18" charset="0"/>
+                              <a:ea typeface="Cambria Math" panose="02040503050406030204" pitchFamily="18" charset="0"/>
+                            </a:rPr>
+                            <m:t>𝑠</m:t>
+                          </m:r>
+                          <m:r>
+                            <a:rPr lang="en-US" i="1">
+                              <a:latin typeface="Cambria Math" panose="02040503050406030204" pitchFamily="18" charset="0"/>
+                              <a:ea typeface="Cambria Math" panose="02040503050406030204" pitchFamily="18" charset="0"/>
+                            </a:rPr>
+                            <m:t>)</m:t>
                           </m:r>
                         </m:e>
-                        <m:sub>
-                          <m:r>
-                            <a:rPr lang="en-US" i="1">
-                              <a:latin typeface="Cambria Math" panose="02040503050406030204" pitchFamily="18" charset="0"/>
-                              <a:ea typeface="Cambria Math" panose="02040503050406030204" pitchFamily="18" charset="0"/>
-                            </a:rPr>
-                            <m:t>𝑠</m:t>
-                          </m:r>
-                        </m:sub>
-                      </m:sSub>
-                      <m:r>
-                        <a:rPr lang="en-US" i="1">
-                          <a:latin typeface="Cambria Math" panose="02040503050406030204" pitchFamily="18" charset="0"/>
-                          <a:ea typeface="Cambria Math" panose="02040503050406030204" pitchFamily="18" charset="0"/>
-                        </a:rPr>
-                        <m:t>(</m:t>
-                      </m:r>
-                      <m:r>
-                        <a:rPr lang="en-US" i="1">
-                          <a:latin typeface="Cambria Math" panose="02040503050406030204" pitchFamily="18" charset="0"/>
-                          <a:ea typeface="Cambria Math" panose="02040503050406030204" pitchFamily="18" charset="0"/>
-                        </a:rPr>
-                        <m:t>𝑖</m:t>
-                      </m:r>
-                      <m:r>
-                        <a:rPr lang="en-US" i="1">
-                          <a:latin typeface="Cambria Math" panose="02040503050406030204" pitchFamily="18" charset="0"/>
-                          <a:ea typeface="Cambria Math" panose="02040503050406030204" pitchFamily="18" charset="0"/>
-                        </a:rPr>
-                        <m:t>)~</m:t>
-                      </m:r>
-                      <m:r>
-                        <a:rPr lang="en-US" i="1">
-                          <a:latin typeface="Cambria Math" panose="02040503050406030204" pitchFamily="18" charset="0"/>
-                          <a:ea typeface="Cambria Math" panose="02040503050406030204" pitchFamily="18" charset="0"/>
-                        </a:rPr>
-                        <m:t>𝑔</m:t>
-                      </m:r>
-                      <m:r>
-                        <a:rPr lang="en-US" i="1">
-                          <a:latin typeface="Cambria Math" panose="02040503050406030204" pitchFamily="18" charset="0"/>
-                          <a:ea typeface="Cambria Math" panose="02040503050406030204" pitchFamily="18" charset="0"/>
-                        </a:rPr>
-                        <m:t>(</m:t>
-                      </m:r>
-                      <m:sSub>
-                        <m:sSubPr>
-                          <m:ctrlPr>
-                            <a:rPr lang="en-US" i="1">
-                              <a:latin typeface="Cambria Math" panose="02040503050406030204" pitchFamily="18" charset="0"/>
-                              <a:ea typeface="Cambria Math" panose="02040503050406030204" pitchFamily="18" charset="0"/>
-                            </a:rPr>
-                          </m:ctrlPr>
-                        </m:sSubPr>
-                        <m:e>
-                          <m:r>
-                            <a:rPr lang="en-US" i="1">
-                              <a:latin typeface="Cambria Math" panose="02040503050406030204" pitchFamily="18" charset="0"/>
-                              <a:ea typeface="Cambria Math" panose="02040503050406030204" pitchFamily="18" charset="0"/>
-                            </a:rPr>
-                            <m:t>𝜇</m:t>
-                          </m:r>
-                        </m:e>
-                        <m:sub>
-                          <m:r>
-                            <a:rPr lang="en-US" i="1">
-                              <a:latin typeface="Cambria Math" panose="02040503050406030204" pitchFamily="18" charset="0"/>
-                              <a:ea typeface="Cambria Math" panose="02040503050406030204" pitchFamily="18" charset="0"/>
-                            </a:rPr>
-                            <m:t>𝑠</m:t>
-                          </m:r>
-                        </m:sub>
-                      </m:sSub>
-                      <m:r>
-                        <a:rPr lang="en-US" i="1">
-                          <a:latin typeface="Cambria Math" panose="02040503050406030204" pitchFamily="18" charset="0"/>
-                          <a:ea typeface="Cambria Math" panose="02040503050406030204" pitchFamily="18" charset="0"/>
-                        </a:rPr>
-                        <m:t>)</m:t>
-                      </m:r>
+                      </m:d>
                     </m:oMath>
                   </m:oMathPara>
                 </a14:m>
@@ -4140,34 +4110,32 @@
                       <m:jc m:val="centerGroup"/>
                     </m:oMathParaPr>
                     <m:oMath xmlns:m="http://schemas.openxmlformats.org/officeDocument/2006/math">
-                      <m:sSub>
-                        <m:sSubPr>
+                      <m:r>
+                        <a:rPr lang="en-US" i="1">
+                          <a:latin typeface="Cambria Math" panose="02040503050406030204" pitchFamily="18" charset="0"/>
+                          <a:ea typeface="Cambria Math" panose="02040503050406030204" pitchFamily="18" charset="0"/>
+                        </a:rPr>
+                        <m:t>𝜇</m:t>
+                      </m:r>
+                      <m:d>
+                        <m:dPr>
                           <m:ctrlPr>
                             <a:rPr lang="en-US" i="1">
                               <a:latin typeface="Cambria Math" panose="02040503050406030204" pitchFamily="18" charset="0"/>
                               <a:ea typeface="Cambria Math" panose="02040503050406030204" pitchFamily="18" charset="0"/>
                             </a:rPr>
                           </m:ctrlPr>
-                        </m:sSubPr>
+                        </m:dPr>
                         <m:e>
                           <m:r>
                             <a:rPr lang="en-US" i="1">
                               <a:latin typeface="Cambria Math" panose="02040503050406030204" pitchFamily="18" charset="0"/>
                               <a:ea typeface="Cambria Math" panose="02040503050406030204" pitchFamily="18" charset="0"/>
                             </a:rPr>
-                            <m:t>𝜇</m:t>
+                            <m:t>𝑠</m:t>
                           </m:r>
                         </m:e>
-                        <m:sub>
-                          <m:r>
-                            <a:rPr lang="en-US" i="1">
-                              <a:latin typeface="Cambria Math" panose="02040503050406030204" pitchFamily="18" charset="0"/>
-                              <a:ea typeface="Cambria Math" panose="02040503050406030204" pitchFamily="18" charset="0"/>
-                            </a:rPr>
-                            <m:t>𝑠</m:t>
-                          </m:r>
-                        </m:sub>
-                      </m:sSub>
+                      </m:d>
                       <m:r>
                         <a:rPr lang="en-US" i="1">
                           <a:latin typeface="Cambria Math" panose="02040503050406030204" pitchFamily="18" charset="0"/>
@@ -4180,7 +4148,28 @@
                           <a:latin typeface="Cambria Math" panose="02040503050406030204" pitchFamily="18" charset="0"/>
                           <a:ea typeface="Cambria Math" panose="02040503050406030204" pitchFamily="18" charset="0"/>
                         </a:rPr>
-                        <m:t>𝐗</m:t>
+                        <m:t>𝐱</m:t>
+                      </m:r>
+                      <m:r>
+                        <a:rPr lang="en-US">
+                          <a:latin typeface="Cambria Math" panose="02040503050406030204" pitchFamily="18" charset="0"/>
+                          <a:ea typeface="Cambria Math" panose="02040503050406030204" pitchFamily="18" charset="0"/>
+                        </a:rPr>
+                        <m:t>(</m:t>
+                      </m:r>
+                      <m:r>
+                        <a:rPr lang="en-US" i="1">
+                          <a:latin typeface="Cambria Math" panose="02040503050406030204" pitchFamily="18" charset="0"/>
+                          <a:ea typeface="Cambria Math" panose="02040503050406030204" pitchFamily="18" charset="0"/>
+                        </a:rPr>
+                        <m:t>𝑠</m:t>
+                      </m:r>
+                      <m:r>
+                        <a:rPr lang="en-US">
+                          <a:latin typeface="Cambria Math" panose="02040503050406030204" pitchFamily="18" charset="0"/>
+                          <a:ea typeface="Cambria Math" panose="02040503050406030204" pitchFamily="18" charset="0"/>
+                        </a:rPr>
+                        <m:t>)</m:t>
                       </m:r>
                       <m:r>
                         <a:rPr lang="en-US" b="1">
@@ -4196,34 +4185,34 @@
                         </a:rPr>
                         <m:t>+</m:t>
                       </m:r>
-                      <m:sSub>
-                        <m:sSubPr>
-                          <m:ctrlPr>
-                            <a:rPr lang="en-US" i="1">
-                              <a:latin typeface="Cambria Math" panose="02040503050406030204" pitchFamily="18" charset="0"/>
-                              <a:ea typeface="Cambria Math" panose="02040503050406030204" pitchFamily="18" charset="0"/>
-                            </a:rPr>
-                          </m:ctrlPr>
-                        </m:sSubPr>
-                        <m:e>
-                          <m:r>
-                            <a:rPr lang="en-US" i="1">
-                              <a:latin typeface="Cambria Math" panose="02040503050406030204" pitchFamily="18" charset="0"/>
-                              <a:ea typeface="Cambria Math" panose="02040503050406030204" pitchFamily="18" charset="0"/>
-                            </a:rPr>
-                            <m:t>𝜀</m:t>
-                          </m:r>
-                        </m:e>
-                        <m:sub>
-                          <m:r>
-                            <a:rPr lang="en-US" i="1">
-                              <a:latin typeface="Cambria Math" panose="02040503050406030204" pitchFamily="18" charset="0"/>
-                              <a:ea typeface="Cambria Math" panose="02040503050406030204" pitchFamily="18" charset="0"/>
-                            </a:rPr>
-                            <m:t>𝑠</m:t>
-                          </m:r>
-                        </m:sub>
-                      </m:sSub>
+                      <m:r>
+                        <a:rPr lang="en-US" i="1">
+                          <a:latin typeface="Cambria Math" panose="02040503050406030204" pitchFamily="18" charset="0"/>
+                          <a:ea typeface="Cambria Math" panose="02040503050406030204" pitchFamily="18" charset="0"/>
+                        </a:rPr>
+                        <m:t>𝜀</m:t>
+                      </m:r>
+                      <m:r>
+                        <a:rPr lang="en-US" i="1">
+                          <a:latin typeface="Cambria Math" panose="02040503050406030204" pitchFamily="18" charset="0"/>
+                          <a:ea typeface="Cambria Math" panose="02040503050406030204" pitchFamily="18" charset="0"/>
+                        </a:rPr>
+                        <m:t>(</m:t>
+                      </m:r>
+                      <m:r>
+                        <a:rPr lang="en-US" i="1">
+                          <a:latin typeface="Cambria Math" panose="02040503050406030204" pitchFamily="18" charset="0"/>
+                          <a:ea typeface="Cambria Math" panose="02040503050406030204" pitchFamily="18" charset="0"/>
+                        </a:rPr>
+                        <m:t>𝑠</m:t>
+                      </m:r>
+                      <m:r>
+                        <a:rPr lang="en-US" i="1">
+                          <a:latin typeface="Cambria Math" panose="02040503050406030204" pitchFamily="18" charset="0"/>
+                          <a:ea typeface="Cambria Math" panose="02040503050406030204" pitchFamily="18" charset="0"/>
+                        </a:rPr>
+                        <m:t>)</m:t>
+                      </m:r>
                     </m:oMath>
                   </m:oMathPara>
                 </a14:m>
@@ -4261,11 +4250,14 @@
                         <m:t>~</m:t>
                       </m:r>
                       <m:r>
-                        <a:rPr lang="en-US" i="1">
-                          <a:latin typeface="Cambria Math" panose="02040503050406030204" pitchFamily="18" charset="0"/>
-                          <a:ea typeface="Cambria Math" panose="02040503050406030204" pitchFamily="18" charset="0"/>
-                        </a:rPr>
-                        <m:t>𝑀𝑉𝑁</m:t>
+                        <m:rPr>
+                          <m:sty m:val="p"/>
+                        </m:rPr>
+                        <a:rPr lang="en-US" i="0">
+                          <a:latin typeface="Cambria Math" panose="02040503050406030204" pitchFamily="18" charset="0"/>
+                          <a:ea typeface="Cambria Math" panose="02040503050406030204" pitchFamily="18" charset="0"/>
+                        </a:rPr>
+                        <m:t>MVN</m:t>
                       </m:r>
                       <m:r>
                         <a:rPr lang="en-US" i="1">
@@ -4364,7 +4356,7 @@
           <p:nvPr>
             <p:extLst>
               <p:ext uri="{D42A27DB-BD31-4B8C-83A1-F6EECF244321}">
-                <p14:modId xmlns:p14="http://schemas.microsoft.com/office/powerpoint/2010/main" val="37851740"/>
+                <p14:modId xmlns:p14="http://schemas.microsoft.com/office/powerpoint/2010/main" val="264910064"/>
               </p:ext>
             </p:extLst>
           </p:nvPr>
@@ -4377,7 +4369,7 @@
           <a:graphicData uri="http://schemas.openxmlformats.org/presentationml/2006/ole">
             <mc:AlternateContent xmlns:mc="http://schemas.openxmlformats.org/markup-compatibility/2006">
               <mc:Choice xmlns:v="urn:schemas-microsoft-com:vml" Requires="v">
-                <p:oleObj spid="_x0000_s6160" name="Equation" r:id="rId4" imgW="2654280" imgH="1168200" progId="Equation.DSMT4">
+                <p:oleObj spid="_x0000_s6166" name="Equation" r:id="rId4" imgW="2654280" imgH="1168200" progId="Equation.DSMT4">
                   <p:embed/>
                 </p:oleObj>
               </mc:Choice>
@@ -4508,104 +4500,81 @@
                       <m:jc m:val="centerGroup"/>
                     </m:oMathParaPr>
                     <m:oMath xmlns:m="http://schemas.openxmlformats.org/officeDocument/2006/math">
-                      <m:sSub>
-                        <m:sSubPr>
+                      <m:r>
+                        <a:rPr lang="en-US" i="1">
+                          <a:latin typeface="Cambria Math" panose="02040503050406030204" pitchFamily="18" charset="0"/>
+                          <a:ea typeface="Cambria Math" panose="02040503050406030204" pitchFamily="18" charset="0"/>
+                        </a:rPr>
+                        <m:t>𝑐</m:t>
+                      </m:r>
+                      <m:r>
+                        <a:rPr lang="en-US" i="1">
+                          <a:latin typeface="Cambria Math" panose="02040503050406030204" pitchFamily="18" charset="0"/>
+                          <a:ea typeface="Cambria Math" panose="02040503050406030204" pitchFamily="18" charset="0"/>
+                        </a:rPr>
+                        <m:t>(</m:t>
+                      </m:r>
+                      <m:r>
+                        <a:rPr lang="en-US" i="1">
+                          <a:latin typeface="Cambria Math" panose="02040503050406030204" pitchFamily="18" charset="0"/>
+                          <a:ea typeface="Cambria Math" panose="02040503050406030204" pitchFamily="18" charset="0"/>
+                        </a:rPr>
+                        <m:t>𝑠</m:t>
+                      </m:r>
+                      <m:r>
+                        <a:rPr lang="en-US" i="1">
+                          <a:latin typeface="Cambria Math" panose="02040503050406030204" pitchFamily="18" charset="0"/>
+                          <a:ea typeface="Cambria Math" panose="02040503050406030204" pitchFamily="18" charset="0"/>
+                        </a:rPr>
+                        <m:t>)~</m:t>
+                      </m:r>
+                      <m:r>
+                        <a:rPr lang="en-US" i="1">
+                          <a:latin typeface="Cambria Math" panose="02040503050406030204" pitchFamily="18" charset="0"/>
+                          <a:ea typeface="Cambria Math" panose="02040503050406030204" pitchFamily="18" charset="0"/>
+                        </a:rPr>
+                        <m:t>𝑔</m:t>
+                      </m:r>
+                      <m:d>
+                        <m:dPr>
                           <m:ctrlPr>
                             <a:rPr lang="en-US" i="1">
                               <a:latin typeface="Cambria Math" panose="02040503050406030204" pitchFamily="18" charset="0"/>
                               <a:ea typeface="Cambria Math" panose="02040503050406030204" pitchFamily="18" charset="0"/>
                             </a:rPr>
                           </m:ctrlPr>
-                        </m:sSubPr>
+                        </m:dPr>
                         <m:e>
                           <m:r>
                             <a:rPr lang="en-US" i="1">
                               <a:latin typeface="Cambria Math" panose="02040503050406030204" pitchFamily="18" charset="0"/>
                               <a:ea typeface="Cambria Math" panose="02040503050406030204" pitchFamily="18" charset="0"/>
                             </a:rPr>
-                            <m:t>𝑐</m:t>
+                            <m:t>𝜇</m:t>
+                          </m:r>
+                          <m:r>
+                            <a:rPr lang="en-US" i="1">
+                              <a:latin typeface="Cambria Math" panose="02040503050406030204" pitchFamily="18" charset="0"/>
+                              <a:ea typeface="Cambria Math" panose="02040503050406030204" pitchFamily="18" charset="0"/>
+                            </a:rPr>
+                            <m:t>(</m:t>
+                          </m:r>
+                          <m:r>
+                            <a:rPr lang="en-US" i="1">
+                              <a:latin typeface="Cambria Math" panose="02040503050406030204" pitchFamily="18" charset="0"/>
+                              <a:ea typeface="Cambria Math" panose="02040503050406030204" pitchFamily="18" charset="0"/>
+                            </a:rPr>
+                            <m:t>𝑠</m:t>
+                          </m:r>
+                          <m:r>
+                            <a:rPr lang="en-US" i="1">
+                              <a:latin typeface="Cambria Math" panose="02040503050406030204" pitchFamily="18" charset="0"/>
+                              <a:ea typeface="Cambria Math" panose="02040503050406030204" pitchFamily="18" charset="0"/>
+                            </a:rPr>
+                            <m:t>)</m:t>
                           </m:r>
                         </m:e>
-                        <m:sub>
-                          <m:r>
-                            <a:rPr lang="en-US" i="1">
-                              <a:latin typeface="Cambria Math" panose="02040503050406030204" pitchFamily="18" charset="0"/>
-                              <a:ea typeface="Cambria Math" panose="02040503050406030204" pitchFamily="18" charset="0"/>
-                            </a:rPr>
-                            <m:t>𝑠</m:t>
-                          </m:r>
-                        </m:sub>
-                      </m:sSub>
-                      <m:r>
-                        <a:rPr lang="en-US" i="1">
-                          <a:latin typeface="Cambria Math" panose="02040503050406030204" pitchFamily="18" charset="0"/>
-                          <a:ea typeface="Cambria Math" panose="02040503050406030204" pitchFamily="18" charset="0"/>
-                        </a:rPr>
-                        <m:t>(</m:t>
-                      </m:r>
-                      <m:r>
-                        <a:rPr lang="en-US" i="1">
-                          <a:latin typeface="Cambria Math" panose="02040503050406030204" pitchFamily="18" charset="0"/>
-                          <a:ea typeface="Cambria Math" panose="02040503050406030204" pitchFamily="18" charset="0"/>
-                        </a:rPr>
-                        <m:t>𝑖</m:t>
-                      </m:r>
-                      <m:r>
-                        <a:rPr lang="en-US" i="1">
-                          <a:latin typeface="Cambria Math" panose="02040503050406030204" pitchFamily="18" charset="0"/>
-                          <a:ea typeface="Cambria Math" panose="02040503050406030204" pitchFamily="18" charset="0"/>
-                        </a:rPr>
-                        <m:t>)~</m:t>
-                      </m:r>
-                      <m:r>
-                        <a:rPr lang="en-US" i="1">
-                          <a:latin typeface="Cambria Math" panose="02040503050406030204" pitchFamily="18" charset="0"/>
-                          <a:ea typeface="Cambria Math" panose="02040503050406030204" pitchFamily="18" charset="0"/>
-                        </a:rPr>
-                        <m:t>𝑔</m:t>
-                      </m:r>
-                      <m:r>
-                        <a:rPr lang="en-US" i="1">
-                          <a:latin typeface="Cambria Math" panose="02040503050406030204" pitchFamily="18" charset="0"/>
-                          <a:ea typeface="Cambria Math" panose="02040503050406030204" pitchFamily="18" charset="0"/>
-                        </a:rPr>
-                        <m:t>(</m:t>
-                      </m:r>
-                      <m:sSub>
-                        <m:sSubPr>
-                          <m:ctrlPr>
-                            <a:rPr lang="en-US" i="1">
-                              <a:latin typeface="Cambria Math" panose="02040503050406030204" pitchFamily="18" charset="0"/>
-                              <a:ea typeface="Cambria Math" panose="02040503050406030204" pitchFamily="18" charset="0"/>
-                            </a:rPr>
-                          </m:ctrlPr>
-                        </m:sSubPr>
-                        <m:e>
-                          <m:r>
-                            <a:rPr lang="en-US" i="1">
-                              <a:latin typeface="Cambria Math" panose="02040503050406030204" pitchFamily="18" charset="0"/>
-                              <a:ea typeface="Cambria Math" panose="02040503050406030204" pitchFamily="18" charset="0"/>
-                            </a:rPr>
-                            <m:t>𝜇</m:t>
-                          </m:r>
-                        </m:e>
-                        <m:sub>
-                          <m:r>
-                            <a:rPr lang="en-US" i="1">
-                              <a:latin typeface="Cambria Math" panose="02040503050406030204" pitchFamily="18" charset="0"/>
-                              <a:ea typeface="Cambria Math" panose="02040503050406030204" pitchFamily="18" charset="0"/>
-                            </a:rPr>
-                            <m:t>𝑠</m:t>
-                          </m:r>
-                        </m:sub>
-                      </m:sSub>
-                      <m:r>
-                        <a:rPr lang="en-US" i="1">
-                          <a:latin typeface="Cambria Math" panose="02040503050406030204" pitchFamily="18" charset="0"/>
-                          <a:ea typeface="Cambria Math" panose="02040503050406030204" pitchFamily="18" charset="0"/>
-                        </a:rPr>
-                        <m:t>)</m:t>
-                      </m:r>
+                      </m:d>
                     </m:oMath>
                   </m:oMathPara>
                 </a14:m>
@@ -4621,34 +4590,32 @@
                       <m:jc m:val="centerGroup"/>
                     </m:oMathParaPr>
                     <m:oMath xmlns:m="http://schemas.openxmlformats.org/officeDocument/2006/math">
-                      <m:sSub>
-                        <m:sSubPr>
+                      <m:r>
+                        <a:rPr lang="en-US" i="1">
+                          <a:latin typeface="Cambria Math" panose="02040503050406030204" pitchFamily="18" charset="0"/>
+                          <a:ea typeface="Cambria Math" panose="02040503050406030204" pitchFamily="18" charset="0"/>
+                        </a:rPr>
+                        <m:t>𝜇</m:t>
+                      </m:r>
+                      <m:d>
+                        <m:dPr>
                           <m:ctrlPr>
                             <a:rPr lang="en-US" i="1">
                               <a:latin typeface="Cambria Math" panose="02040503050406030204" pitchFamily="18" charset="0"/>
                               <a:ea typeface="Cambria Math" panose="02040503050406030204" pitchFamily="18" charset="0"/>
                             </a:rPr>
                           </m:ctrlPr>
-                        </m:sSubPr>
+                        </m:dPr>
                         <m:e>
                           <m:r>
                             <a:rPr lang="en-US" i="1">
                               <a:latin typeface="Cambria Math" panose="02040503050406030204" pitchFamily="18" charset="0"/>
                               <a:ea typeface="Cambria Math" panose="02040503050406030204" pitchFamily="18" charset="0"/>
                             </a:rPr>
-                            <m:t>𝜇</m:t>
+                            <m:t>𝑠</m:t>
                           </m:r>
                         </m:e>
-                        <m:sub>
-                          <m:r>
-                            <a:rPr lang="en-US" i="1">
-                              <a:latin typeface="Cambria Math" panose="02040503050406030204" pitchFamily="18" charset="0"/>
-                              <a:ea typeface="Cambria Math" panose="02040503050406030204" pitchFamily="18" charset="0"/>
-                            </a:rPr>
-                            <m:t>𝑠</m:t>
-                          </m:r>
-                        </m:sub>
-                      </m:sSub>
+                      </m:d>
                       <m:r>
                         <a:rPr lang="en-US" i="1">
                           <a:latin typeface="Cambria Math" panose="02040503050406030204" pitchFamily="18" charset="0"/>
@@ -4661,7 +4628,28 @@
                           <a:latin typeface="Cambria Math" panose="02040503050406030204" pitchFamily="18" charset="0"/>
                           <a:ea typeface="Cambria Math" panose="02040503050406030204" pitchFamily="18" charset="0"/>
                         </a:rPr>
-                        <m:t>𝐗</m:t>
+                        <m:t>𝐱</m:t>
+                      </m:r>
+                      <m:r>
+                        <a:rPr lang="en-US">
+                          <a:latin typeface="Cambria Math" panose="02040503050406030204" pitchFamily="18" charset="0"/>
+                          <a:ea typeface="Cambria Math" panose="02040503050406030204" pitchFamily="18" charset="0"/>
+                        </a:rPr>
+                        <m:t>(</m:t>
+                      </m:r>
+                      <m:r>
+                        <a:rPr lang="en-US" i="1">
+                          <a:latin typeface="Cambria Math" panose="02040503050406030204" pitchFamily="18" charset="0"/>
+                          <a:ea typeface="Cambria Math" panose="02040503050406030204" pitchFamily="18" charset="0"/>
+                        </a:rPr>
+                        <m:t>𝑠</m:t>
+                      </m:r>
+                      <m:r>
+                        <a:rPr lang="en-US">
+                          <a:latin typeface="Cambria Math" panose="02040503050406030204" pitchFamily="18" charset="0"/>
+                          <a:ea typeface="Cambria Math" panose="02040503050406030204" pitchFamily="18" charset="0"/>
+                        </a:rPr>
+                        <m:t>)</m:t>
                       </m:r>
                       <m:r>
                         <a:rPr lang="en-US" b="1">
@@ -4677,34 +4665,34 @@
                         </a:rPr>
                         <m:t>+</m:t>
                       </m:r>
-                      <m:sSub>
-                        <m:sSubPr>
-                          <m:ctrlPr>
-                            <a:rPr lang="en-US" i="1">
-                              <a:latin typeface="Cambria Math" panose="02040503050406030204" pitchFamily="18" charset="0"/>
-                              <a:ea typeface="Cambria Math" panose="02040503050406030204" pitchFamily="18" charset="0"/>
-                            </a:rPr>
-                          </m:ctrlPr>
-                        </m:sSubPr>
-                        <m:e>
-                          <m:r>
-                            <a:rPr lang="en-US" i="1">
-                              <a:latin typeface="Cambria Math" panose="02040503050406030204" pitchFamily="18" charset="0"/>
-                              <a:ea typeface="Cambria Math" panose="02040503050406030204" pitchFamily="18" charset="0"/>
-                            </a:rPr>
-                            <m:t>𝜀</m:t>
-                          </m:r>
-                        </m:e>
-                        <m:sub>
-                          <m:r>
-                            <a:rPr lang="en-US" i="1">
-                              <a:latin typeface="Cambria Math" panose="02040503050406030204" pitchFamily="18" charset="0"/>
-                              <a:ea typeface="Cambria Math" panose="02040503050406030204" pitchFamily="18" charset="0"/>
-                            </a:rPr>
-                            <m:t>𝑠</m:t>
-                          </m:r>
-                        </m:sub>
-                      </m:sSub>
+                      <m:r>
+                        <a:rPr lang="en-US" i="1">
+                          <a:latin typeface="Cambria Math" panose="02040503050406030204" pitchFamily="18" charset="0"/>
+                          <a:ea typeface="Cambria Math" panose="02040503050406030204" pitchFamily="18" charset="0"/>
+                        </a:rPr>
+                        <m:t>𝜀</m:t>
+                      </m:r>
+                      <m:r>
+                        <a:rPr lang="en-US" i="1">
+                          <a:latin typeface="Cambria Math" panose="02040503050406030204" pitchFamily="18" charset="0"/>
+                          <a:ea typeface="Cambria Math" panose="02040503050406030204" pitchFamily="18" charset="0"/>
+                        </a:rPr>
+                        <m:t>(</m:t>
+                      </m:r>
+                      <m:r>
+                        <a:rPr lang="en-US" i="1">
+                          <a:latin typeface="Cambria Math" panose="02040503050406030204" pitchFamily="18" charset="0"/>
+                          <a:ea typeface="Cambria Math" panose="02040503050406030204" pitchFamily="18" charset="0"/>
+                        </a:rPr>
+                        <m:t>𝑠</m:t>
+                      </m:r>
+                      <m:r>
+                        <a:rPr lang="en-US" i="1">
+                          <a:latin typeface="Cambria Math" panose="02040503050406030204" pitchFamily="18" charset="0"/>
+                          <a:ea typeface="Cambria Math" panose="02040503050406030204" pitchFamily="18" charset="0"/>
+                        </a:rPr>
+                        <m:t>)</m:t>
+                      </m:r>
                     </m:oMath>
                   </m:oMathPara>
                 </a14:m>
@@ -4735,11 +4723,14 @@
                         <m:t>~</m:t>
                       </m:r>
                       <m:r>
-                        <a:rPr lang="en-US" b="0" i="1" smtClean="0">
-                          <a:latin typeface="Cambria Math" panose="02040503050406030204" pitchFamily="18" charset="0"/>
-                          <a:ea typeface="Cambria Math" panose="02040503050406030204" pitchFamily="18" charset="0"/>
-                        </a:rPr>
-                        <m:t>𝑀𝑉𝑁</m:t>
+                        <m:rPr>
+                          <m:sty m:val="p"/>
+                        </m:rPr>
+                        <a:rPr lang="en-US" b="0" i="0" smtClean="0">
+                          <a:latin typeface="Cambria Math" panose="02040503050406030204" pitchFamily="18" charset="0"/>
+                          <a:ea typeface="Cambria Math" panose="02040503050406030204" pitchFamily="18" charset="0"/>
+                        </a:rPr>
+                        <m:t>MVN</m:t>
                       </m:r>
                       <m:r>
                         <a:rPr lang="en-US" i="1">
@@ -5262,104 +5253,81 @@
                       <m:jc m:val="centerGroup"/>
                     </m:oMathParaPr>
                     <m:oMath xmlns:m="http://schemas.openxmlformats.org/officeDocument/2006/math">
-                      <m:sSub>
-                        <m:sSubPr>
+                      <m:r>
+                        <a:rPr lang="en-US" i="1">
+                          <a:latin typeface="Cambria Math" panose="02040503050406030204" pitchFamily="18" charset="0"/>
+                          <a:ea typeface="Cambria Math" panose="02040503050406030204" pitchFamily="18" charset="0"/>
+                        </a:rPr>
+                        <m:t>𝑐</m:t>
+                      </m:r>
+                      <m:r>
+                        <a:rPr lang="en-US" i="1">
+                          <a:latin typeface="Cambria Math" panose="02040503050406030204" pitchFamily="18" charset="0"/>
+                          <a:ea typeface="Cambria Math" panose="02040503050406030204" pitchFamily="18" charset="0"/>
+                        </a:rPr>
+                        <m:t>(</m:t>
+                      </m:r>
+                      <m:r>
+                        <a:rPr lang="en-US" i="1">
+                          <a:latin typeface="Cambria Math" panose="02040503050406030204" pitchFamily="18" charset="0"/>
+                          <a:ea typeface="Cambria Math" panose="02040503050406030204" pitchFamily="18" charset="0"/>
+                        </a:rPr>
+                        <m:t>𝑠</m:t>
+                      </m:r>
+                      <m:r>
+                        <a:rPr lang="en-US" i="1">
+                          <a:latin typeface="Cambria Math" panose="02040503050406030204" pitchFamily="18" charset="0"/>
+                          <a:ea typeface="Cambria Math" panose="02040503050406030204" pitchFamily="18" charset="0"/>
+                        </a:rPr>
+                        <m:t>)~</m:t>
+                      </m:r>
+                      <m:r>
+                        <a:rPr lang="en-US" i="1">
+                          <a:latin typeface="Cambria Math" panose="02040503050406030204" pitchFamily="18" charset="0"/>
+                          <a:ea typeface="Cambria Math" panose="02040503050406030204" pitchFamily="18" charset="0"/>
+                        </a:rPr>
+                        <m:t>𝑔</m:t>
+                      </m:r>
+                      <m:d>
+                        <m:dPr>
                           <m:ctrlPr>
                             <a:rPr lang="en-US" i="1">
                               <a:latin typeface="Cambria Math" panose="02040503050406030204" pitchFamily="18" charset="0"/>
                               <a:ea typeface="Cambria Math" panose="02040503050406030204" pitchFamily="18" charset="0"/>
                             </a:rPr>
                           </m:ctrlPr>
-                        </m:sSubPr>
+                        </m:dPr>
                         <m:e>
                           <m:r>
                             <a:rPr lang="en-US" i="1">
                               <a:latin typeface="Cambria Math" panose="02040503050406030204" pitchFamily="18" charset="0"/>
                               <a:ea typeface="Cambria Math" panose="02040503050406030204" pitchFamily="18" charset="0"/>
                             </a:rPr>
-                            <m:t>𝑐</m:t>
+                            <m:t>𝜇</m:t>
+                          </m:r>
+                          <m:r>
+                            <a:rPr lang="en-US" i="1">
+                              <a:latin typeface="Cambria Math" panose="02040503050406030204" pitchFamily="18" charset="0"/>
+                              <a:ea typeface="Cambria Math" panose="02040503050406030204" pitchFamily="18" charset="0"/>
+                            </a:rPr>
+                            <m:t>(</m:t>
+                          </m:r>
+                          <m:r>
+                            <a:rPr lang="en-US" i="1">
+                              <a:latin typeface="Cambria Math" panose="02040503050406030204" pitchFamily="18" charset="0"/>
+                              <a:ea typeface="Cambria Math" panose="02040503050406030204" pitchFamily="18" charset="0"/>
+                            </a:rPr>
+                            <m:t>𝑠</m:t>
+                          </m:r>
+                          <m:r>
+                            <a:rPr lang="en-US" i="1">
+                              <a:latin typeface="Cambria Math" panose="02040503050406030204" pitchFamily="18" charset="0"/>
+                              <a:ea typeface="Cambria Math" panose="02040503050406030204" pitchFamily="18" charset="0"/>
+                            </a:rPr>
+                            <m:t>)</m:t>
                           </m:r>
                         </m:e>
-                        <m:sub>
-                          <m:r>
-                            <a:rPr lang="en-US" i="1">
-                              <a:latin typeface="Cambria Math" panose="02040503050406030204" pitchFamily="18" charset="0"/>
-                              <a:ea typeface="Cambria Math" panose="02040503050406030204" pitchFamily="18" charset="0"/>
-                            </a:rPr>
-                            <m:t>𝑠</m:t>
-                          </m:r>
-                        </m:sub>
-                      </m:sSub>
-                      <m:r>
-                        <a:rPr lang="en-US" i="1">
-                          <a:latin typeface="Cambria Math" panose="02040503050406030204" pitchFamily="18" charset="0"/>
-                          <a:ea typeface="Cambria Math" panose="02040503050406030204" pitchFamily="18" charset="0"/>
-                        </a:rPr>
-                        <m:t>(</m:t>
-                      </m:r>
-                      <m:r>
-                        <a:rPr lang="en-US" i="1">
-                          <a:latin typeface="Cambria Math" panose="02040503050406030204" pitchFamily="18" charset="0"/>
-                          <a:ea typeface="Cambria Math" panose="02040503050406030204" pitchFamily="18" charset="0"/>
-                        </a:rPr>
-                        <m:t>𝑖</m:t>
-                      </m:r>
-                      <m:r>
-                        <a:rPr lang="en-US" i="1">
-                          <a:latin typeface="Cambria Math" panose="02040503050406030204" pitchFamily="18" charset="0"/>
-                          <a:ea typeface="Cambria Math" panose="02040503050406030204" pitchFamily="18" charset="0"/>
-                        </a:rPr>
-                        <m:t>)~</m:t>
-                      </m:r>
-                      <m:r>
-                        <a:rPr lang="en-US" i="1">
-                          <a:latin typeface="Cambria Math" panose="02040503050406030204" pitchFamily="18" charset="0"/>
-                          <a:ea typeface="Cambria Math" panose="02040503050406030204" pitchFamily="18" charset="0"/>
-                        </a:rPr>
-                        <m:t>𝑔</m:t>
-                      </m:r>
-                      <m:r>
-                        <a:rPr lang="en-US" i="1">
-                          <a:latin typeface="Cambria Math" panose="02040503050406030204" pitchFamily="18" charset="0"/>
-                          <a:ea typeface="Cambria Math" panose="02040503050406030204" pitchFamily="18" charset="0"/>
-                        </a:rPr>
-                        <m:t>(</m:t>
-                      </m:r>
-                      <m:sSub>
-                        <m:sSubPr>
-                          <m:ctrlPr>
-                            <a:rPr lang="en-US" i="1">
-                              <a:latin typeface="Cambria Math" panose="02040503050406030204" pitchFamily="18" charset="0"/>
-                              <a:ea typeface="Cambria Math" panose="02040503050406030204" pitchFamily="18" charset="0"/>
-                            </a:rPr>
-                          </m:ctrlPr>
-                        </m:sSubPr>
-                        <m:e>
-                          <m:r>
-                            <a:rPr lang="en-US" i="1">
-                              <a:latin typeface="Cambria Math" panose="02040503050406030204" pitchFamily="18" charset="0"/>
-                              <a:ea typeface="Cambria Math" panose="02040503050406030204" pitchFamily="18" charset="0"/>
-                            </a:rPr>
-                            <m:t>𝜇</m:t>
-                          </m:r>
-                        </m:e>
-                        <m:sub>
-                          <m:r>
-                            <a:rPr lang="en-US" i="1">
-                              <a:latin typeface="Cambria Math" panose="02040503050406030204" pitchFamily="18" charset="0"/>
-                              <a:ea typeface="Cambria Math" panose="02040503050406030204" pitchFamily="18" charset="0"/>
-                            </a:rPr>
-                            <m:t>𝑠</m:t>
-                          </m:r>
-                        </m:sub>
-                      </m:sSub>
-                      <m:r>
-                        <a:rPr lang="en-US" i="1">
-                          <a:latin typeface="Cambria Math" panose="02040503050406030204" pitchFamily="18" charset="0"/>
-                          <a:ea typeface="Cambria Math" panose="02040503050406030204" pitchFamily="18" charset="0"/>
-                        </a:rPr>
-                        <m:t>)</m:t>
-                      </m:r>
+                      </m:d>
                     </m:oMath>
                   </m:oMathPara>
                 </a14:m>
@@ -5375,34 +5343,32 @@
                       <m:jc m:val="centerGroup"/>
                     </m:oMathParaPr>
                     <m:oMath xmlns:m="http://schemas.openxmlformats.org/officeDocument/2006/math">
-                      <m:sSub>
-                        <m:sSubPr>
+                      <m:r>
+                        <a:rPr lang="en-US" i="1">
+                          <a:latin typeface="Cambria Math" panose="02040503050406030204" pitchFamily="18" charset="0"/>
+                          <a:ea typeface="Cambria Math" panose="02040503050406030204" pitchFamily="18" charset="0"/>
+                        </a:rPr>
+                        <m:t>𝜇</m:t>
+                      </m:r>
+                      <m:d>
+                        <m:dPr>
                           <m:ctrlPr>
                             <a:rPr lang="en-US" i="1">
                               <a:latin typeface="Cambria Math" panose="02040503050406030204" pitchFamily="18" charset="0"/>
                               <a:ea typeface="Cambria Math" panose="02040503050406030204" pitchFamily="18" charset="0"/>
                             </a:rPr>
                           </m:ctrlPr>
-                        </m:sSubPr>
+                        </m:dPr>
                         <m:e>
                           <m:r>
                             <a:rPr lang="en-US" i="1">
                               <a:latin typeface="Cambria Math" panose="02040503050406030204" pitchFamily="18" charset="0"/>
                               <a:ea typeface="Cambria Math" panose="02040503050406030204" pitchFamily="18" charset="0"/>
                             </a:rPr>
-                            <m:t>𝜇</m:t>
+                            <m:t>𝑠</m:t>
                           </m:r>
                         </m:e>
-                        <m:sub>
-                          <m:r>
-                            <a:rPr lang="en-US" i="1">
-                              <a:latin typeface="Cambria Math" panose="02040503050406030204" pitchFamily="18" charset="0"/>
-                              <a:ea typeface="Cambria Math" panose="02040503050406030204" pitchFamily="18" charset="0"/>
-                            </a:rPr>
-                            <m:t>𝑠</m:t>
-                          </m:r>
-                        </m:sub>
-                      </m:sSub>
+                      </m:d>
                       <m:r>
                         <a:rPr lang="en-US" i="1">
                           <a:latin typeface="Cambria Math" panose="02040503050406030204" pitchFamily="18" charset="0"/>
@@ -5415,7 +5381,28 @@
                           <a:latin typeface="Cambria Math" panose="02040503050406030204" pitchFamily="18" charset="0"/>
                           <a:ea typeface="Cambria Math" panose="02040503050406030204" pitchFamily="18" charset="0"/>
                         </a:rPr>
-                        <m:t>𝐗</m:t>
+                        <m:t>𝐱</m:t>
+                      </m:r>
+                      <m:r>
+                        <a:rPr lang="en-US">
+                          <a:latin typeface="Cambria Math" panose="02040503050406030204" pitchFamily="18" charset="0"/>
+                          <a:ea typeface="Cambria Math" panose="02040503050406030204" pitchFamily="18" charset="0"/>
+                        </a:rPr>
+                        <m:t>(</m:t>
+                      </m:r>
+                      <m:r>
+                        <a:rPr lang="en-US" i="1">
+                          <a:latin typeface="Cambria Math" panose="02040503050406030204" pitchFamily="18" charset="0"/>
+                          <a:ea typeface="Cambria Math" panose="02040503050406030204" pitchFamily="18" charset="0"/>
+                        </a:rPr>
+                        <m:t>𝑠</m:t>
+                      </m:r>
+                      <m:r>
+                        <a:rPr lang="en-US">
+                          <a:latin typeface="Cambria Math" panose="02040503050406030204" pitchFamily="18" charset="0"/>
+                          <a:ea typeface="Cambria Math" panose="02040503050406030204" pitchFamily="18" charset="0"/>
+                        </a:rPr>
+                        <m:t>)</m:t>
                       </m:r>
                       <m:r>
                         <a:rPr lang="en-US" b="1">
@@ -5431,34 +5418,34 @@
                         </a:rPr>
                         <m:t>+</m:t>
                       </m:r>
-                      <m:sSub>
-                        <m:sSubPr>
-                          <m:ctrlPr>
-                            <a:rPr lang="en-US" i="1">
-                              <a:latin typeface="Cambria Math" panose="02040503050406030204" pitchFamily="18" charset="0"/>
-                              <a:ea typeface="Cambria Math" panose="02040503050406030204" pitchFamily="18" charset="0"/>
-                            </a:rPr>
-                          </m:ctrlPr>
-                        </m:sSubPr>
-                        <m:e>
-                          <m:r>
-                            <a:rPr lang="en-US" i="1">
-                              <a:latin typeface="Cambria Math" panose="02040503050406030204" pitchFamily="18" charset="0"/>
-                              <a:ea typeface="Cambria Math" panose="02040503050406030204" pitchFamily="18" charset="0"/>
-                            </a:rPr>
-                            <m:t>𝜀</m:t>
-                          </m:r>
-                        </m:e>
-                        <m:sub>
-                          <m:r>
-                            <a:rPr lang="en-US" i="1">
-                              <a:latin typeface="Cambria Math" panose="02040503050406030204" pitchFamily="18" charset="0"/>
-                              <a:ea typeface="Cambria Math" panose="02040503050406030204" pitchFamily="18" charset="0"/>
-                            </a:rPr>
-                            <m:t>𝑠</m:t>
-                          </m:r>
-                        </m:sub>
-                      </m:sSub>
+                      <m:r>
+                        <a:rPr lang="en-US" i="1">
+                          <a:latin typeface="Cambria Math" panose="02040503050406030204" pitchFamily="18" charset="0"/>
+                          <a:ea typeface="Cambria Math" panose="02040503050406030204" pitchFamily="18" charset="0"/>
+                        </a:rPr>
+                        <m:t>𝜀</m:t>
+                      </m:r>
+                      <m:r>
+                        <a:rPr lang="en-US" i="1">
+                          <a:latin typeface="Cambria Math" panose="02040503050406030204" pitchFamily="18" charset="0"/>
+                          <a:ea typeface="Cambria Math" panose="02040503050406030204" pitchFamily="18" charset="0"/>
+                        </a:rPr>
+                        <m:t>(</m:t>
+                      </m:r>
+                      <m:r>
+                        <a:rPr lang="en-US" i="1">
+                          <a:latin typeface="Cambria Math" panose="02040503050406030204" pitchFamily="18" charset="0"/>
+                          <a:ea typeface="Cambria Math" panose="02040503050406030204" pitchFamily="18" charset="0"/>
+                        </a:rPr>
+                        <m:t>𝑠</m:t>
+                      </m:r>
+                      <m:r>
+                        <a:rPr lang="en-US" i="1">
+                          <a:latin typeface="Cambria Math" panose="02040503050406030204" pitchFamily="18" charset="0"/>
+                          <a:ea typeface="Cambria Math" panose="02040503050406030204" pitchFamily="18" charset="0"/>
+                        </a:rPr>
+                        <m:t>)</m:t>
+                      </m:r>
                     </m:oMath>
                   </m:oMathPara>
                 </a14:m>
@@ -5475,7 +5462,7 @@
                     </m:oMathParaPr>
                     <m:oMath xmlns:m="http://schemas.openxmlformats.org/officeDocument/2006/math">
                       <m:r>
-                        <a:rPr lang="en-US" b="1" i="0">
+                        <a:rPr lang="en-US" b="1">
                           <a:latin typeface="Cambria Math" panose="02040503050406030204" pitchFamily="18" charset="0"/>
                           <a:ea typeface="Cambria Math" panose="02040503050406030204" pitchFamily="18" charset="0"/>
                         </a:rPr>
@@ -5489,11 +5476,14 @@
                         <m:t>~</m:t>
                       </m:r>
                       <m:r>
-                        <a:rPr lang="en-US" b="0" i="1" smtClean="0">
-                          <a:latin typeface="Cambria Math" panose="02040503050406030204" pitchFamily="18" charset="0"/>
-                          <a:ea typeface="Cambria Math" panose="02040503050406030204" pitchFamily="18" charset="0"/>
-                        </a:rPr>
-                        <m:t>𝑀𝑉𝑁</m:t>
+                        <m:rPr>
+                          <m:sty m:val="p"/>
+                        </m:rPr>
+                        <a:rPr lang="en-US">
+                          <a:latin typeface="Cambria Math" panose="02040503050406030204" pitchFamily="18" charset="0"/>
+                          <a:ea typeface="Cambria Math" panose="02040503050406030204" pitchFamily="18" charset="0"/>
+                        </a:rPr>
+                        <m:t>MVN</m:t>
                       </m:r>
                       <m:r>
                         <a:rPr lang="en-US" i="1">
@@ -5503,7 +5493,7 @@
                         <m:t>(0,</m:t>
                       </m:r>
                       <m:r>
-                        <a:rPr lang="el-GR" b="1" i="0" smtClean="0">
+                        <a:rPr lang="el-GR" b="1">
                           <a:latin typeface="Cambria Math" panose="02040503050406030204" pitchFamily="18" charset="0"/>
                           <a:ea typeface="Cambria Math" panose="02040503050406030204" pitchFamily="18" charset="0"/>
                         </a:rPr>
@@ -5519,7 +5509,7 @@
                     </m:oMath>
                   </m:oMathPara>
                 </a14:m>
-                <a:endParaRPr lang="en-US" dirty="0" smtClean="0"/>
+                <a:endParaRPr lang="en-US" dirty="0"/>
               </a:p>
               <a:p>
                 <a:pPr marL="400050" lvl="1" indent="0">
@@ -5668,7 +5658,7 @@
           <a:graphicData uri="http://schemas.openxmlformats.org/presentationml/2006/ole">
             <mc:AlternateContent xmlns:mc="http://schemas.openxmlformats.org/markup-compatibility/2006">
               <mc:Choice xmlns:v="urn:schemas-microsoft-com:vml" Requires="v">
-                <p:oleObj spid="_x0000_s5142" name="Equation" r:id="rId4" imgW="2781000" imgH="1168200" progId="Equation.DSMT4">
+                <p:oleObj spid="_x0000_s5148" name="Equation" r:id="rId4" imgW="2781000" imgH="1168200" progId="Equation.DSMT4">
                   <p:embed/>
                 </p:oleObj>
               </mc:Choice>
@@ -5803,47 +5793,33 @@
                       <m:jc m:val="centerGroup"/>
                     </m:oMathParaPr>
                     <m:oMath xmlns:m="http://schemas.openxmlformats.org/officeDocument/2006/math">
-                      <m:sSub>
-                        <m:sSubPr>
-                          <m:ctrlPr>
-                            <a:rPr lang="en-US" sz="2400" i="1">
-                              <a:latin typeface="Cambria Math" panose="02040503050406030204" pitchFamily="18" charset="0"/>
-                              <a:ea typeface="Cambria Math" panose="02040503050406030204" pitchFamily="18" charset="0"/>
-                            </a:rPr>
-                          </m:ctrlPr>
-                        </m:sSubPr>
-                        <m:e>
-                          <m:r>
-                            <a:rPr lang="en-US" sz="2400" i="1">
-                              <a:latin typeface="Cambria Math" panose="02040503050406030204" pitchFamily="18" charset="0"/>
-                              <a:ea typeface="Cambria Math" panose="02040503050406030204" pitchFamily="18" charset="0"/>
-                            </a:rPr>
-                            <m:t>𝜀</m:t>
-                          </m:r>
-                        </m:e>
-                        <m:sub>
-                          <m:r>
-                            <a:rPr lang="en-US" sz="2400" i="1">
-                              <a:latin typeface="Cambria Math" panose="02040503050406030204" pitchFamily="18" charset="0"/>
-                              <a:ea typeface="Cambria Math" panose="02040503050406030204" pitchFamily="18" charset="0"/>
-                            </a:rPr>
-                            <m:t>𝑠</m:t>
-                          </m:r>
-                          <m:r>
-                            <a:rPr lang="en-US" sz="2400" i="1">
-                              <a:latin typeface="Cambria Math" panose="02040503050406030204" pitchFamily="18" charset="0"/>
-                              <a:ea typeface="Cambria Math" panose="02040503050406030204" pitchFamily="18" charset="0"/>
-                            </a:rPr>
-                            <m:t>+1</m:t>
-                          </m:r>
-                        </m:sub>
-                      </m:sSub>
                       <m:r>
                         <a:rPr lang="en-US" sz="2400" i="1">
                           <a:latin typeface="Cambria Math" panose="02040503050406030204" pitchFamily="18" charset="0"/>
                           <a:ea typeface="Cambria Math" panose="02040503050406030204" pitchFamily="18" charset="0"/>
                         </a:rPr>
-                        <m:t>~</m:t>
+                        <m:t>𝜀</m:t>
+                      </m:r>
+                      <m:r>
+                        <a:rPr lang="en-US" sz="2400" b="0" i="1" smtClean="0">
+                          <a:latin typeface="Cambria Math" panose="02040503050406030204" pitchFamily="18" charset="0"/>
+                          <a:ea typeface="Cambria Math" panose="02040503050406030204" pitchFamily="18" charset="0"/>
+                        </a:rPr>
+                        <m:t>(</m:t>
+                      </m:r>
+                      <m:r>
+                        <a:rPr lang="en-US" sz="2400" b="0" i="1" smtClean="0">
+                          <a:latin typeface="Cambria Math" panose="02040503050406030204" pitchFamily="18" charset="0"/>
+                          <a:ea typeface="Cambria Math" panose="02040503050406030204" pitchFamily="18" charset="0"/>
+                        </a:rPr>
+                        <m:t>𝑠</m:t>
+                      </m:r>
+                      <m:r>
+                        <a:rPr lang="en-US" sz="2400" b="0" i="1" smtClean="0">
+                          <a:latin typeface="Cambria Math" panose="02040503050406030204" pitchFamily="18" charset="0"/>
+                          <a:ea typeface="Cambria Math" panose="02040503050406030204" pitchFamily="18" charset="0"/>
+                        </a:rPr>
+                        <m:t>+1)~</m:t>
                       </m:r>
                       <m:r>
                         <a:rPr lang="en-US" sz="2400" i="1">
@@ -5864,42 +5840,28 @@
                           <a:latin typeface="Cambria Math" panose="02040503050406030204" pitchFamily="18" charset="0"/>
                           <a:ea typeface="Cambria Math" panose="02040503050406030204" pitchFamily="18" charset="0"/>
                         </a:rPr>
-                        <m:t>𝜌</m:t>
-                      </m:r>
-                      <m:sSub>
-                        <m:sSubPr>
-                          <m:ctrlPr>
-                            <a:rPr lang="en-US" sz="2400" i="1">
-                              <a:latin typeface="Cambria Math" panose="02040503050406030204" pitchFamily="18" charset="0"/>
-                              <a:ea typeface="Cambria Math" panose="02040503050406030204" pitchFamily="18" charset="0"/>
-                            </a:rPr>
-                          </m:ctrlPr>
-                        </m:sSubPr>
-                        <m:e>
-                          <m:r>
-                            <a:rPr lang="en-US" sz="2400" i="1">
-                              <a:latin typeface="Cambria Math" panose="02040503050406030204" pitchFamily="18" charset="0"/>
-                              <a:ea typeface="Cambria Math" panose="02040503050406030204" pitchFamily="18" charset="0"/>
-                            </a:rPr>
-                            <m:t>𝜀</m:t>
-                          </m:r>
-                        </m:e>
-                        <m:sub>
-                          <m:r>
-                            <a:rPr lang="en-US" sz="2400" i="1">
-                              <a:latin typeface="Cambria Math" panose="02040503050406030204" pitchFamily="18" charset="0"/>
-                              <a:ea typeface="Cambria Math" panose="02040503050406030204" pitchFamily="18" charset="0"/>
-                            </a:rPr>
-                            <m:t>𝑠</m:t>
-                          </m:r>
-                        </m:sub>
-                      </m:sSub>
-                      <m:r>
-                        <a:rPr lang="en-US" sz="2400" i="1">
-                          <a:latin typeface="Cambria Math" panose="02040503050406030204" pitchFamily="18" charset="0"/>
-                          <a:ea typeface="Cambria Math" panose="02040503050406030204" pitchFamily="18" charset="0"/>
-                        </a:rPr>
-                        <m:t>,</m:t>
+                        <m:t>𝜌𝜀</m:t>
+                      </m:r>
+                      <m:r>
+                        <a:rPr lang="en-US" sz="2400" b="0" i="1" smtClean="0">
+                          <a:latin typeface="Cambria Math" panose="02040503050406030204" pitchFamily="18" charset="0"/>
+                          <a:ea typeface="Cambria Math" panose="02040503050406030204" pitchFamily="18" charset="0"/>
+                        </a:rPr>
+                        <m:t>(</m:t>
+                      </m:r>
+                      <m:r>
+                        <a:rPr lang="en-US" sz="2400" b="0" i="1" smtClean="0">
+                          <a:latin typeface="Cambria Math" panose="02040503050406030204" pitchFamily="18" charset="0"/>
+                          <a:ea typeface="Cambria Math" panose="02040503050406030204" pitchFamily="18" charset="0"/>
+                        </a:rPr>
+                        <m:t>𝑠</m:t>
+                      </m:r>
+                      <m:r>
+                        <a:rPr lang="en-US" sz="2400" b="0" i="1" smtClean="0">
+                          <a:latin typeface="Cambria Math" panose="02040503050406030204" pitchFamily="18" charset="0"/>
+                          <a:ea typeface="Cambria Math" panose="02040503050406030204" pitchFamily="18" charset="0"/>
+                        </a:rPr>
+                        <m:t>),</m:t>
                       </m:r>
                       <m:sSubSup>
                         <m:sSubSupPr>
@@ -6189,11 +6151,14 @@
                         <m:t>~</m:t>
                       </m:r>
                       <m:r>
-                        <a:rPr lang="en-US" i="1">
-                          <a:latin typeface="Cambria Math" panose="02040503050406030204" pitchFamily="18" charset="0"/>
-                          <a:ea typeface="Cambria Math" panose="02040503050406030204" pitchFamily="18" charset="0"/>
-                        </a:rPr>
-                        <m:t>𝑀𝑉𝑁</m:t>
+                        <m:rPr>
+                          <m:sty m:val="p"/>
+                        </m:rPr>
+                        <a:rPr lang="en-US" i="0">
+                          <a:latin typeface="Cambria Math" panose="02040503050406030204" pitchFamily="18" charset="0"/>
+                          <a:ea typeface="Cambria Math" panose="02040503050406030204" pitchFamily="18" charset="0"/>
+                        </a:rPr>
+                        <m:t>MVN</m:t>
                       </m:r>
                       <m:r>
                         <a:rPr lang="en-US" i="1">
@@ -7197,13 +7162,6 @@
   <p:clrMapOvr>
     <a:masterClrMapping/>
   </p:clrMapOvr>
-  <p:timing>
-    <p:tnLst>
-      <p:par>
-        <p:cTn id="1" dur="indefinite" restart="never" nodeType="tmRoot"/>
-      </p:par>
-    </p:tnLst>
-  </p:timing>
 </p:sld>
 </file>
 
@@ -7340,7 +7298,7 @@
                           <a:latin typeface="Cambria Math" panose="02040503050406030204" pitchFamily="18" charset="0"/>
                           <a:ea typeface="Cambria Math" panose="02040503050406030204" pitchFamily="18" charset="0"/>
                         </a:rPr>
-                        <m:t>)=</m:t>
+                        <m:t>)∝</m:t>
                       </m:r>
                       <m:func>
                         <m:funcPr>
@@ -7940,13 +7898,6 @@
   <p:clrMapOvr>
     <a:masterClrMapping/>
   </p:clrMapOvr>
-  <p:timing>
-    <p:tnLst>
-      <p:par>
-        <p:cTn id="1" dur="indefinite" restart="never" nodeType="tmRoot"/>
-      </p:par>
-    </p:tnLst>
-  </p:timing>
 </p:sld>
 </file>
 
@@ -9046,13 +8997,6 @@
   <p:clrMapOvr>
     <a:masterClrMapping/>
   </p:clrMapOvr>
-  <p:timing>
-    <p:tnLst>
-      <p:par>
-        <p:cTn id="1" dur="indefinite" restart="never" nodeType="tmRoot"/>
-      </p:par>
-    </p:tnLst>
-  </p:timing>
 </p:sld>
 </file>
 
@@ -9092,8 +9036,8 @@
           </a:p>
         </p:txBody>
       </p:sp>
-      <mc:AlternateContent xmlns:mc="http://schemas.openxmlformats.org/markup-compatibility/2006" xmlns:a14="http://schemas.microsoft.com/office/drawing/2010/main">
-        <mc:Choice Requires="a14">
+      <mc:AlternateContent xmlns:mc="http://schemas.openxmlformats.org/markup-compatibility/2006">
+        <mc:Choice xmlns:a14="http://schemas.microsoft.com/office/drawing/2010/main" Requires="a14">
           <p:sp>
             <p:nvSpPr>
               <p:cNvPr id="3" name="Content Placeholder 2"/>
@@ -9106,14 +9050,16 @@
             </p:nvSpPr>
             <p:spPr/>
             <p:txBody>
-              <a:bodyPr/>
+              <a:bodyPr>
+                <a:normAutofit/>
+              </a:bodyPr>
               <a:lstStyle/>
               <a:p>
                 <a:pPr marL="0" indent="0">
                   <a:buNone/>
                 </a:pPr>
                 <a:r>
-                  <a:rPr lang="en-US" dirty="0" smtClean="0"/>
+                  <a:rPr lang="en-US" sz="1800" dirty="0" smtClean="0"/>
                   <a:t>Gaussian process</a:t>
                 </a:r>
               </a:p>
@@ -9128,42 +9074,42 @@
                     </m:oMathParaPr>
                     <m:oMath xmlns:m="http://schemas.openxmlformats.org/officeDocument/2006/math">
                       <m:r>
-                        <a:rPr lang="en-US" b="0" i="1" smtClean="0">
+                        <a:rPr lang="en-US" sz="1800" b="0" i="1" smtClean="0">
                           <a:latin typeface="Cambria Math" panose="02040503050406030204" pitchFamily="18" charset="0"/>
                           <a:ea typeface="Cambria Math" panose="02040503050406030204" pitchFamily="18" charset="0"/>
                         </a:rPr>
                         <m:t>ℰ</m:t>
                       </m:r>
                       <m:r>
-                        <a:rPr lang="en-US" b="0" i="1" smtClean="0">
+                        <a:rPr lang="en-US" sz="1800" b="0" i="1" smtClean="0">
                           <a:latin typeface="Cambria Math" panose="02040503050406030204" pitchFamily="18" charset="0"/>
                           <a:ea typeface="Cambria Math" panose="02040503050406030204" pitchFamily="18" charset="0"/>
                         </a:rPr>
                         <m:t>~</m:t>
                       </m:r>
                       <m:r>
-                        <a:rPr lang="en-US" b="0" i="1" smtClean="0">
+                        <a:rPr lang="en-US" sz="1800" b="0" i="1" smtClean="0">
                           <a:latin typeface="Cambria Math" panose="02040503050406030204" pitchFamily="18" charset="0"/>
                           <a:ea typeface="Cambria Math" panose="02040503050406030204" pitchFamily="18" charset="0"/>
                         </a:rPr>
                         <m:t>𝐺𝑃</m:t>
                       </m:r>
                       <m:r>
-                        <a:rPr lang="en-US" b="0" i="1" smtClean="0">
+                        <a:rPr lang="en-US" sz="1800" b="0" i="1" smtClean="0">
                           <a:latin typeface="Cambria Math" panose="02040503050406030204" pitchFamily="18" charset="0"/>
                           <a:ea typeface="Cambria Math" panose="02040503050406030204" pitchFamily="18" charset="0"/>
                         </a:rPr>
                         <m:t>(0,</m:t>
                       </m:r>
                       <m:r>
-                        <a:rPr lang="en-US" b="0" i="1" smtClean="0">
+                        <a:rPr lang="en-US" sz="1800" b="0" i="1" smtClean="0">
                           <a:latin typeface="Cambria Math" panose="02040503050406030204" pitchFamily="18" charset="0"/>
                           <a:ea typeface="Cambria Math" panose="02040503050406030204" pitchFamily="18" charset="0"/>
                         </a:rPr>
                         <m:t>𝒞</m:t>
                       </m:r>
                       <m:r>
-                        <a:rPr lang="en-US" b="0" i="1" smtClean="0">
+                        <a:rPr lang="en-US" sz="1800" b="0" i="1" smtClean="0">
                           <a:latin typeface="Cambria Math" panose="02040503050406030204" pitchFamily="18" charset="0"/>
                           <a:ea typeface="Cambria Math" panose="02040503050406030204" pitchFamily="18" charset="0"/>
                         </a:rPr>
@@ -9172,22 +9118,203 @@
                     </m:oMath>
                   </m:oMathPara>
                 </a14:m>
-                <a:endParaRPr lang="en-GB" dirty="0" smtClean="0"/>
+                <a:endParaRPr lang="en-GB" sz="1800" dirty="0" smtClean="0"/>
               </a:p>
               <a:p>
                 <a:pPr marL="0" indent="0">
                   <a:buNone/>
                 </a:pPr>
                 <a:r>
-                  <a:rPr lang="en-US" dirty="0" smtClean="0"/>
-                  <a:t>Then…</a:t>
+                  <a:rPr lang="en-US" sz="1800" dirty="0" smtClean="0"/>
+                  <a:t>Then</a:t>
                 </a:r>
-                <a:endParaRPr lang="en-GB" dirty="0"/>
+                <a:r>
+                  <a:rPr lang="en-US" sz="1800" dirty="0" smtClean="0"/>
+                  <a:t>…</a:t>
+                </a:r>
+              </a:p>
+              <a:p>
+                <a:pPr marL="0" indent="0">
+                  <a:buNone/>
+                </a:pPr>
+                <a14:m>
+                  <m:oMathPara xmlns:m="http://schemas.openxmlformats.org/officeDocument/2006/math">
+                    <m:oMathParaPr>
+                      <m:jc m:val="centerGroup"/>
+                    </m:oMathParaPr>
+                    <m:oMath xmlns:m="http://schemas.openxmlformats.org/officeDocument/2006/math">
+                      <m:r>
+                        <a:rPr lang="en-GB" sz="1800" b="1">
+                          <a:latin typeface="Cambria Math" panose="02040503050406030204" pitchFamily="18" charset="0"/>
+                          <a:ea typeface="Cambria Math" panose="02040503050406030204" pitchFamily="18" charset="0"/>
+                        </a:rPr>
+                        <m:t>𝛆</m:t>
+                      </m:r>
+                      <m:r>
+                        <a:rPr lang="en-US" sz="1800" i="1">
+                          <a:latin typeface="Cambria Math" panose="02040503050406030204" pitchFamily="18" charset="0"/>
+                          <a:ea typeface="Cambria Math" panose="02040503050406030204" pitchFamily="18" charset="0"/>
+                        </a:rPr>
+                        <m:t>~</m:t>
+                      </m:r>
+                      <m:r>
+                        <m:rPr>
+                          <m:sty m:val="p"/>
+                        </m:rPr>
+                        <a:rPr lang="en-US" sz="1800">
+                          <a:latin typeface="Cambria Math" panose="02040503050406030204" pitchFamily="18" charset="0"/>
+                          <a:ea typeface="Cambria Math" panose="02040503050406030204" pitchFamily="18" charset="0"/>
+                        </a:rPr>
+                        <m:t>MVN</m:t>
+                      </m:r>
+                      <m:d>
+                        <m:dPr>
+                          <m:ctrlPr>
+                            <a:rPr lang="en-US" sz="1800" i="1">
+                              <a:latin typeface="Cambria Math" panose="02040503050406030204" pitchFamily="18" charset="0"/>
+                              <a:ea typeface="Cambria Math" panose="02040503050406030204" pitchFamily="18" charset="0"/>
+                            </a:rPr>
+                          </m:ctrlPr>
+                        </m:dPr>
+                        <m:e>
+                          <m:r>
+                            <a:rPr lang="en-US" sz="1800" i="1">
+                              <a:latin typeface="Cambria Math" panose="02040503050406030204" pitchFamily="18" charset="0"/>
+                              <a:ea typeface="Cambria Math" panose="02040503050406030204" pitchFamily="18" charset="0"/>
+                            </a:rPr>
+                            <m:t>0,</m:t>
+                          </m:r>
+                          <m:r>
+                            <a:rPr lang="el-GR" sz="1800" b="1">
+                              <a:latin typeface="Cambria Math" panose="02040503050406030204" pitchFamily="18" charset="0"/>
+                              <a:ea typeface="Cambria Math" panose="02040503050406030204" pitchFamily="18" charset="0"/>
+                            </a:rPr>
+                            <m:t>𝚺</m:t>
+                          </m:r>
+                        </m:e>
+                      </m:d>
+                    </m:oMath>
+                  </m:oMathPara>
+                </a14:m>
+                <a:endParaRPr lang="en-GB" sz="1800" dirty="0" smtClean="0"/>
+              </a:p>
+              <a:p>
+                <a:pPr marL="0" indent="0">
+                  <a:buNone/>
+                </a:pPr>
+                <a:r>
+                  <a:rPr lang="en-US" sz="1800" dirty="0" smtClean="0"/>
+                  <a:t>…which means…</a:t>
+                </a:r>
+              </a:p>
+              <a:p>
+                <a:pPr marL="0" indent="0">
+                  <a:buNone/>
+                </a:pPr>
+                <a14:m>
+                  <m:oMathPara xmlns:m="http://schemas.openxmlformats.org/officeDocument/2006/math">
+                    <m:oMathParaPr>
+                      <m:jc m:val="centerGroup"/>
+                    </m:oMathParaPr>
+                    <m:oMath xmlns:m="http://schemas.openxmlformats.org/officeDocument/2006/math">
+                      <m:r>
+                        <a:rPr lang="en-US" sz="1800" b="1" i="0" smtClean="0">
+                          <a:latin typeface="Cambria Math" panose="02040503050406030204" pitchFamily="18" charset="0"/>
+                        </a:rPr>
+                        <m:t>𝐩</m:t>
+                      </m:r>
+                      <m:r>
+                        <a:rPr lang="en-US" sz="1800" b="0" i="1" smtClean="0">
+                          <a:latin typeface="Cambria Math" panose="02040503050406030204" pitchFamily="18" charset="0"/>
+                        </a:rPr>
+                        <m:t>~</m:t>
+                      </m:r>
+                      <m:r>
+                        <m:rPr>
+                          <m:sty m:val="p"/>
+                        </m:rPr>
+                        <a:rPr lang="en-US" sz="1800" b="0" i="0" smtClean="0">
+                          <a:latin typeface="Cambria Math" panose="02040503050406030204" pitchFamily="18" charset="0"/>
+                        </a:rPr>
+                        <m:t>MVN</m:t>
+                      </m:r>
+                      <m:r>
+                        <a:rPr lang="en-US" sz="1800" b="0" i="1" smtClean="0">
+                          <a:latin typeface="Cambria Math" panose="02040503050406030204" pitchFamily="18" charset="0"/>
+                        </a:rPr>
+                        <m:t>(</m:t>
+                      </m:r>
+                      <m:r>
+                        <a:rPr lang="en-US" sz="1800" b="0" i="1" smtClean="0">
+                          <a:latin typeface="Cambria Math" panose="02040503050406030204" pitchFamily="18" charset="0"/>
+                        </a:rPr>
+                        <m:t>𝑓</m:t>
+                      </m:r>
+                      <m:d>
+                        <m:dPr>
+                          <m:ctrlPr>
+                            <a:rPr lang="en-US" sz="1800" b="0" i="1" smtClean="0">
+                              <a:latin typeface="Cambria Math" panose="02040503050406030204" pitchFamily="18" charset="0"/>
+                            </a:rPr>
+                          </m:ctrlPr>
+                        </m:dPr>
+                        <m:e>
+                          <m:r>
+                            <a:rPr lang="en-US" sz="1800" b="1" i="0" smtClean="0">
+                              <a:latin typeface="Cambria Math" panose="02040503050406030204" pitchFamily="18" charset="0"/>
+                            </a:rPr>
+                            <m:t>𝐛</m:t>
+                          </m:r>
+                          <m:r>
+                            <a:rPr lang="en-US" sz="1800" b="0" i="1" smtClean="0">
+                              <a:latin typeface="Cambria Math" panose="02040503050406030204" pitchFamily="18" charset="0"/>
+                            </a:rPr>
+                            <m:t>;</m:t>
+                          </m:r>
+                          <m:r>
+                            <a:rPr lang="en-US" sz="1800" b="1" i="0" smtClean="0">
+                              <a:latin typeface="Cambria Math" panose="02040503050406030204" pitchFamily="18" charset="0"/>
+                              <a:ea typeface="Cambria Math" panose="02040503050406030204" pitchFamily="18" charset="0"/>
+                            </a:rPr>
+                            <m:t>𝛉</m:t>
+                          </m:r>
+                        </m:e>
+                      </m:d>
+                      <m:r>
+                        <a:rPr lang="en-US" sz="1800" b="0" i="1" smtClean="0">
+                          <a:latin typeface="Cambria Math" panose="02040503050406030204" pitchFamily="18" charset="0"/>
+                        </a:rPr>
+                        <m:t>,</m:t>
+                      </m:r>
+                      <m:r>
+                        <a:rPr lang="el-GR" sz="1800" b="1">
+                          <a:latin typeface="Cambria Math" panose="02040503050406030204" pitchFamily="18" charset="0"/>
+                          <a:ea typeface="Cambria Math" panose="02040503050406030204" pitchFamily="18" charset="0"/>
+                        </a:rPr>
+                        <m:t>𝚺</m:t>
+                      </m:r>
+                      <m:r>
+                        <a:rPr lang="en-US" sz="1800" b="1" i="0" smtClean="0">
+                          <a:latin typeface="Cambria Math" panose="02040503050406030204" pitchFamily="18" charset="0"/>
+                          <a:ea typeface="Cambria Math" panose="02040503050406030204" pitchFamily="18" charset="0"/>
+                        </a:rPr>
+                        <m:t>)</m:t>
+                      </m:r>
+                    </m:oMath>
+                  </m:oMathPara>
+                </a14:m>
+                <a:endParaRPr lang="en-US" sz="1800" dirty="0" smtClean="0"/>
+              </a:p>
+              <a:p>
+                <a:pPr marL="0" indent="0">
+                  <a:buNone/>
+                </a:pPr>
+                <a:endParaRPr lang="en-GB" sz="1800" dirty="0"/>
               </a:p>
             </p:txBody>
           </p:sp>
         </mc:Choice>
-        <mc:Fallback xmlns="">
+        <mc:Fallback>
           <p:sp>
             <p:nvSpPr>
               <p:cNvPr id="3" name="Content Placeholder 2"/>
@@ -9202,7 +9329,7 @@
               <a:blipFill>
                 <a:blip r:embed="rId2"/>
                 <a:stretch>
-                  <a:fillRect l="-1424" t="-1026"/>
+                  <a:fillRect l="-610" t="-615"/>
                 </a:stretch>
               </a:blipFill>
             </p:spPr>
@@ -9322,128 +9449,6 @@
           </a:p>
         </p:txBody>
       </p:sp>
-      <mc:AlternateContent xmlns:mc="http://schemas.openxmlformats.org/markup-compatibility/2006" xmlns:a14="http://schemas.microsoft.com/office/drawing/2010/main">
-        <mc:Choice Requires="a14">
-          <p:sp>
-            <p:nvSpPr>
-              <p:cNvPr id="7" name="Rectangle 6"/>
-              <p:cNvSpPr/>
-              <p:nvPr/>
-            </p:nvSpPr>
-            <p:spPr>
-              <a:xfrm>
-                <a:off x="3491818" y="2453696"/>
-                <a:ext cx="2364430" cy="523220"/>
-              </a:xfrm>
-              <a:prstGeom prst="rect">
-                <a:avLst/>
-              </a:prstGeom>
-            </p:spPr>
-            <p:txBody>
-              <a:bodyPr wrap="none">
-                <a:spAutoFit/>
-              </a:bodyPr>
-              <a:lstStyle/>
-              <a:p>
-                <a:pPr/>
-                <a14:m>
-                  <m:oMathPara xmlns:m="http://schemas.openxmlformats.org/officeDocument/2006/math">
-                    <m:oMathParaPr>
-                      <m:jc m:val="centerGroup"/>
-                    </m:oMathParaPr>
-                    <m:oMath xmlns:m="http://schemas.openxmlformats.org/officeDocument/2006/math">
-                      <m:r>
-                        <a:rPr lang="en-GB" sz="2800" b="1" smtClean="0">
-                          <a:latin typeface="Cambria Math" panose="02040503050406030204" pitchFamily="18" charset="0"/>
-                          <a:ea typeface="Cambria Math" panose="02040503050406030204" pitchFamily="18" charset="0"/>
-                        </a:rPr>
-                        <m:t>𝛆</m:t>
-                      </m:r>
-                      <m:r>
-                        <a:rPr lang="en-US" sz="2800" i="1">
-                          <a:latin typeface="Cambria Math" panose="02040503050406030204" pitchFamily="18" charset="0"/>
-                          <a:ea typeface="Cambria Math" panose="02040503050406030204" pitchFamily="18" charset="0"/>
-                        </a:rPr>
-                        <m:t>~</m:t>
-                      </m:r>
-                      <m:r>
-                        <m:rPr>
-                          <m:sty m:val="p"/>
-                        </m:rPr>
-                        <a:rPr lang="en-US" sz="2800" b="0" i="0" smtClean="0">
-                          <a:latin typeface="Cambria Math" panose="02040503050406030204" pitchFamily="18" charset="0"/>
-                          <a:ea typeface="Cambria Math" panose="02040503050406030204" pitchFamily="18" charset="0"/>
-                        </a:rPr>
-                        <m:t>MVN</m:t>
-                      </m:r>
-                      <m:r>
-                        <a:rPr lang="en-US" sz="2800" i="1">
-                          <a:latin typeface="Cambria Math" panose="02040503050406030204" pitchFamily="18" charset="0"/>
-                          <a:ea typeface="Cambria Math" panose="02040503050406030204" pitchFamily="18" charset="0"/>
-                        </a:rPr>
-                        <m:t>(0,</m:t>
-                      </m:r>
-                      <m:r>
-                        <a:rPr lang="el-GR" sz="2800" b="1" i="0">
-                          <a:latin typeface="Cambria Math" panose="02040503050406030204" pitchFamily="18" charset="0"/>
-                          <a:ea typeface="Cambria Math" panose="02040503050406030204" pitchFamily="18" charset="0"/>
-                        </a:rPr>
-                        <m:t>𝚺</m:t>
-                      </m:r>
-                      <m:r>
-                        <a:rPr lang="en-US" sz="2800" i="1">
-                          <a:latin typeface="Cambria Math" panose="02040503050406030204" pitchFamily="18" charset="0"/>
-                          <a:ea typeface="Cambria Math" panose="02040503050406030204" pitchFamily="18" charset="0"/>
-                        </a:rPr>
-                        <m:t>)</m:t>
-                      </m:r>
-                    </m:oMath>
-                  </m:oMathPara>
-                </a14:m>
-                <a:endParaRPr lang="en-GB" sz="2800" dirty="0"/>
-              </a:p>
-            </p:txBody>
-          </p:sp>
-        </mc:Choice>
-        <mc:Fallback xmlns="">
-          <p:sp>
-            <p:nvSpPr>
-              <p:cNvPr id="7" name="Rectangle 6"/>
-              <p:cNvSpPr>
-                <a:spLocks noRot="1" noChangeAspect="1" noMove="1" noResize="1" noEditPoints="1" noAdjustHandles="1" noChangeArrowheads="1" noChangeShapeType="1" noTextEdit="1"/>
-              </p:cNvSpPr>
-              <p:nvPr/>
-            </p:nvSpPr>
-            <p:spPr>
-              <a:xfrm>
-                <a:off x="3491818" y="2453696"/>
-                <a:ext cx="2364430" cy="523220"/>
-              </a:xfrm>
-              <a:prstGeom prst="rect">
-                <a:avLst/>
-              </a:prstGeom>
-              <a:blipFill>
-                <a:blip r:embed="rId4"/>
-                <a:stretch>
-                  <a:fillRect/>
-                </a:stretch>
-              </a:blipFill>
-            </p:spPr>
-            <p:txBody>
-              <a:bodyPr/>
-              <a:lstStyle/>
-              <a:p>
-                <a:r>
-                  <a:rPr lang="en-GB">
-                    <a:noFill/>
-                  </a:rPr>
-                  <a:t> </a:t>
-                </a:r>
-              </a:p>
-            </p:txBody>
-          </p:sp>
-        </mc:Fallback>
-      </mc:AlternateContent>
     </p:spTree>
     <p:extLst>
       <p:ext uri="{BB962C8B-B14F-4D97-AF65-F5344CB8AC3E}">
@@ -9557,31 +9562,12 @@
                       <m:jc m:val="centerGroup"/>
                     </m:oMathParaPr>
                     <m:oMath xmlns:m="http://schemas.openxmlformats.org/officeDocument/2006/math">
-                      <m:sSub>
-                        <m:sSubPr>
-                          <m:ctrlPr>
-                            <a:rPr lang="en-US" i="1">
-                              <a:latin typeface="Cambria Math" panose="02040503050406030204" pitchFamily="18" charset="0"/>
-                            </a:rPr>
-                          </m:ctrlPr>
-                        </m:sSubPr>
-                        <m:e>
-                          <m:r>
-                            <a:rPr lang="en-US" i="1">
-                              <a:latin typeface="Cambria Math" panose="02040503050406030204" pitchFamily="18" charset="0"/>
-                            </a:rPr>
-                            <m:t>𝑐</m:t>
-                          </m:r>
-                        </m:e>
-                        <m:sub>
-                          <m:r>
-                            <a:rPr lang="en-US" i="1">
-                              <a:latin typeface="Cambria Math" panose="02040503050406030204" pitchFamily="18" charset="0"/>
-                            </a:rPr>
-                            <m:t>𝑠</m:t>
-                          </m:r>
-                        </m:sub>
-                      </m:sSub>
+                      <m:r>
+                        <a:rPr lang="en-US" i="1">
+                          <a:latin typeface="Cambria Math" panose="02040503050406030204" pitchFamily="18" charset="0"/>
+                        </a:rPr>
+                        <m:t>𝑐</m:t>
+                      </m:r>
                       <m:d>
                         <m:dPr>
                           <m:ctrlPr>
@@ -9592,10 +9578,10 @@
                         </m:dPr>
                         <m:e>
                           <m:r>
-                            <a:rPr lang="en-US" i="1">
-                              <a:latin typeface="Cambria Math" panose="02040503050406030204" pitchFamily="18" charset="0"/>
-                            </a:rPr>
-                            <m:t>𝑖</m:t>
+                            <a:rPr lang="en-US" b="0" i="1" smtClean="0">
+                              <a:latin typeface="Cambria Math" panose="02040503050406030204" pitchFamily="18" charset="0"/>
+                            </a:rPr>
+                            <m:t>𝑠</m:t>
                           </m:r>
                         </m:e>
                       </m:d>
@@ -9614,40 +9600,40 @@
                       <m:d>
                         <m:dPr>
                           <m:ctrlPr>
-                            <a:rPr lang="en-US" i="1">
+                            <a:rPr lang="en-US" i="1" smtClean="0">
                               <a:latin typeface="Cambria Math" panose="02040503050406030204" pitchFamily="18" charset="0"/>
                             </a:rPr>
                           </m:ctrlPr>
                         </m:dPr>
                         <m:e>
-                          <m:sSub>
-                            <m:sSubPr>
-                              <m:ctrlPr>
-                                <a:rPr lang="en-US" i="1">
-                                  <a:latin typeface="Cambria Math" panose="02040503050406030204" pitchFamily="18" charset="0"/>
-                                  <a:ea typeface="Cambria Math" panose="02040503050406030204" pitchFamily="18" charset="0"/>
-                                </a:rPr>
-                              </m:ctrlPr>
-                            </m:sSubPr>
-                            <m:e>
-                              <m:r>
-                                <a:rPr lang="en-US" i="1">
-                                  <a:latin typeface="Cambria Math" panose="02040503050406030204" pitchFamily="18" charset="0"/>
-                                  <a:ea typeface="Cambria Math" panose="02040503050406030204" pitchFamily="18" charset="0"/>
-                                </a:rPr>
-                                <m:t>𝜇</m:t>
-                              </m:r>
-                            </m:e>
-                            <m:sub>
-                              <m:r>
-                                <a:rPr lang="en-US" i="1">
-                                  <a:latin typeface="Cambria Math" panose="02040503050406030204" pitchFamily="18" charset="0"/>
-                                  <a:ea typeface="Cambria Math" panose="02040503050406030204" pitchFamily="18" charset="0"/>
-                                </a:rPr>
-                                <m:t>𝑠</m:t>
-                              </m:r>
-                            </m:sub>
-                          </m:sSub>
+                          <m:r>
+                            <a:rPr lang="en-US" i="1">
+                              <a:latin typeface="Cambria Math" panose="02040503050406030204" pitchFamily="18" charset="0"/>
+                              <a:ea typeface="Cambria Math" panose="02040503050406030204" pitchFamily="18" charset="0"/>
+                            </a:rPr>
+                            <m:t>𝜇</m:t>
+                          </m:r>
+                          <m:r>
+                            <a:rPr lang="en-US" i="1">
+                              <a:latin typeface="Cambria Math" panose="02040503050406030204" pitchFamily="18" charset="0"/>
+                              <a:ea typeface="Cambria Math" panose="02040503050406030204" pitchFamily="18" charset="0"/>
+                            </a:rPr>
+                            <m:t>(</m:t>
+                          </m:r>
+                          <m:r>
+                            <a:rPr lang="en-US" i="1">
+                              <a:latin typeface="Cambria Math" panose="02040503050406030204" pitchFamily="18" charset="0"/>
+                              <a:ea typeface="Cambria Math" panose="02040503050406030204" pitchFamily="18" charset="0"/>
+                            </a:rPr>
+                            <m:t>𝑠</m:t>
+                          </m:r>
+                          <m:r>
+                            <a:rPr lang="en-US" i="1">
+                              <a:latin typeface="Cambria Math" panose="02040503050406030204" pitchFamily="18" charset="0"/>
+                              <a:ea typeface="Cambria Math" panose="02040503050406030204" pitchFamily="18" charset="0"/>
+                            </a:rPr>
+                            <m:t>)</m:t>
+                          </m:r>
                         </m:e>
                       </m:d>
                     </m:oMath>
@@ -9663,70 +9649,38 @@
                 </a:r>
                 <a14:m>
                   <m:oMath xmlns:m="http://schemas.openxmlformats.org/officeDocument/2006/math">
-                    <m:sSub>
-                      <m:sSubPr>
+                    <m:r>
+                      <a:rPr lang="en-US" i="1">
+                        <a:latin typeface="Cambria Math" panose="02040503050406030204" pitchFamily="18" charset="0"/>
+                      </a:rPr>
+                      <m:t>𝑐</m:t>
+                    </m:r>
+                    <m:d>
+                      <m:dPr>
                         <m:ctrlPr>
-                          <a:rPr lang="en-US" b="0" i="1" smtClean="0">
+                          <a:rPr lang="en-US" i="1">
                             <a:latin typeface="Cambria Math" panose="02040503050406030204" pitchFamily="18" charset="0"/>
                           </a:rPr>
                         </m:ctrlPr>
-                      </m:sSubPr>
+                      </m:dPr>
                       <m:e>
                         <m:r>
-                          <a:rPr lang="en-US" b="0" i="1" smtClean="0">
-                            <a:latin typeface="Cambria Math" panose="02040503050406030204" pitchFamily="18" charset="0"/>
-                          </a:rPr>
-                          <m:t>𝑐</m:t>
-                        </m:r>
-                      </m:e>
-                      <m:sub>
-                        <m:r>
-                          <a:rPr lang="en-US" b="0" i="1" smtClean="0">
+                          <a:rPr lang="en-US" i="1">
                             <a:latin typeface="Cambria Math" panose="02040503050406030204" pitchFamily="18" charset="0"/>
                           </a:rPr>
                           <m:t>𝑠</m:t>
                         </m:r>
-                      </m:sub>
-                    </m:sSub>
-                    <m:r>
-                      <a:rPr lang="en-US" b="0" i="1" smtClean="0">
-                        <a:latin typeface="Cambria Math" panose="02040503050406030204" pitchFamily="18" charset="0"/>
-                      </a:rPr>
-                      <m:t>(</m:t>
-                    </m:r>
-                    <m:r>
-                      <a:rPr lang="en-US" b="0" i="1" smtClean="0">
-                        <a:latin typeface="Cambria Math" panose="02040503050406030204" pitchFamily="18" charset="0"/>
-                      </a:rPr>
-                      <m:t>𝑖</m:t>
-                    </m:r>
-                    <m:r>
-                      <a:rPr lang="en-US" b="0" i="1" smtClean="0">
-                        <a:latin typeface="Cambria Math" panose="02040503050406030204" pitchFamily="18" charset="0"/>
-                      </a:rPr>
-                      <m:t>)</m:t>
-                    </m:r>
+                      </m:e>
+                    </m:d>
                   </m:oMath>
                 </a14:m>
                 <a:r>
                   <a:rPr lang="en-US" dirty="0" smtClean="0"/>
-                  <a:t> is a count sample for site </a:t>
+                  <a:t>is a count sample at site </a:t>
                 </a:r>
                 <a:r>
                   <a:rPr lang="en-US" i="1" dirty="0" smtClean="0"/>
                   <a:t>s</a:t>
-                </a:r>
-                <a:r>
-                  <a:rPr lang="en-US" dirty="0"/>
-                  <a:t> </a:t>
-                </a:r>
-                <a:r>
-                  <a:rPr lang="en-US" dirty="0" smtClean="0"/>
-                  <a:t>and replicate </a:t>
-                </a:r>
-                <a:r>
-                  <a:rPr lang="en-US" i="1" dirty="0" err="1" smtClean="0"/>
-                  <a:t>i</a:t>
                 </a:r>
                 <a:endParaRPr lang="en-US" b="0" dirty="0" smtClean="0">
                   <a:ea typeface="Cambria Math" panose="02040503050406030204" pitchFamily="18" charset="0"/>
@@ -9738,49 +9692,55 @@
                   <a:rPr lang="en-US" dirty="0" smtClean="0"/>
                   <a:t> where </a:t>
                 </a:r>
-                <a:r>
-                  <a:rPr lang="en-US" i="1" dirty="0" smtClean="0"/>
-                  <a:t>g</a:t>
-                </a:r>
-                <a:r>
-                  <a:rPr lang="en-US" dirty="0" smtClean="0"/>
-                  <a:t> is the observation distribution and  </a:t>
-                </a:r>
                 <a14:m>
                   <m:oMath xmlns:m="http://schemas.openxmlformats.org/officeDocument/2006/math">
-                    <m:sSub>
-                      <m:sSubPr>
-                        <m:ctrlPr>
-                          <a:rPr lang="en-US" i="1">
-                            <a:latin typeface="Cambria Math" panose="02040503050406030204" pitchFamily="18" charset="0"/>
-                            <a:ea typeface="Cambria Math" panose="02040503050406030204" pitchFamily="18" charset="0"/>
-                          </a:rPr>
-                        </m:ctrlPr>
-                      </m:sSubPr>
-                      <m:e>
-                        <m:r>
-                          <a:rPr lang="en-US" i="1">
-                            <a:latin typeface="Cambria Math" panose="02040503050406030204" pitchFamily="18" charset="0"/>
-                            <a:ea typeface="Cambria Math" panose="02040503050406030204" pitchFamily="18" charset="0"/>
-                          </a:rPr>
-                          <m:t>𝜇</m:t>
-                        </m:r>
-                      </m:e>
-                      <m:sub>
-                        <m:r>
-                          <a:rPr lang="en-US" i="1">
-                            <a:latin typeface="Cambria Math" panose="02040503050406030204" pitchFamily="18" charset="0"/>
-                            <a:ea typeface="Cambria Math" panose="02040503050406030204" pitchFamily="18" charset="0"/>
-                          </a:rPr>
-                          <m:t>𝑠</m:t>
-                        </m:r>
-                      </m:sub>
-                    </m:sSub>
+                    <m:r>
+                      <a:rPr lang="en-US" i="1">
+                        <a:latin typeface="Cambria Math" panose="02040503050406030204" pitchFamily="18" charset="0"/>
+                      </a:rPr>
+                      <m:t>𝑔</m:t>
+                    </m:r>
                   </m:oMath>
                 </a14:m>
                 <a:r>
                   <a:rPr lang="en-US" dirty="0" smtClean="0"/>
-                  <a:t> is the expected value</a:t>
+                  <a:t> is the observation distribution and </a:t>
+                </a:r>
+                <a14:m>
+                  <m:oMath xmlns:m="http://schemas.openxmlformats.org/officeDocument/2006/math">
+                    <m:r>
+                      <a:rPr lang="en-US" i="1">
+                        <a:latin typeface="Cambria Math" panose="02040503050406030204" pitchFamily="18" charset="0"/>
+                        <a:ea typeface="Cambria Math" panose="02040503050406030204" pitchFamily="18" charset="0"/>
+                      </a:rPr>
+                      <m:t>𝜇</m:t>
+                    </m:r>
+                    <m:r>
+                      <a:rPr lang="en-US" i="1">
+                        <a:latin typeface="Cambria Math" panose="02040503050406030204" pitchFamily="18" charset="0"/>
+                        <a:ea typeface="Cambria Math" panose="02040503050406030204" pitchFamily="18" charset="0"/>
+                      </a:rPr>
+                      <m:t>(</m:t>
+                    </m:r>
+                    <m:r>
+                      <a:rPr lang="en-US" i="1">
+                        <a:latin typeface="Cambria Math" panose="02040503050406030204" pitchFamily="18" charset="0"/>
+                        <a:ea typeface="Cambria Math" panose="02040503050406030204" pitchFamily="18" charset="0"/>
+                      </a:rPr>
+                      <m:t>𝑠</m:t>
+                    </m:r>
+                    <m:r>
+                      <a:rPr lang="en-US" i="1">
+                        <a:latin typeface="Cambria Math" panose="02040503050406030204" pitchFamily="18" charset="0"/>
+                        <a:ea typeface="Cambria Math" panose="02040503050406030204" pitchFamily="18" charset="0"/>
+                      </a:rPr>
+                      <m:t>) </m:t>
+                    </m:r>
+                  </m:oMath>
+                </a14:m>
+                <a:r>
+                  <a:rPr lang="en-US" dirty="0" smtClean="0"/>
+                  <a:t>is the expected value</a:t>
                 </a:r>
               </a:p>
               <a:p>
@@ -9862,7 +9822,7 @@
               <a:blipFill>
                 <a:blip r:embed="rId2"/>
                 <a:stretch>
-                  <a:fillRect l="-1892" t="-2154" b="-1333"/>
+                  <a:fillRect l="-1892" t="-2154"/>
                 </a:stretch>
               </a:blipFill>
             </p:spPr>
@@ -10403,8 +10363,8 @@
           </a:p>
         </p:txBody>
       </p:sp>
-      <mc:AlternateContent xmlns:mc="http://schemas.openxmlformats.org/markup-compatibility/2006" xmlns:a14="http://schemas.microsoft.com/office/drawing/2010/main">
-        <mc:Choice Requires="a14">
+      <mc:AlternateContent xmlns:mc="http://schemas.openxmlformats.org/markup-compatibility/2006">
+        <mc:Choice xmlns:a14="http://schemas.microsoft.com/office/drawing/2010/main" Requires="a14">
           <p:sp>
             <p:nvSpPr>
               <p:cNvPr id="3" name="Content Placeholder 2"/>
@@ -10438,104 +10398,81 @@
                       <m:jc m:val="centerGroup"/>
                     </m:oMathParaPr>
                     <m:oMath xmlns:m="http://schemas.openxmlformats.org/officeDocument/2006/math">
-                      <m:sSub>
-                        <m:sSubPr>
+                      <m:r>
+                        <a:rPr lang="en-US" i="1" smtClean="0">
+                          <a:latin typeface="Cambria Math" panose="02040503050406030204" pitchFamily="18" charset="0"/>
+                          <a:ea typeface="Cambria Math" panose="02040503050406030204" pitchFamily="18" charset="0"/>
+                        </a:rPr>
+                        <m:t>𝑐</m:t>
+                      </m:r>
+                      <m:r>
+                        <a:rPr lang="en-US" b="0" i="1" smtClean="0">
+                          <a:latin typeface="Cambria Math" panose="02040503050406030204" pitchFamily="18" charset="0"/>
+                          <a:ea typeface="Cambria Math" panose="02040503050406030204" pitchFamily="18" charset="0"/>
+                        </a:rPr>
+                        <m:t>(</m:t>
+                      </m:r>
+                      <m:r>
+                        <a:rPr lang="en-US" b="0" i="1" smtClean="0">
+                          <a:latin typeface="Cambria Math" panose="02040503050406030204" pitchFamily="18" charset="0"/>
+                          <a:ea typeface="Cambria Math" panose="02040503050406030204" pitchFamily="18" charset="0"/>
+                        </a:rPr>
+                        <m:t>𝑠</m:t>
+                      </m:r>
+                      <m:r>
+                        <a:rPr lang="en-US" b="0" i="1" smtClean="0">
+                          <a:latin typeface="Cambria Math" panose="02040503050406030204" pitchFamily="18" charset="0"/>
+                          <a:ea typeface="Cambria Math" panose="02040503050406030204" pitchFamily="18" charset="0"/>
+                        </a:rPr>
+                        <m:t>)~</m:t>
+                      </m:r>
+                      <m:r>
+                        <a:rPr lang="en-US" b="0" i="1" smtClean="0">
+                          <a:latin typeface="Cambria Math" panose="02040503050406030204" pitchFamily="18" charset="0"/>
+                          <a:ea typeface="Cambria Math" panose="02040503050406030204" pitchFamily="18" charset="0"/>
+                        </a:rPr>
+                        <m:t>𝑔</m:t>
+                      </m:r>
+                      <m:d>
+                        <m:dPr>
                           <m:ctrlPr>
-                            <a:rPr lang="en-US" i="1">
+                            <a:rPr lang="en-US" b="0" i="1" smtClean="0">
                               <a:latin typeface="Cambria Math" panose="02040503050406030204" pitchFamily="18" charset="0"/>
                               <a:ea typeface="Cambria Math" panose="02040503050406030204" pitchFamily="18" charset="0"/>
                             </a:rPr>
                           </m:ctrlPr>
-                        </m:sSubPr>
+                        </m:dPr>
                         <m:e>
                           <m:r>
-                            <a:rPr lang="en-US" b="0" i="1" smtClean="0">
-                              <a:latin typeface="Cambria Math" panose="02040503050406030204" pitchFamily="18" charset="0"/>
-                              <a:ea typeface="Cambria Math" panose="02040503050406030204" pitchFamily="18" charset="0"/>
-                            </a:rPr>
-                            <m:t>𝑐</m:t>
+                            <a:rPr lang="en-US" i="1">
+                              <a:latin typeface="Cambria Math" panose="02040503050406030204" pitchFamily="18" charset="0"/>
+                              <a:ea typeface="Cambria Math" panose="02040503050406030204" pitchFamily="18" charset="0"/>
+                            </a:rPr>
+                            <m:t>𝜇</m:t>
+                          </m:r>
+                          <m:r>
+                            <a:rPr lang="en-US" i="1">
+                              <a:latin typeface="Cambria Math" panose="02040503050406030204" pitchFamily="18" charset="0"/>
+                              <a:ea typeface="Cambria Math" panose="02040503050406030204" pitchFamily="18" charset="0"/>
+                            </a:rPr>
+                            <m:t>(</m:t>
+                          </m:r>
+                          <m:r>
+                            <a:rPr lang="en-US" i="1">
+                              <a:latin typeface="Cambria Math" panose="02040503050406030204" pitchFamily="18" charset="0"/>
+                              <a:ea typeface="Cambria Math" panose="02040503050406030204" pitchFamily="18" charset="0"/>
+                            </a:rPr>
+                            <m:t>𝑠</m:t>
+                          </m:r>
+                          <m:r>
+                            <a:rPr lang="en-US" i="1">
+                              <a:latin typeface="Cambria Math" panose="02040503050406030204" pitchFamily="18" charset="0"/>
+                              <a:ea typeface="Cambria Math" panose="02040503050406030204" pitchFamily="18" charset="0"/>
+                            </a:rPr>
+                            <m:t>)</m:t>
                           </m:r>
                         </m:e>
-                        <m:sub>
-                          <m:r>
-                            <a:rPr lang="en-US" i="1">
-                              <a:latin typeface="Cambria Math" panose="02040503050406030204" pitchFamily="18" charset="0"/>
-                              <a:ea typeface="Cambria Math" panose="02040503050406030204" pitchFamily="18" charset="0"/>
-                            </a:rPr>
-                            <m:t>𝑠</m:t>
-                          </m:r>
-                        </m:sub>
-                      </m:sSub>
-                      <m:r>
-                        <a:rPr lang="en-US" b="0" i="1" smtClean="0">
-                          <a:latin typeface="Cambria Math" panose="02040503050406030204" pitchFamily="18" charset="0"/>
-                          <a:ea typeface="Cambria Math" panose="02040503050406030204" pitchFamily="18" charset="0"/>
-                        </a:rPr>
-                        <m:t>(</m:t>
-                      </m:r>
-                      <m:r>
-                        <a:rPr lang="en-US" b="0" i="1" smtClean="0">
-                          <a:latin typeface="Cambria Math" panose="02040503050406030204" pitchFamily="18" charset="0"/>
-                          <a:ea typeface="Cambria Math" panose="02040503050406030204" pitchFamily="18" charset="0"/>
-                        </a:rPr>
-                        <m:t>𝑖</m:t>
-                      </m:r>
-                      <m:r>
-                        <a:rPr lang="en-US" b="0" i="1" smtClean="0">
-                          <a:latin typeface="Cambria Math" panose="02040503050406030204" pitchFamily="18" charset="0"/>
-                          <a:ea typeface="Cambria Math" panose="02040503050406030204" pitchFamily="18" charset="0"/>
-                        </a:rPr>
-                        <m:t>)~</m:t>
-                      </m:r>
-                      <m:r>
-                        <a:rPr lang="en-US" b="0" i="1" smtClean="0">
-                          <a:latin typeface="Cambria Math" panose="02040503050406030204" pitchFamily="18" charset="0"/>
-                          <a:ea typeface="Cambria Math" panose="02040503050406030204" pitchFamily="18" charset="0"/>
-                        </a:rPr>
-                        <m:t>𝑔</m:t>
-                      </m:r>
-                      <m:r>
-                        <a:rPr lang="en-US" b="0" i="1" smtClean="0">
-                          <a:latin typeface="Cambria Math" panose="02040503050406030204" pitchFamily="18" charset="0"/>
-                          <a:ea typeface="Cambria Math" panose="02040503050406030204" pitchFamily="18" charset="0"/>
-                        </a:rPr>
-                        <m:t>(</m:t>
-                      </m:r>
-                      <m:sSub>
-                        <m:sSubPr>
-                          <m:ctrlPr>
-                            <a:rPr lang="en-US" i="1">
-                              <a:latin typeface="Cambria Math" panose="02040503050406030204" pitchFamily="18" charset="0"/>
-                              <a:ea typeface="Cambria Math" panose="02040503050406030204" pitchFamily="18" charset="0"/>
-                            </a:rPr>
-                          </m:ctrlPr>
-                        </m:sSubPr>
-                        <m:e>
-                          <m:r>
-                            <a:rPr lang="en-US" i="1">
-                              <a:latin typeface="Cambria Math" panose="02040503050406030204" pitchFamily="18" charset="0"/>
-                              <a:ea typeface="Cambria Math" panose="02040503050406030204" pitchFamily="18" charset="0"/>
-                            </a:rPr>
-                            <m:t>𝜇</m:t>
-                          </m:r>
-                        </m:e>
-                        <m:sub>
-                          <m:r>
-                            <a:rPr lang="en-US" i="1">
-                              <a:latin typeface="Cambria Math" panose="02040503050406030204" pitchFamily="18" charset="0"/>
-                              <a:ea typeface="Cambria Math" panose="02040503050406030204" pitchFamily="18" charset="0"/>
-                            </a:rPr>
-                            <m:t>𝑠</m:t>
-                          </m:r>
-                        </m:sub>
-                      </m:sSub>
-                      <m:r>
-                        <a:rPr lang="en-US" b="0" i="1" smtClean="0">
-                          <a:latin typeface="Cambria Math" panose="02040503050406030204" pitchFamily="18" charset="0"/>
-                          <a:ea typeface="Cambria Math" panose="02040503050406030204" pitchFamily="18" charset="0"/>
-                        </a:rPr>
-                        <m:t>)</m:t>
-                      </m:r>
+                      </m:d>
                     </m:oMath>
                   </m:oMathPara>
                 </a14:m>
@@ -10551,25 +10488,58 @@
                       <m:jc m:val="centerGroup"/>
                     </m:oMathParaPr>
                     <m:oMath xmlns:m="http://schemas.openxmlformats.org/officeDocument/2006/math">
-                      <m:sSub>
-                        <m:sSubPr>
+                      <m:sSup>
+                        <m:sSupPr>
                           <m:ctrlPr>
-                            <a:rPr lang="en-US" i="1">
+                            <a:rPr lang="en-US" b="0" i="1" smtClean="0">
                               <a:latin typeface="Cambria Math" panose="02040503050406030204" pitchFamily="18" charset="0"/>
                               <a:ea typeface="Cambria Math" panose="02040503050406030204" pitchFamily="18" charset="0"/>
                             </a:rPr>
                           </m:ctrlPr>
-                        </m:sSubPr>
+                        </m:sSupPr>
                         <m:e>
                           <m:r>
-                            <a:rPr lang="en-US" i="1">
-                              <a:latin typeface="Cambria Math" panose="02040503050406030204" pitchFamily="18" charset="0"/>
-                              <a:ea typeface="Cambria Math" panose="02040503050406030204" pitchFamily="18" charset="0"/>
-                            </a:rPr>
-                            <m:t>𝜇</m:t>
+                            <a:rPr lang="en-US" b="0" i="1" smtClean="0">
+                              <a:latin typeface="Cambria Math" panose="02040503050406030204" pitchFamily="18" charset="0"/>
+                              <a:ea typeface="Cambria Math" panose="02040503050406030204" pitchFamily="18" charset="0"/>
+                            </a:rPr>
+                            <m:t>h</m:t>
                           </m:r>
                         </m:e>
-                        <m:sub>
+                        <m:sup>
+                          <m:r>
+                            <a:rPr lang="en-US" b="0" i="1" smtClean="0">
+                              <a:latin typeface="Cambria Math" panose="02040503050406030204" pitchFamily="18" charset="0"/>
+                              <a:ea typeface="Cambria Math" panose="02040503050406030204" pitchFamily="18" charset="0"/>
+                            </a:rPr>
+                            <m:t>−1</m:t>
+                          </m:r>
+                        </m:sup>
+                      </m:sSup>
+                      <m:r>
+                        <a:rPr lang="en-US" b="0" i="1" smtClean="0">
+                          <a:latin typeface="Cambria Math" panose="02040503050406030204" pitchFamily="18" charset="0"/>
+                          <a:ea typeface="Cambria Math" panose="02040503050406030204" pitchFamily="18" charset="0"/>
+                        </a:rPr>
+                        <m:t>(</m:t>
+                      </m:r>
+                      <m:r>
+                        <a:rPr lang="en-US" i="1">
+                          <a:latin typeface="Cambria Math" panose="02040503050406030204" pitchFamily="18" charset="0"/>
+                          <a:ea typeface="Cambria Math" panose="02040503050406030204" pitchFamily="18" charset="0"/>
+                        </a:rPr>
+                        <m:t>𝜇</m:t>
+                      </m:r>
+                      <m:d>
+                        <m:dPr>
+                          <m:ctrlPr>
+                            <a:rPr lang="en-US" i="1">
+                              <a:latin typeface="Cambria Math" panose="02040503050406030204" pitchFamily="18" charset="0"/>
+                              <a:ea typeface="Cambria Math" panose="02040503050406030204" pitchFamily="18" charset="0"/>
+                            </a:rPr>
+                          </m:ctrlPr>
+                        </m:dPr>
+                        <m:e>
                           <m:r>
                             <a:rPr lang="en-US" i="1">
                               <a:latin typeface="Cambria Math" panose="02040503050406030204" pitchFamily="18" charset="0"/>
@@ -10577,13 +10547,20 @@
                             </a:rPr>
                             <m:t>𝑠</m:t>
                           </m:r>
-                        </m:sub>
-                      </m:sSub>
+                        </m:e>
+                      </m:d>
                       <m:r>
                         <a:rPr lang="en-US" b="0" i="1" smtClean="0">
                           <a:latin typeface="Cambria Math" panose="02040503050406030204" pitchFamily="18" charset="0"/>
                           <a:ea typeface="Cambria Math" panose="02040503050406030204" pitchFamily="18" charset="0"/>
                         </a:rPr>
+                        <m:t>)</m:t>
+                      </m:r>
+                      <m:r>
+                        <a:rPr lang="en-US" b="0" i="1" smtClean="0">
+                          <a:latin typeface="Cambria Math" panose="02040503050406030204" pitchFamily="18" charset="0"/>
+                          <a:ea typeface="Cambria Math" panose="02040503050406030204" pitchFamily="18" charset="0"/>
+                        </a:rPr>
                         <m:t>=</m:t>
                       </m:r>
                       <m:r>
@@ -10591,7 +10568,28 @@
                           <a:latin typeface="Cambria Math" panose="02040503050406030204" pitchFamily="18" charset="0"/>
                           <a:ea typeface="Cambria Math" panose="02040503050406030204" pitchFamily="18" charset="0"/>
                         </a:rPr>
-                        <m:t>𝐗</m:t>
+                        <m:t>𝐱</m:t>
+                      </m:r>
+                      <m:r>
+                        <a:rPr lang="en-US" b="0" i="0" smtClean="0">
+                          <a:latin typeface="Cambria Math" panose="02040503050406030204" pitchFamily="18" charset="0"/>
+                          <a:ea typeface="Cambria Math" panose="02040503050406030204" pitchFamily="18" charset="0"/>
+                        </a:rPr>
+                        <m:t>(</m:t>
+                      </m:r>
+                      <m:r>
+                        <a:rPr lang="en-US" b="0" i="1" smtClean="0">
+                          <a:latin typeface="Cambria Math" panose="02040503050406030204" pitchFamily="18" charset="0"/>
+                          <a:ea typeface="Cambria Math" panose="02040503050406030204" pitchFamily="18" charset="0"/>
+                        </a:rPr>
+                        <m:t>𝑠</m:t>
+                      </m:r>
+                      <m:r>
+                        <a:rPr lang="en-US" b="0" i="0" smtClean="0">
+                          <a:latin typeface="Cambria Math" panose="02040503050406030204" pitchFamily="18" charset="0"/>
+                          <a:ea typeface="Cambria Math" panose="02040503050406030204" pitchFamily="18" charset="0"/>
+                        </a:rPr>
+                        <m:t>)</m:t>
                       </m:r>
                       <m:r>
                         <a:rPr lang="en-US" b="1" i="0" smtClean="0">
@@ -10607,34 +10605,34 @@
                         </a:rPr>
                         <m:t>+</m:t>
                       </m:r>
-                      <m:sSub>
-                        <m:sSubPr>
-                          <m:ctrlPr>
-                            <a:rPr lang="en-US" i="1">
-                              <a:latin typeface="Cambria Math" panose="02040503050406030204" pitchFamily="18" charset="0"/>
-                              <a:ea typeface="Cambria Math" panose="02040503050406030204" pitchFamily="18" charset="0"/>
-                            </a:rPr>
-                          </m:ctrlPr>
-                        </m:sSubPr>
-                        <m:e>
-                          <m:r>
-                            <a:rPr lang="en-US" i="1">
-                              <a:latin typeface="Cambria Math" panose="02040503050406030204" pitchFamily="18" charset="0"/>
-                              <a:ea typeface="Cambria Math" panose="02040503050406030204" pitchFamily="18" charset="0"/>
-                            </a:rPr>
-                            <m:t>𝜀</m:t>
-                          </m:r>
-                        </m:e>
-                        <m:sub>
-                          <m:r>
-                            <a:rPr lang="en-US" i="1">
-                              <a:latin typeface="Cambria Math" panose="02040503050406030204" pitchFamily="18" charset="0"/>
-                              <a:ea typeface="Cambria Math" panose="02040503050406030204" pitchFamily="18" charset="0"/>
-                            </a:rPr>
-                            <m:t>𝑠</m:t>
-                          </m:r>
-                        </m:sub>
-                      </m:sSub>
+                      <m:r>
+                        <a:rPr lang="en-US" i="1">
+                          <a:latin typeface="Cambria Math" panose="02040503050406030204" pitchFamily="18" charset="0"/>
+                          <a:ea typeface="Cambria Math" panose="02040503050406030204" pitchFamily="18" charset="0"/>
+                        </a:rPr>
+                        <m:t>𝜀</m:t>
+                      </m:r>
+                      <m:r>
+                        <a:rPr lang="en-US" b="0" i="1" smtClean="0">
+                          <a:latin typeface="Cambria Math" panose="02040503050406030204" pitchFamily="18" charset="0"/>
+                          <a:ea typeface="Cambria Math" panose="02040503050406030204" pitchFamily="18" charset="0"/>
+                        </a:rPr>
+                        <m:t>(</m:t>
+                      </m:r>
+                      <m:r>
+                        <a:rPr lang="en-US" b="0" i="1" smtClean="0">
+                          <a:latin typeface="Cambria Math" panose="02040503050406030204" pitchFamily="18" charset="0"/>
+                          <a:ea typeface="Cambria Math" panose="02040503050406030204" pitchFamily="18" charset="0"/>
+                        </a:rPr>
+                        <m:t>𝑠</m:t>
+                      </m:r>
+                      <m:r>
+                        <a:rPr lang="en-US" b="0" i="1" smtClean="0">
+                          <a:latin typeface="Cambria Math" panose="02040503050406030204" pitchFamily="18" charset="0"/>
+                          <a:ea typeface="Cambria Math" panose="02040503050406030204" pitchFamily="18" charset="0"/>
+                        </a:rPr>
+                        <m:t>)</m:t>
+                      </m:r>
                     </m:oMath>
                   </m:oMathPara>
                 </a14:m>
@@ -10650,40 +10648,33 @@
                       <m:jc m:val="centerGroup"/>
                     </m:oMathParaPr>
                     <m:oMath xmlns:m="http://schemas.openxmlformats.org/officeDocument/2006/math">
-                      <m:sSub>
-                        <m:sSubPr>
-                          <m:ctrlPr>
-                            <a:rPr lang="en-US" b="0" i="1" smtClean="0">
-                              <a:latin typeface="Cambria Math" panose="02040503050406030204" pitchFamily="18" charset="0"/>
-                              <a:ea typeface="Cambria Math" panose="02040503050406030204" pitchFamily="18" charset="0"/>
-                            </a:rPr>
-                          </m:ctrlPr>
-                        </m:sSubPr>
-                        <m:e>
-                          <m:r>
-                            <a:rPr lang="en-US" i="1" smtClean="0">
-                              <a:latin typeface="Cambria Math" panose="02040503050406030204" pitchFamily="18" charset="0"/>
-                              <a:ea typeface="Cambria Math" panose="02040503050406030204" pitchFamily="18" charset="0"/>
-                            </a:rPr>
-                            <m:t>𝜀</m:t>
-                          </m:r>
-                        </m:e>
-                        <m:sub>
-                          <m:r>
-                            <a:rPr lang="en-US" b="0" i="1" smtClean="0">
-                              <a:latin typeface="Cambria Math" panose="02040503050406030204" pitchFamily="18" charset="0"/>
-                              <a:ea typeface="Cambria Math" panose="02040503050406030204" pitchFamily="18" charset="0"/>
-                            </a:rPr>
-                            <m:t>𝑠</m:t>
-                          </m:r>
-                        </m:sub>
-                      </m:sSub>
+                      <m:r>
+                        <a:rPr lang="en-US" i="1">
+                          <a:latin typeface="Cambria Math" panose="02040503050406030204" pitchFamily="18" charset="0"/>
+                          <a:ea typeface="Cambria Math" panose="02040503050406030204" pitchFamily="18" charset="0"/>
+                        </a:rPr>
+                        <m:t>𝜀</m:t>
+                      </m:r>
                       <m:r>
                         <a:rPr lang="en-US" b="0" i="1" smtClean="0">
                           <a:latin typeface="Cambria Math" panose="02040503050406030204" pitchFamily="18" charset="0"/>
                           <a:ea typeface="Cambria Math" panose="02040503050406030204" pitchFamily="18" charset="0"/>
                         </a:rPr>
-                        <m:t>~</m:t>
+                        <m:t>(</m:t>
+                      </m:r>
+                      <m:r>
+                        <a:rPr lang="en-US" b="0" i="1" smtClean="0">
+                          <a:latin typeface="Cambria Math" panose="02040503050406030204" pitchFamily="18" charset="0"/>
+                          <a:ea typeface="Cambria Math" panose="02040503050406030204" pitchFamily="18" charset="0"/>
+                        </a:rPr>
+                        <m:t>𝑠</m:t>
+                      </m:r>
+                      <m:r>
+                        <a:rPr lang="en-US" b="0" i="1" smtClean="0">
+                          <a:latin typeface="Cambria Math" panose="02040503050406030204" pitchFamily="18" charset="0"/>
+                          <a:ea typeface="Cambria Math" panose="02040503050406030204" pitchFamily="18" charset="0"/>
+                        </a:rPr>
+                        <m:t>)~</m:t>
                       </m:r>
                       <m:r>
                         <a:rPr lang="en-US" b="0" i="1" smtClean="0">
@@ -10822,13 +10813,11 @@
                     </m:oMathParaPr>
                     <m:oMath xmlns:m="http://schemas.openxmlformats.org/officeDocument/2006/math">
                       <m:r>
-                        <m:rPr>
-                          <m:sty m:val="p"/>
-                        </m:rPr>
-                        <a:rPr lang="en-US">
-                          <a:latin typeface="Cambria Math" panose="02040503050406030204" pitchFamily="18" charset="0"/>
-                        </a:rPr>
-                        <m:t>E</m:t>
+                        <a:rPr lang="en-US" i="1" smtClean="0">
+                          <a:latin typeface="Cambria Math" panose="02040503050406030204" pitchFamily="18" charset="0"/>
+                          <a:ea typeface="Cambria Math" panose="02040503050406030204" pitchFamily="18" charset="0"/>
+                        </a:rPr>
+                        <m:t>𝔼</m:t>
                       </m:r>
                       <m:d>
                         <m:dPr>
@@ -10839,34 +10828,34 @@
                           </m:ctrlPr>
                         </m:dPr>
                         <m:e>
-                          <m:sSub>
-                            <m:sSubPr>
-                              <m:ctrlPr>
-                                <a:rPr lang="en-US" i="1">
-                                  <a:latin typeface="Cambria Math" panose="02040503050406030204" pitchFamily="18" charset="0"/>
-                                  <a:ea typeface="Cambria Math" panose="02040503050406030204" pitchFamily="18" charset="0"/>
-                                </a:rPr>
-                              </m:ctrlPr>
-                            </m:sSubPr>
-                            <m:e>
-                              <m:r>
-                                <a:rPr lang="en-US" i="1">
-                                  <a:latin typeface="Cambria Math" panose="02040503050406030204" pitchFamily="18" charset="0"/>
-                                  <a:ea typeface="Cambria Math" panose="02040503050406030204" pitchFamily="18" charset="0"/>
-                                </a:rPr>
-                                <m:t>𝜀</m:t>
-                              </m:r>
-                            </m:e>
-                            <m:sub>
-                              <m:r>
-                                <a:rPr lang="en-US" i="1">
-                                  <a:latin typeface="Cambria Math" panose="02040503050406030204" pitchFamily="18" charset="0"/>
-                                  <a:ea typeface="Cambria Math" panose="02040503050406030204" pitchFamily="18" charset="0"/>
-                                </a:rPr>
-                                <m:t>𝑠</m:t>
-                              </m:r>
-                            </m:sub>
-                          </m:sSub>
+                          <m:r>
+                            <a:rPr lang="en-US" i="1">
+                              <a:latin typeface="Cambria Math" panose="02040503050406030204" pitchFamily="18" charset="0"/>
+                              <a:ea typeface="Cambria Math" panose="02040503050406030204" pitchFamily="18" charset="0"/>
+                            </a:rPr>
+                            <m:t>𝜀</m:t>
+                          </m:r>
+                          <m:r>
+                            <a:rPr lang="en-US" i="1">
+                              <a:latin typeface="Cambria Math" panose="02040503050406030204" pitchFamily="18" charset="0"/>
+                              <a:ea typeface="Cambria Math" panose="02040503050406030204" pitchFamily="18" charset="0"/>
+                            </a:rPr>
+                            <m:t>(</m:t>
+                          </m:r>
+                          <m:r>
+                            <a:rPr lang="en-US" i="1">
+                              <a:latin typeface="Cambria Math" panose="02040503050406030204" pitchFamily="18" charset="0"/>
+                              <a:ea typeface="Cambria Math" panose="02040503050406030204" pitchFamily="18" charset="0"/>
+                            </a:rPr>
+                            <m:t>𝑠</m:t>
+                          </m:r>
+                          <m:r>
+                            <a:rPr lang="en-US" i="1">
+                              <a:latin typeface="Cambria Math" panose="02040503050406030204" pitchFamily="18" charset="0"/>
+                              <a:ea typeface="Cambria Math" panose="02040503050406030204" pitchFamily="18" charset="0"/>
+                            </a:rPr>
+                            <m:t>)</m:t>
+                          </m:r>
                         </m:e>
                       </m:d>
                       <m:r>
@@ -10895,7 +10884,7 @@
                         <m:rPr>
                           <m:sty m:val="p"/>
                         </m:rPr>
-                        <a:rPr lang="en-US">
+                        <a:rPr lang="en-US" b="0" i="0" smtClean="0">
                           <a:latin typeface="Cambria Math" panose="02040503050406030204" pitchFamily="18" charset="0"/>
                         </a:rPr>
                         <m:t>Var</m:t>
@@ -10903,40 +10892,40 @@
                       <m:d>
                         <m:dPr>
                           <m:ctrlPr>
-                            <a:rPr lang="en-US" b="1" i="1">
+                            <a:rPr lang="en-US" i="1">
                               <a:latin typeface="Cambria Math" panose="02040503050406030204" pitchFamily="18" charset="0"/>
                             </a:rPr>
                           </m:ctrlPr>
                         </m:dPr>
                         <m:e>
-                          <m:sSub>
-                            <m:sSubPr>
-                              <m:ctrlPr>
-                                <a:rPr lang="en-US" i="1">
-                                  <a:latin typeface="Cambria Math" panose="02040503050406030204" pitchFamily="18" charset="0"/>
-                                  <a:ea typeface="Cambria Math" panose="02040503050406030204" pitchFamily="18" charset="0"/>
-                                </a:rPr>
-                              </m:ctrlPr>
-                            </m:sSubPr>
-                            <m:e>
-                              <m:r>
-                                <a:rPr lang="en-US" i="1">
-                                  <a:latin typeface="Cambria Math" panose="02040503050406030204" pitchFamily="18" charset="0"/>
-                                  <a:ea typeface="Cambria Math" panose="02040503050406030204" pitchFamily="18" charset="0"/>
-                                </a:rPr>
-                                <m:t>𝜀</m:t>
-                              </m:r>
-                            </m:e>
-                            <m:sub>
-                              <m:r>
-                                <a:rPr lang="en-US" i="1">
-                                  <a:latin typeface="Cambria Math" panose="02040503050406030204" pitchFamily="18" charset="0"/>
-                                  <a:ea typeface="Cambria Math" panose="02040503050406030204" pitchFamily="18" charset="0"/>
-                                </a:rPr>
-                                <m:t>𝑠</m:t>
-                              </m:r>
-                            </m:sub>
-                          </m:sSub>
+                          <m:r>
+                            <a:rPr lang="en-US" i="1">
+                              <a:latin typeface="Cambria Math" panose="02040503050406030204" pitchFamily="18" charset="0"/>
+                              <a:ea typeface="Cambria Math" panose="02040503050406030204" pitchFamily="18" charset="0"/>
+                            </a:rPr>
+                            <m:t>𝜀</m:t>
+                          </m:r>
+                          <m:r>
+                            <a:rPr lang="en-US" i="1">
+                              <a:latin typeface="Cambria Math" panose="02040503050406030204" pitchFamily="18" charset="0"/>
+                              <a:ea typeface="Cambria Math" panose="02040503050406030204" pitchFamily="18" charset="0"/>
+                            </a:rPr>
+                            <m:t>(</m:t>
+                          </m:r>
+                          <m:r>
+                            <a:rPr lang="en-US" i="1">
+                              <a:latin typeface="Cambria Math" panose="02040503050406030204" pitchFamily="18" charset="0"/>
+                              <a:ea typeface="Cambria Math" panose="02040503050406030204" pitchFamily="18" charset="0"/>
+                            </a:rPr>
+                            <m:t>𝑠</m:t>
+                          </m:r>
+                          <m:r>
+                            <a:rPr lang="en-US" i="1">
+                              <a:latin typeface="Cambria Math" panose="02040503050406030204" pitchFamily="18" charset="0"/>
+                              <a:ea typeface="Cambria Math" panose="02040503050406030204" pitchFamily="18" charset="0"/>
+                            </a:rPr>
+                            <m:t>)</m:t>
+                          </m:r>
                         </m:e>
                       </m:d>
                       <m:r>
@@ -11019,31 +11008,29 @@
                       <m:d>
                         <m:dPr>
                           <m:ctrlPr>
-                            <a:rPr lang="en-US" b="1" i="1">
+                            <a:rPr lang="en-US" b="1" i="1" smtClean="0">
                               <a:latin typeface="Cambria Math" panose="02040503050406030204" pitchFamily="18" charset="0"/>
                             </a:rPr>
                           </m:ctrlPr>
                         </m:dPr>
                         <m:e>
-                          <m:sSub>
-                            <m:sSubPr>
+                          <m:r>
+                            <a:rPr lang="en-US" i="1">
+                              <a:latin typeface="Cambria Math" panose="02040503050406030204" pitchFamily="18" charset="0"/>
+                              <a:ea typeface="Cambria Math" panose="02040503050406030204" pitchFamily="18" charset="0"/>
+                            </a:rPr>
+                            <m:t>𝜀</m:t>
+                          </m:r>
+                          <m:d>
+                            <m:dPr>
                               <m:ctrlPr>
                                 <a:rPr lang="en-US" i="1">
                                   <a:latin typeface="Cambria Math" panose="02040503050406030204" pitchFamily="18" charset="0"/>
                                   <a:ea typeface="Cambria Math" panose="02040503050406030204" pitchFamily="18" charset="0"/>
                                 </a:rPr>
                               </m:ctrlPr>
-                            </m:sSubPr>
+                            </m:dPr>
                             <m:e>
-                              <m:r>
-                                <a:rPr lang="en-US" i="1">
-                                  <a:latin typeface="Cambria Math" panose="02040503050406030204" pitchFamily="18" charset="0"/>
-                                  <a:ea typeface="Cambria Math" panose="02040503050406030204" pitchFamily="18" charset="0"/>
-                                </a:rPr>
-                                <m:t>𝜀</m:t>
-                              </m:r>
-                            </m:e>
-                            <m:sub>
                               <m:r>
                                 <a:rPr lang="en-US" i="1">
                                   <a:latin typeface="Cambria Math" panose="02040503050406030204" pitchFamily="18" charset="0"/>
@@ -11051,57 +11038,57 @@
                                 </a:rPr>
                                 <m:t>𝑠</m:t>
                               </m:r>
-                            </m:sub>
-                          </m:sSub>
-                          <m:r>
-                            <a:rPr lang="en-US" i="1">
+                            </m:e>
+                          </m:d>
+                          <m:r>
+                            <a:rPr lang="en-US" b="1" i="1" smtClean="0">
                               <a:latin typeface="Cambria Math" panose="02040503050406030204" pitchFamily="18" charset="0"/>
                               <a:ea typeface="Cambria Math" panose="02040503050406030204" pitchFamily="18" charset="0"/>
                             </a:rPr>
                             <m:t>,</m:t>
                           </m:r>
-                          <m:sSub>
-                            <m:sSubPr>
-                              <m:ctrlPr>
-                                <a:rPr lang="en-US" i="1">
-                                  <a:latin typeface="Cambria Math" panose="02040503050406030204" pitchFamily="18" charset="0"/>
-                                  <a:ea typeface="Cambria Math" panose="02040503050406030204" pitchFamily="18" charset="0"/>
-                                </a:rPr>
-                              </m:ctrlPr>
-                            </m:sSubPr>
-                            <m:e>
-                              <m:r>
-                                <a:rPr lang="en-US" i="1">
-                                  <a:latin typeface="Cambria Math" panose="02040503050406030204" pitchFamily="18" charset="0"/>
-                                  <a:ea typeface="Cambria Math" panose="02040503050406030204" pitchFamily="18" charset="0"/>
-                                </a:rPr>
-                                <m:t>𝜀</m:t>
-                              </m:r>
-                            </m:e>
-                            <m:sub>
-                              <m:r>
-                                <a:rPr lang="en-US" i="1">
-                                  <a:latin typeface="Cambria Math" panose="02040503050406030204" pitchFamily="18" charset="0"/>
-                                  <a:ea typeface="Cambria Math" panose="02040503050406030204" pitchFamily="18" charset="0"/>
-                                </a:rPr>
-                                <m:t>𝑠</m:t>
-                              </m:r>
-                              <m:r>
-                                <a:rPr lang="en-US" i="1">
-                                  <a:latin typeface="Cambria Math" panose="02040503050406030204" pitchFamily="18" charset="0"/>
-                                  <a:ea typeface="Cambria Math" panose="02040503050406030204" pitchFamily="18" charset="0"/>
-                                </a:rPr>
-                                <m:t>+</m:t>
-                              </m:r>
-                              <m:r>
-                                <a:rPr lang="en-US" i="1">
-                                  <a:latin typeface="Cambria Math" panose="02040503050406030204" pitchFamily="18" charset="0"/>
-                                  <a:ea typeface="Cambria Math" panose="02040503050406030204" pitchFamily="18" charset="0"/>
-                                </a:rPr>
-                                <m:t>𝑑</m:t>
-                              </m:r>
-                            </m:sub>
-                          </m:sSub>
+                          <m:r>
+                            <a:rPr lang="en-US" i="1">
+                              <a:latin typeface="Cambria Math" panose="02040503050406030204" pitchFamily="18" charset="0"/>
+                              <a:ea typeface="Cambria Math" panose="02040503050406030204" pitchFamily="18" charset="0"/>
+                            </a:rPr>
+                            <m:t>𝜀</m:t>
+                          </m:r>
+                          <m:r>
+                            <a:rPr lang="en-US" i="1">
+                              <a:latin typeface="Cambria Math" panose="02040503050406030204" pitchFamily="18" charset="0"/>
+                              <a:ea typeface="Cambria Math" panose="02040503050406030204" pitchFamily="18" charset="0"/>
+                            </a:rPr>
+                            <m:t>(</m:t>
+                          </m:r>
+                          <m:r>
+                            <a:rPr lang="en-US" i="1">
+                              <a:latin typeface="Cambria Math" panose="02040503050406030204" pitchFamily="18" charset="0"/>
+                              <a:ea typeface="Cambria Math" panose="02040503050406030204" pitchFamily="18" charset="0"/>
+                            </a:rPr>
+                            <m:t>𝑠</m:t>
+                          </m:r>
+                          <m:r>
+                            <a:rPr lang="en-US" b="0" i="1" smtClean="0">
+                              <a:latin typeface="Cambria Math" panose="02040503050406030204" pitchFamily="18" charset="0"/>
+                              <a:ea typeface="Cambria Math" panose="02040503050406030204" pitchFamily="18" charset="0"/>
+                            </a:rPr>
+                            <m:t>+</m:t>
+                          </m:r>
+                          <m:r>
+                            <a:rPr lang="en-US" b="0" i="1" smtClean="0">
+                              <a:latin typeface="Cambria Math" panose="02040503050406030204" pitchFamily="18" charset="0"/>
+                              <a:ea typeface="Cambria Math" panose="02040503050406030204" pitchFamily="18" charset="0"/>
+                            </a:rPr>
+                            <m:t>𝐷</m:t>
+                          </m:r>
+                          <m:r>
+                            <a:rPr lang="en-US" i="1">
+                              <a:latin typeface="Cambria Math" panose="02040503050406030204" pitchFamily="18" charset="0"/>
+                              <a:ea typeface="Cambria Math" panose="02040503050406030204" pitchFamily="18" charset="0"/>
+                            </a:rPr>
+                            <m:t>)</m:t>
+                          </m:r>
                         </m:e>
                       </m:d>
                       <m:r>
@@ -11126,7 +11113,7 @@
             </p:txBody>
           </p:sp>
         </mc:Choice>
-        <mc:Fallback xmlns="">
+        <mc:Fallback>
           <p:sp>
             <p:nvSpPr>
               <p:cNvPr id="3" name="Content Placeholder 2"/>
@@ -11261,8 +11248,8 @@
           </a:p>
         </p:txBody>
       </p:sp>
-      <mc:AlternateContent xmlns:mc="http://schemas.openxmlformats.org/markup-compatibility/2006" xmlns:a14="http://schemas.microsoft.com/office/drawing/2010/main">
-        <mc:Choice Requires="a14">
+      <mc:AlternateContent xmlns:mc="http://schemas.openxmlformats.org/markup-compatibility/2006">
+        <mc:Choice xmlns:a14="http://schemas.microsoft.com/office/drawing/2010/main" Requires="a14">
           <p:sp>
             <p:nvSpPr>
               <p:cNvPr id="3" name="Content Placeholder 2"/>
@@ -11301,104 +11288,81 @@
                       <m:jc m:val="centerGroup"/>
                     </m:oMathParaPr>
                     <m:oMath xmlns:m="http://schemas.openxmlformats.org/officeDocument/2006/math">
-                      <m:sSub>
-                        <m:sSubPr>
+                      <m:r>
+                        <a:rPr lang="en-US" i="1">
+                          <a:latin typeface="Cambria Math" panose="02040503050406030204" pitchFamily="18" charset="0"/>
+                          <a:ea typeface="Cambria Math" panose="02040503050406030204" pitchFamily="18" charset="0"/>
+                        </a:rPr>
+                        <m:t>𝑐</m:t>
+                      </m:r>
+                      <m:r>
+                        <a:rPr lang="en-US" i="1">
+                          <a:latin typeface="Cambria Math" panose="02040503050406030204" pitchFamily="18" charset="0"/>
+                          <a:ea typeface="Cambria Math" panose="02040503050406030204" pitchFamily="18" charset="0"/>
+                        </a:rPr>
+                        <m:t>(</m:t>
+                      </m:r>
+                      <m:r>
+                        <a:rPr lang="en-US" i="1">
+                          <a:latin typeface="Cambria Math" panose="02040503050406030204" pitchFamily="18" charset="0"/>
+                          <a:ea typeface="Cambria Math" panose="02040503050406030204" pitchFamily="18" charset="0"/>
+                        </a:rPr>
+                        <m:t>𝑠</m:t>
+                      </m:r>
+                      <m:r>
+                        <a:rPr lang="en-US" i="1">
+                          <a:latin typeface="Cambria Math" panose="02040503050406030204" pitchFamily="18" charset="0"/>
+                          <a:ea typeface="Cambria Math" panose="02040503050406030204" pitchFamily="18" charset="0"/>
+                        </a:rPr>
+                        <m:t>)~</m:t>
+                      </m:r>
+                      <m:r>
+                        <a:rPr lang="en-US" i="1">
+                          <a:latin typeface="Cambria Math" panose="02040503050406030204" pitchFamily="18" charset="0"/>
+                          <a:ea typeface="Cambria Math" panose="02040503050406030204" pitchFamily="18" charset="0"/>
+                        </a:rPr>
+                        <m:t>𝑔</m:t>
+                      </m:r>
+                      <m:d>
+                        <m:dPr>
                           <m:ctrlPr>
                             <a:rPr lang="en-US" i="1">
                               <a:latin typeface="Cambria Math" panose="02040503050406030204" pitchFamily="18" charset="0"/>
                               <a:ea typeface="Cambria Math" panose="02040503050406030204" pitchFamily="18" charset="0"/>
                             </a:rPr>
                           </m:ctrlPr>
-                        </m:sSubPr>
+                        </m:dPr>
                         <m:e>
                           <m:r>
                             <a:rPr lang="en-US" i="1">
                               <a:latin typeface="Cambria Math" panose="02040503050406030204" pitchFamily="18" charset="0"/>
                               <a:ea typeface="Cambria Math" panose="02040503050406030204" pitchFamily="18" charset="0"/>
                             </a:rPr>
-                            <m:t>𝑐</m:t>
+                            <m:t>𝜇</m:t>
+                          </m:r>
+                          <m:r>
+                            <a:rPr lang="en-US" i="1">
+                              <a:latin typeface="Cambria Math" panose="02040503050406030204" pitchFamily="18" charset="0"/>
+                              <a:ea typeface="Cambria Math" panose="02040503050406030204" pitchFamily="18" charset="0"/>
+                            </a:rPr>
+                            <m:t>(</m:t>
+                          </m:r>
+                          <m:r>
+                            <a:rPr lang="en-US" i="1">
+                              <a:latin typeface="Cambria Math" panose="02040503050406030204" pitchFamily="18" charset="0"/>
+                              <a:ea typeface="Cambria Math" panose="02040503050406030204" pitchFamily="18" charset="0"/>
+                            </a:rPr>
+                            <m:t>𝑠</m:t>
+                          </m:r>
+                          <m:r>
+                            <a:rPr lang="en-US" i="1">
+                              <a:latin typeface="Cambria Math" panose="02040503050406030204" pitchFamily="18" charset="0"/>
+                              <a:ea typeface="Cambria Math" panose="02040503050406030204" pitchFamily="18" charset="0"/>
+                            </a:rPr>
+                            <m:t>)</m:t>
                           </m:r>
                         </m:e>
-                        <m:sub>
-                          <m:r>
-                            <a:rPr lang="en-US" i="1">
-                              <a:latin typeface="Cambria Math" panose="02040503050406030204" pitchFamily="18" charset="0"/>
-                              <a:ea typeface="Cambria Math" panose="02040503050406030204" pitchFamily="18" charset="0"/>
-                            </a:rPr>
-                            <m:t>𝑠</m:t>
-                          </m:r>
-                        </m:sub>
-                      </m:sSub>
-                      <m:r>
-                        <a:rPr lang="en-US" i="1">
-                          <a:latin typeface="Cambria Math" panose="02040503050406030204" pitchFamily="18" charset="0"/>
-                          <a:ea typeface="Cambria Math" panose="02040503050406030204" pitchFamily="18" charset="0"/>
-                        </a:rPr>
-                        <m:t>(</m:t>
-                      </m:r>
-                      <m:r>
-                        <a:rPr lang="en-US" i="1">
-                          <a:latin typeface="Cambria Math" panose="02040503050406030204" pitchFamily="18" charset="0"/>
-                          <a:ea typeface="Cambria Math" panose="02040503050406030204" pitchFamily="18" charset="0"/>
-                        </a:rPr>
-                        <m:t>𝑖</m:t>
-                      </m:r>
-                      <m:r>
-                        <a:rPr lang="en-US" i="1">
-                          <a:latin typeface="Cambria Math" panose="02040503050406030204" pitchFamily="18" charset="0"/>
-                          <a:ea typeface="Cambria Math" panose="02040503050406030204" pitchFamily="18" charset="0"/>
-                        </a:rPr>
-                        <m:t>)~</m:t>
-                      </m:r>
-                      <m:r>
-                        <a:rPr lang="en-US" i="1">
-                          <a:latin typeface="Cambria Math" panose="02040503050406030204" pitchFamily="18" charset="0"/>
-                          <a:ea typeface="Cambria Math" panose="02040503050406030204" pitchFamily="18" charset="0"/>
-                        </a:rPr>
-                        <m:t>𝑔</m:t>
-                      </m:r>
-                      <m:r>
-                        <a:rPr lang="en-US" i="1">
-                          <a:latin typeface="Cambria Math" panose="02040503050406030204" pitchFamily="18" charset="0"/>
-                          <a:ea typeface="Cambria Math" panose="02040503050406030204" pitchFamily="18" charset="0"/>
-                        </a:rPr>
-                        <m:t>(</m:t>
-                      </m:r>
-                      <m:sSub>
-                        <m:sSubPr>
-                          <m:ctrlPr>
-                            <a:rPr lang="en-US" i="1">
-                              <a:latin typeface="Cambria Math" panose="02040503050406030204" pitchFamily="18" charset="0"/>
-                              <a:ea typeface="Cambria Math" panose="02040503050406030204" pitchFamily="18" charset="0"/>
-                            </a:rPr>
-                          </m:ctrlPr>
-                        </m:sSubPr>
-                        <m:e>
-                          <m:r>
-                            <a:rPr lang="en-US" i="1">
-                              <a:latin typeface="Cambria Math" panose="02040503050406030204" pitchFamily="18" charset="0"/>
-                              <a:ea typeface="Cambria Math" panose="02040503050406030204" pitchFamily="18" charset="0"/>
-                            </a:rPr>
-                            <m:t>𝜇</m:t>
-                          </m:r>
-                        </m:e>
-                        <m:sub>
-                          <m:r>
-                            <a:rPr lang="en-US" i="1">
-                              <a:latin typeface="Cambria Math" panose="02040503050406030204" pitchFamily="18" charset="0"/>
-                              <a:ea typeface="Cambria Math" panose="02040503050406030204" pitchFamily="18" charset="0"/>
-                            </a:rPr>
-                            <m:t>𝑠</m:t>
-                          </m:r>
-                        </m:sub>
-                      </m:sSub>
-                      <m:r>
-                        <a:rPr lang="en-US" i="1">
-                          <a:latin typeface="Cambria Math" panose="02040503050406030204" pitchFamily="18" charset="0"/>
-                          <a:ea typeface="Cambria Math" panose="02040503050406030204" pitchFamily="18" charset="0"/>
-                        </a:rPr>
-                        <m:t>)</m:t>
-                      </m:r>
+                      </m:d>
                     </m:oMath>
                   </m:oMathPara>
                 </a14:m>
@@ -11414,34 +11378,32 @@
                       <m:jc m:val="centerGroup"/>
                     </m:oMathParaPr>
                     <m:oMath xmlns:m="http://schemas.openxmlformats.org/officeDocument/2006/math">
-                      <m:sSub>
-                        <m:sSubPr>
+                      <m:r>
+                        <a:rPr lang="en-US" i="1">
+                          <a:latin typeface="Cambria Math" panose="02040503050406030204" pitchFamily="18" charset="0"/>
+                          <a:ea typeface="Cambria Math" panose="02040503050406030204" pitchFamily="18" charset="0"/>
+                        </a:rPr>
+                        <m:t>𝜇</m:t>
+                      </m:r>
+                      <m:d>
+                        <m:dPr>
                           <m:ctrlPr>
                             <a:rPr lang="en-US" i="1">
                               <a:latin typeface="Cambria Math" panose="02040503050406030204" pitchFamily="18" charset="0"/>
                               <a:ea typeface="Cambria Math" panose="02040503050406030204" pitchFamily="18" charset="0"/>
                             </a:rPr>
                           </m:ctrlPr>
-                        </m:sSubPr>
+                        </m:dPr>
                         <m:e>
                           <m:r>
                             <a:rPr lang="en-US" i="1">
                               <a:latin typeface="Cambria Math" panose="02040503050406030204" pitchFamily="18" charset="0"/>
                               <a:ea typeface="Cambria Math" panose="02040503050406030204" pitchFamily="18" charset="0"/>
                             </a:rPr>
-                            <m:t>𝜇</m:t>
+                            <m:t>𝑠</m:t>
                           </m:r>
                         </m:e>
-                        <m:sub>
-                          <m:r>
-                            <a:rPr lang="en-US" i="1">
-                              <a:latin typeface="Cambria Math" panose="02040503050406030204" pitchFamily="18" charset="0"/>
-                              <a:ea typeface="Cambria Math" panose="02040503050406030204" pitchFamily="18" charset="0"/>
-                            </a:rPr>
-                            <m:t>𝑠</m:t>
-                          </m:r>
-                        </m:sub>
-                      </m:sSub>
+                      </m:d>
                       <m:r>
                         <a:rPr lang="en-US" i="1">
                           <a:latin typeface="Cambria Math" panose="02040503050406030204" pitchFamily="18" charset="0"/>
@@ -11454,7 +11416,28 @@
                           <a:latin typeface="Cambria Math" panose="02040503050406030204" pitchFamily="18" charset="0"/>
                           <a:ea typeface="Cambria Math" panose="02040503050406030204" pitchFamily="18" charset="0"/>
                         </a:rPr>
-                        <m:t>𝐗</m:t>
+                        <m:t>𝐱</m:t>
+                      </m:r>
+                      <m:r>
+                        <a:rPr lang="en-US">
+                          <a:latin typeface="Cambria Math" panose="02040503050406030204" pitchFamily="18" charset="0"/>
+                          <a:ea typeface="Cambria Math" panose="02040503050406030204" pitchFamily="18" charset="0"/>
+                        </a:rPr>
+                        <m:t>(</m:t>
+                      </m:r>
+                      <m:r>
+                        <a:rPr lang="en-US" i="1">
+                          <a:latin typeface="Cambria Math" panose="02040503050406030204" pitchFamily="18" charset="0"/>
+                          <a:ea typeface="Cambria Math" panose="02040503050406030204" pitchFamily="18" charset="0"/>
+                        </a:rPr>
+                        <m:t>𝑠</m:t>
+                      </m:r>
+                      <m:r>
+                        <a:rPr lang="en-US">
+                          <a:latin typeface="Cambria Math" panose="02040503050406030204" pitchFamily="18" charset="0"/>
+                          <a:ea typeface="Cambria Math" panose="02040503050406030204" pitchFamily="18" charset="0"/>
+                        </a:rPr>
+                        <m:t>)</m:t>
                       </m:r>
                       <m:r>
                         <a:rPr lang="en-US" b="1">
@@ -11470,34 +11453,34 @@
                         </a:rPr>
                         <m:t>+</m:t>
                       </m:r>
-                      <m:sSub>
-                        <m:sSubPr>
-                          <m:ctrlPr>
-                            <a:rPr lang="en-US" i="1">
-                              <a:latin typeface="Cambria Math" panose="02040503050406030204" pitchFamily="18" charset="0"/>
-                              <a:ea typeface="Cambria Math" panose="02040503050406030204" pitchFamily="18" charset="0"/>
-                            </a:rPr>
-                          </m:ctrlPr>
-                        </m:sSubPr>
-                        <m:e>
-                          <m:r>
-                            <a:rPr lang="en-US" i="1">
-                              <a:latin typeface="Cambria Math" panose="02040503050406030204" pitchFamily="18" charset="0"/>
-                              <a:ea typeface="Cambria Math" panose="02040503050406030204" pitchFamily="18" charset="0"/>
-                            </a:rPr>
-                            <m:t>𝜀</m:t>
-                          </m:r>
-                        </m:e>
-                        <m:sub>
-                          <m:r>
-                            <a:rPr lang="en-US" i="1">
-                              <a:latin typeface="Cambria Math" panose="02040503050406030204" pitchFamily="18" charset="0"/>
-                              <a:ea typeface="Cambria Math" panose="02040503050406030204" pitchFamily="18" charset="0"/>
-                            </a:rPr>
-                            <m:t>𝑠</m:t>
-                          </m:r>
-                        </m:sub>
-                      </m:sSub>
+                      <m:r>
+                        <a:rPr lang="en-US" i="1">
+                          <a:latin typeface="Cambria Math" panose="02040503050406030204" pitchFamily="18" charset="0"/>
+                          <a:ea typeface="Cambria Math" panose="02040503050406030204" pitchFamily="18" charset="0"/>
+                        </a:rPr>
+                        <m:t>𝜀</m:t>
+                      </m:r>
+                      <m:r>
+                        <a:rPr lang="en-US" i="1">
+                          <a:latin typeface="Cambria Math" panose="02040503050406030204" pitchFamily="18" charset="0"/>
+                          <a:ea typeface="Cambria Math" panose="02040503050406030204" pitchFamily="18" charset="0"/>
+                        </a:rPr>
+                        <m:t>(</m:t>
+                      </m:r>
+                      <m:r>
+                        <a:rPr lang="en-US" i="1">
+                          <a:latin typeface="Cambria Math" panose="02040503050406030204" pitchFamily="18" charset="0"/>
+                          <a:ea typeface="Cambria Math" panose="02040503050406030204" pitchFamily="18" charset="0"/>
+                        </a:rPr>
+                        <m:t>𝑠</m:t>
+                      </m:r>
+                      <m:r>
+                        <a:rPr lang="en-US" i="1">
+                          <a:latin typeface="Cambria Math" panose="02040503050406030204" pitchFamily="18" charset="0"/>
+                          <a:ea typeface="Cambria Math" panose="02040503050406030204" pitchFamily="18" charset="0"/>
+                        </a:rPr>
+                        <m:t>)</m:t>
+                      </m:r>
                     </m:oMath>
                   </m:oMathPara>
                 </a14:m>
@@ -11528,99 +11511,95 @@
                       <m:jc m:val="centerGroup"/>
                     </m:oMathParaPr>
                     <m:oMath xmlns:m="http://schemas.openxmlformats.org/officeDocument/2006/math">
-                      <m:sSub>
-                        <m:sSubPr>
-                          <m:ctrlPr>
-                            <a:rPr lang="en-US" i="1">
-                              <a:latin typeface="Cambria Math" panose="02040503050406030204" pitchFamily="18" charset="0"/>
-                              <a:ea typeface="Cambria Math" panose="02040503050406030204" pitchFamily="18" charset="0"/>
-                            </a:rPr>
-                          </m:ctrlPr>
-                        </m:sSubPr>
-                        <m:e>
-                          <m:r>
-                            <a:rPr lang="en-US" i="1">
-                              <a:latin typeface="Cambria Math" panose="02040503050406030204" pitchFamily="18" charset="0"/>
-                              <a:ea typeface="Cambria Math" panose="02040503050406030204" pitchFamily="18" charset="0"/>
-                            </a:rPr>
-                            <m:t>𝜀</m:t>
-                          </m:r>
-                        </m:e>
-                        <m:sub>
-                          <m:r>
-                            <a:rPr lang="en-US" i="1">
-                              <a:latin typeface="Cambria Math" panose="02040503050406030204" pitchFamily="18" charset="0"/>
-                              <a:ea typeface="Cambria Math" panose="02040503050406030204" pitchFamily="18" charset="0"/>
-                            </a:rPr>
-                            <m:t>𝑠</m:t>
-                          </m:r>
-                          <m:r>
-                            <a:rPr lang="en-US" i="1">
-                              <a:latin typeface="Cambria Math" panose="02040503050406030204" pitchFamily="18" charset="0"/>
-                              <a:ea typeface="Cambria Math" panose="02040503050406030204" pitchFamily="18" charset="0"/>
-                            </a:rPr>
-                            <m:t>+1</m:t>
-                          </m:r>
-                        </m:sub>
-                      </m:sSub>
+                      <m:r>
+                        <a:rPr lang="en-US" i="1">
+                          <a:latin typeface="Cambria Math" panose="02040503050406030204" pitchFamily="18" charset="0"/>
+                          <a:ea typeface="Cambria Math" panose="02040503050406030204" pitchFamily="18" charset="0"/>
+                        </a:rPr>
+                        <m:t>𝜀</m:t>
+                      </m:r>
+                      <m:r>
+                        <a:rPr lang="en-US" i="1">
+                          <a:latin typeface="Cambria Math" panose="02040503050406030204" pitchFamily="18" charset="0"/>
+                          <a:ea typeface="Cambria Math" panose="02040503050406030204" pitchFamily="18" charset="0"/>
+                        </a:rPr>
+                        <m:t>(</m:t>
+                      </m:r>
+                      <m:r>
+                        <a:rPr lang="en-US" i="1">
+                          <a:latin typeface="Cambria Math" panose="02040503050406030204" pitchFamily="18" charset="0"/>
+                          <a:ea typeface="Cambria Math" panose="02040503050406030204" pitchFamily="18" charset="0"/>
+                        </a:rPr>
+                        <m:t>𝑠</m:t>
+                      </m:r>
                       <m:r>
                         <a:rPr lang="en-US" b="0" i="1" smtClean="0">
                           <a:latin typeface="Cambria Math" panose="02040503050406030204" pitchFamily="18" charset="0"/>
                           <a:ea typeface="Cambria Math" panose="02040503050406030204" pitchFamily="18" charset="0"/>
                         </a:rPr>
-                        <m:t>~</m:t>
+                        <m:t>+</m:t>
                       </m:r>
                       <m:r>
                         <a:rPr lang="en-US" b="0" i="1" smtClean="0">
                           <a:latin typeface="Cambria Math" panose="02040503050406030204" pitchFamily="18" charset="0"/>
                           <a:ea typeface="Cambria Math" panose="02040503050406030204" pitchFamily="18" charset="0"/>
                         </a:rPr>
-                        <m:t>𝑁𝑜𝑟𝑚𝑎𝑙</m:t>
+                        <m:t>1</m:t>
+                      </m:r>
+                      <m:r>
+                        <a:rPr lang="en-US" i="1">
+                          <a:latin typeface="Cambria Math" panose="02040503050406030204" pitchFamily="18" charset="0"/>
+                          <a:ea typeface="Cambria Math" panose="02040503050406030204" pitchFamily="18" charset="0"/>
+                        </a:rPr>
+                        <m:t>)~</m:t>
+                      </m:r>
+                      <m:r>
+                        <m:rPr>
+                          <m:sty m:val="p"/>
+                        </m:rPr>
+                        <a:rPr lang="en-US" i="0">
+                          <a:latin typeface="Cambria Math" panose="02040503050406030204" pitchFamily="18" charset="0"/>
+                          <a:ea typeface="Cambria Math" panose="02040503050406030204" pitchFamily="18" charset="0"/>
+                        </a:rPr>
+                        <m:t>Normal</m:t>
+                      </m:r>
+                      <m:r>
+                        <a:rPr lang="en-US" i="1">
+                          <a:latin typeface="Cambria Math" panose="02040503050406030204" pitchFamily="18" charset="0"/>
+                          <a:ea typeface="Cambria Math" panose="02040503050406030204" pitchFamily="18" charset="0"/>
+                        </a:rPr>
+                        <m:t>(</m:t>
+                      </m:r>
+                      <m:r>
+                        <a:rPr lang="en-US" i="1">
+                          <a:latin typeface="Cambria Math" panose="02040503050406030204" pitchFamily="18" charset="0"/>
+                          <a:ea typeface="Cambria Math" panose="02040503050406030204" pitchFamily="18" charset="0"/>
+                        </a:rPr>
+                        <m:t>𝜌𝜀</m:t>
+                      </m:r>
+                      <m:r>
+                        <a:rPr lang="en-US" i="1">
+                          <a:latin typeface="Cambria Math" panose="02040503050406030204" pitchFamily="18" charset="0"/>
+                          <a:ea typeface="Cambria Math" panose="02040503050406030204" pitchFamily="18" charset="0"/>
+                        </a:rPr>
+                        <m:t>(</m:t>
+                      </m:r>
+                      <m:r>
+                        <a:rPr lang="en-US" i="1">
+                          <a:latin typeface="Cambria Math" panose="02040503050406030204" pitchFamily="18" charset="0"/>
+                          <a:ea typeface="Cambria Math" panose="02040503050406030204" pitchFamily="18" charset="0"/>
+                        </a:rPr>
+                        <m:t>𝑠</m:t>
                       </m:r>
                       <m:r>
                         <a:rPr lang="en-US" b="0" i="1" smtClean="0">
                           <a:latin typeface="Cambria Math" panose="02040503050406030204" pitchFamily="18" charset="0"/>
                           <a:ea typeface="Cambria Math" panose="02040503050406030204" pitchFamily="18" charset="0"/>
                         </a:rPr>
-                        <m:t>(</m:t>
-                      </m:r>
-                      <m:r>
-                        <a:rPr lang="en-US" b="0" i="1" smtClean="0">
-                          <a:latin typeface="Cambria Math" panose="02040503050406030204" pitchFamily="18" charset="0"/>
-                          <a:ea typeface="Cambria Math" panose="02040503050406030204" pitchFamily="18" charset="0"/>
-                        </a:rPr>
-                        <m:t>𝜌</m:t>
-                      </m:r>
-                      <m:sSub>
-                        <m:sSubPr>
-                          <m:ctrlPr>
-                            <a:rPr lang="en-US" i="1">
-                              <a:latin typeface="Cambria Math" panose="02040503050406030204" pitchFamily="18" charset="0"/>
-                              <a:ea typeface="Cambria Math" panose="02040503050406030204" pitchFamily="18" charset="0"/>
-                            </a:rPr>
-                          </m:ctrlPr>
-                        </m:sSubPr>
-                        <m:e>
-                          <m:r>
-                            <a:rPr lang="en-US" i="1">
-                              <a:latin typeface="Cambria Math" panose="02040503050406030204" pitchFamily="18" charset="0"/>
-                              <a:ea typeface="Cambria Math" panose="02040503050406030204" pitchFamily="18" charset="0"/>
-                            </a:rPr>
-                            <m:t>𝜀</m:t>
-                          </m:r>
-                        </m:e>
-                        <m:sub>
-                          <m:r>
-                            <a:rPr lang="en-US" i="1">
-                              <a:latin typeface="Cambria Math" panose="02040503050406030204" pitchFamily="18" charset="0"/>
-                              <a:ea typeface="Cambria Math" panose="02040503050406030204" pitchFamily="18" charset="0"/>
-                            </a:rPr>
-                            <m:t>𝑠</m:t>
-                          </m:r>
-                        </m:sub>
-                      </m:sSub>
-                      <m:r>
-                        <a:rPr lang="en-US" b="0" i="1" smtClean="0">
+                        <m:t>)</m:t>
+                      </m:r>
+                      <m:r>
+                        <a:rPr lang="en-US" i="1">
                           <a:latin typeface="Cambria Math" panose="02040503050406030204" pitchFamily="18" charset="0"/>
                           <a:ea typeface="Cambria Math" panose="02040503050406030204" pitchFamily="18" charset="0"/>
                         </a:rPr>
@@ -11629,7 +11608,7 @@
                       <m:sSubSup>
                         <m:sSubSupPr>
                           <m:ctrlPr>
-                            <a:rPr lang="en-US" b="0" i="1" smtClean="0">
+                            <a:rPr lang="en-US" i="1">
                               <a:latin typeface="Cambria Math" panose="02040503050406030204" pitchFamily="18" charset="0"/>
                               <a:ea typeface="Cambria Math" panose="02040503050406030204" pitchFamily="18" charset="0"/>
                             </a:rPr>
@@ -11637,7 +11616,7 @@
                         </m:sSubSupPr>
                         <m:e>
                           <m:r>
-                            <a:rPr lang="en-US" b="0" i="1" smtClean="0">
+                            <a:rPr lang="en-US" i="1">
                               <a:latin typeface="Cambria Math" panose="02040503050406030204" pitchFamily="18" charset="0"/>
                               <a:ea typeface="Cambria Math" panose="02040503050406030204" pitchFamily="18" charset="0"/>
                             </a:rPr>
@@ -11646,7 +11625,7 @@
                         </m:e>
                         <m:sub>
                           <m:r>
-                            <a:rPr lang="en-US" b="0" i="1" smtClean="0">
+                            <a:rPr lang="en-US" i="1">
                               <a:latin typeface="Cambria Math" panose="02040503050406030204" pitchFamily="18" charset="0"/>
                               <a:ea typeface="Cambria Math" panose="02040503050406030204" pitchFamily="18" charset="0"/>
                             </a:rPr>
@@ -11655,7 +11634,7 @@
                         </m:sub>
                         <m:sup>
                           <m:r>
-                            <a:rPr lang="en-US" b="0" i="1" smtClean="0">
+                            <a:rPr lang="en-US" i="1">
                               <a:latin typeface="Cambria Math" panose="02040503050406030204" pitchFamily="18" charset="0"/>
                               <a:ea typeface="Cambria Math" panose="02040503050406030204" pitchFamily="18" charset="0"/>
                             </a:rPr>
@@ -11664,7 +11643,7 @@
                         </m:sup>
                       </m:sSubSup>
                       <m:r>
-                        <a:rPr lang="en-US" b="0" i="1" smtClean="0">
+                        <a:rPr lang="en-US" i="1">
                           <a:latin typeface="Cambria Math" panose="02040503050406030204" pitchFamily="18" charset="0"/>
                           <a:ea typeface="Cambria Math" panose="02040503050406030204" pitchFamily="18" charset="0"/>
                         </a:rPr>
@@ -11673,10 +11652,12 @@
                     </m:oMath>
                   </m:oMathPara>
                 </a14:m>
-                <a:endParaRPr lang="en-US" i="1" dirty="0" smtClean="0"/>
+                <a:endParaRPr lang="en-US" dirty="0" smtClean="0"/>
               </a:p>
               <a:p>
-                <a:pPr lvl="1"/>
+                <a:pPr marL="457200" lvl="1" indent="0">
+                  <a:buNone/>
+                </a:pPr>
                 <a:r>
                   <a:rPr lang="en-US" dirty="0" smtClean="0"/>
                   <a:t>We therefore replace distance by ordering</a:t>
@@ -11697,7 +11678,7 @@
             </p:txBody>
           </p:sp>
         </mc:Choice>
-        <mc:Fallback xmlns="">
+        <mc:Fallback>
           <p:sp>
             <p:nvSpPr>
               <p:cNvPr id="3" name="Content Placeholder 2"/>
@@ -12137,8 +12118,8 @@
           </a:p>
         </p:txBody>
       </p:sp>
-      <mc:AlternateContent xmlns:mc="http://schemas.openxmlformats.org/markup-compatibility/2006" xmlns:a14="http://schemas.microsoft.com/office/drawing/2010/main">
-        <mc:Choice Requires="a14">
+      <mc:AlternateContent xmlns:mc="http://schemas.openxmlformats.org/markup-compatibility/2006">
+        <mc:Choice xmlns:a14="http://schemas.microsoft.com/office/drawing/2010/main" Requires="a14">
           <p:sp>
             <p:nvSpPr>
               <p:cNvPr id="3" name="Content Placeholder 2"/>
@@ -12177,104 +12158,81 @@
                       <m:jc m:val="centerGroup"/>
                     </m:oMathParaPr>
                     <m:oMath xmlns:m="http://schemas.openxmlformats.org/officeDocument/2006/math">
-                      <m:sSub>
-                        <m:sSubPr>
+                      <m:r>
+                        <a:rPr lang="en-US" i="1">
+                          <a:latin typeface="Cambria Math" panose="02040503050406030204" pitchFamily="18" charset="0"/>
+                          <a:ea typeface="Cambria Math" panose="02040503050406030204" pitchFamily="18" charset="0"/>
+                        </a:rPr>
+                        <m:t>𝑐</m:t>
+                      </m:r>
+                      <m:r>
+                        <a:rPr lang="en-US" i="1">
+                          <a:latin typeface="Cambria Math" panose="02040503050406030204" pitchFamily="18" charset="0"/>
+                          <a:ea typeface="Cambria Math" panose="02040503050406030204" pitchFamily="18" charset="0"/>
+                        </a:rPr>
+                        <m:t>(</m:t>
+                      </m:r>
+                      <m:r>
+                        <a:rPr lang="en-US" i="1">
+                          <a:latin typeface="Cambria Math" panose="02040503050406030204" pitchFamily="18" charset="0"/>
+                          <a:ea typeface="Cambria Math" panose="02040503050406030204" pitchFamily="18" charset="0"/>
+                        </a:rPr>
+                        <m:t>𝑠</m:t>
+                      </m:r>
+                      <m:r>
+                        <a:rPr lang="en-US" i="1">
+                          <a:latin typeface="Cambria Math" panose="02040503050406030204" pitchFamily="18" charset="0"/>
+                          <a:ea typeface="Cambria Math" panose="02040503050406030204" pitchFamily="18" charset="0"/>
+                        </a:rPr>
+                        <m:t>)~</m:t>
+                      </m:r>
+                      <m:r>
+                        <a:rPr lang="en-US" i="1">
+                          <a:latin typeface="Cambria Math" panose="02040503050406030204" pitchFamily="18" charset="0"/>
+                          <a:ea typeface="Cambria Math" panose="02040503050406030204" pitchFamily="18" charset="0"/>
+                        </a:rPr>
+                        <m:t>𝑔</m:t>
+                      </m:r>
+                      <m:d>
+                        <m:dPr>
                           <m:ctrlPr>
                             <a:rPr lang="en-US" i="1">
                               <a:latin typeface="Cambria Math" panose="02040503050406030204" pitchFamily="18" charset="0"/>
                               <a:ea typeface="Cambria Math" panose="02040503050406030204" pitchFamily="18" charset="0"/>
                             </a:rPr>
                           </m:ctrlPr>
-                        </m:sSubPr>
+                        </m:dPr>
                         <m:e>
                           <m:r>
                             <a:rPr lang="en-US" i="1">
                               <a:latin typeface="Cambria Math" panose="02040503050406030204" pitchFamily="18" charset="0"/>
                               <a:ea typeface="Cambria Math" panose="02040503050406030204" pitchFamily="18" charset="0"/>
                             </a:rPr>
-                            <m:t>𝑐</m:t>
+                            <m:t>𝜇</m:t>
+                          </m:r>
+                          <m:r>
+                            <a:rPr lang="en-US" i="1">
+                              <a:latin typeface="Cambria Math" panose="02040503050406030204" pitchFamily="18" charset="0"/>
+                              <a:ea typeface="Cambria Math" panose="02040503050406030204" pitchFamily="18" charset="0"/>
+                            </a:rPr>
+                            <m:t>(</m:t>
+                          </m:r>
+                          <m:r>
+                            <a:rPr lang="en-US" i="1">
+                              <a:latin typeface="Cambria Math" panose="02040503050406030204" pitchFamily="18" charset="0"/>
+                              <a:ea typeface="Cambria Math" panose="02040503050406030204" pitchFamily="18" charset="0"/>
+                            </a:rPr>
+                            <m:t>𝑠</m:t>
+                          </m:r>
+                          <m:r>
+                            <a:rPr lang="en-US" i="1">
+                              <a:latin typeface="Cambria Math" panose="02040503050406030204" pitchFamily="18" charset="0"/>
+                              <a:ea typeface="Cambria Math" panose="02040503050406030204" pitchFamily="18" charset="0"/>
+                            </a:rPr>
+                            <m:t>)</m:t>
                           </m:r>
                         </m:e>
-                        <m:sub>
-                          <m:r>
-                            <a:rPr lang="en-US" i="1">
-                              <a:latin typeface="Cambria Math" panose="02040503050406030204" pitchFamily="18" charset="0"/>
-                              <a:ea typeface="Cambria Math" panose="02040503050406030204" pitchFamily="18" charset="0"/>
-                            </a:rPr>
-                            <m:t>𝑠</m:t>
-                          </m:r>
-                        </m:sub>
-                      </m:sSub>
-                      <m:r>
-                        <a:rPr lang="en-US" i="1">
-                          <a:latin typeface="Cambria Math" panose="02040503050406030204" pitchFamily="18" charset="0"/>
-                          <a:ea typeface="Cambria Math" panose="02040503050406030204" pitchFamily="18" charset="0"/>
-                        </a:rPr>
-                        <m:t>(</m:t>
-                      </m:r>
-                      <m:r>
-                        <a:rPr lang="en-US" i="1">
-                          <a:latin typeface="Cambria Math" panose="02040503050406030204" pitchFamily="18" charset="0"/>
-                          <a:ea typeface="Cambria Math" panose="02040503050406030204" pitchFamily="18" charset="0"/>
-                        </a:rPr>
-                        <m:t>𝑖</m:t>
-                      </m:r>
-                      <m:r>
-                        <a:rPr lang="en-US" i="1">
-                          <a:latin typeface="Cambria Math" panose="02040503050406030204" pitchFamily="18" charset="0"/>
-                          <a:ea typeface="Cambria Math" panose="02040503050406030204" pitchFamily="18" charset="0"/>
-                        </a:rPr>
-                        <m:t>)~</m:t>
-                      </m:r>
-                      <m:r>
-                        <a:rPr lang="en-US" i="1">
-                          <a:latin typeface="Cambria Math" panose="02040503050406030204" pitchFamily="18" charset="0"/>
-                          <a:ea typeface="Cambria Math" panose="02040503050406030204" pitchFamily="18" charset="0"/>
-                        </a:rPr>
-                        <m:t>𝑔</m:t>
-                      </m:r>
-                      <m:r>
-                        <a:rPr lang="en-US" i="1">
-                          <a:latin typeface="Cambria Math" panose="02040503050406030204" pitchFamily="18" charset="0"/>
-                          <a:ea typeface="Cambria Math" panose="02040503050406030204" pitchFamily="18" charset="0"/>
-                        </a:rPr>
-                        <m:t>(</m:t>
-                      </m:r>
-                      <m:sSub>
-                        <m:sSubPr>
-                          <m:ctrlPr>
-                            <a:rPr lang="en-US" i="1">
-                              <a:latin typeface="Cambria Math" panose="02040503050406030204" pitchFamily="18" charset="0"/>
-                              <a:ea typeface="Cambria Math" panose="02040503050406030204" pitchFamily="18" charset="0"/>
-                            </a:rPr>
-                          </m:ctrlPr>
-                        </m:sSubPr>
-                        <m:e>
-                          <m:r>
-                            <a:rPr lang="en-US" i="1">
-                              <a:latin typeface="Cambria Math" panose="02040503050406030204" pitchFamily="18" charset="0"/>
-                              <a:ea typeface="Cambria Math" panose="02040503050406030204" pitchFamily="18" charset="0"/>
-                            </a:rPr>
-                            <m:t>𝜇</m:t>
-                          </m:r>
-                        </m:e>
-                        <m:sub>
-                          <m:r>
-                            <a:rPr lang="en-US" i="1">
-                              <a:latin typeface="Cambria Math" panose="02040503050406030204" pitchFamily="18" charset="0"/>
-                              <a:ea typeface="Cambria Math" panose="02040503050406030204" pitchFamily="18" charset="0"/>
-                            </a:rPr>
-                            <m:t>𝑠</m:t>
-                          </m:r>
-                        </m:sub>
-                      </m:sSub>
-                      <m:r>
-                        <a:rPr lang="en-US" i="1">
-                          <a:latin typeface="Cambria Math" panose="02040503050406030204" pitchFamily="18" charset="0"/>
-                          <a:ea typeface="Cambria Math" panose="02040503050406030204" pitchFamily="18" charset="0"/>
-                        </a:rPr>
-                        <m:t>)</m:t>
-                      </m:r>
+                      </m:d>
                     </m:oMath>
                   </m:oMathPara>
                 </a14:m>
@@ -12290,34 +12248,32 @@
                       <m:jc m:val="centerGroup"/>
                     </m:oMathParaPr>
                     <m:oMath xmlns:m="http://schemas.openxmlformats.org/officeDocument/2006/math">
-                      <m:sSub>
-                        <m:sSubPr>
+                      <m:r>
+                        <a:rPr lang="en-US" i="1">
+                          <a:latin typeface="Cambria Math" panose="02040503050406030204" pitchFamily="18" charset="0"/>
+                          <a:ea typeface="Cambria Math" panose="02040503050406030204" pitchFamily="18" charset="0"/>
+                        </a:rPr>
+                        <m:t>𝜇</m:t>
+                      </m:r>
+                      <m:d>
+                        <m:dPr>
                           <m:ctrlPr>
                             <a:rPr lang="en-US" i="1">
                               <a:latin typeface="Cambria Math" panose="02040503050406030204" pitchFamily="18" charset="0"/>
                               <a:ea typeface="Cambria Math" panose="02040503050406030204" pitchFamily="18" charset="0"/>
                             </a:rPr>
                           </m:ctrlPr>
-                        </m:sSubPr>
+                        </m:dPr>
                         <m:e>
                           <m:r>
                             <a:rPr lang="en-US" i="1">
                               <a:latin typeface="Cambria Math" panose="02040503050406030204" pitchFamily="18" charset="0"/>
                               <a:ea typeface="Cambria Math" panose="02040503050406030204" pitchFamily="18" charset="0"/>
                             </a:rPr>
-                            <m:t>𝜇</m:t>
+                            <m:t>𝑠</m:t>
                           </m:r>
                         </m:e>
-                        <m:sub>
-                          <m:r>
-                            <a:rPr lang="en-US" i="1">
-                              <a:latin typeface="Cambria Math" panose="02040503050406030204" pitchFamily="18" charset="0"/>
-                              <a:ea typeface="Cambria Math" panose="02040503050406030204" pitchFamily="18" charset="0"/>
-                            </a:rPr>
-                            <m:t>𝑠</m:t>
-                          </m:r>
-                        </m:sub>
-                      </m:sSub>
+                      </m:d>
                       <m:r>
                         <a:rPr lang="en-US" i="1">
                           <a:latin typeface="Cambria Math" panose="02040503050406030204" pitchFamily="18" charset="0"/>
@@ -12330,7 +12286,28 @@
                           <a:latin typeface="Cambria Math" panose="02040503050406030204" pitchFamily="18" charset="0"/>
                           <a:ea typeface="Cambria Math" panose="02040503050406030204" pitchFamily="18" charset="0"/>
                         </a:rPr>
-                        <m:t>𝐗</m:t>
+                        <m:t>𝐱</m:t>
+                      </m:r>
+                      <m:r>
+                        <a:rPr lang="en-US">
+                          <a:latin typeface="Cambria Math" panose="02040503050406030204" pitchFamily="18" charset="0"/>
+                          <a:ea typeface="Cambria Math" panose="02040503050406030204" pitchFamily="18" charset="0"/>
+                        </a:rPr>
+                        <m:t>(</m:t>
+                      </m:r>
+                      <m:r>
+                        <a:rPr lang="en-US" i="1">
+                          <a:latin typeface="Cambria Math" panose="02040503050406030204" pitchFamily="18" charset="0"/>
+                          <a:ea typeface="Cambria Math" panose="02040503050406030204" pitchFamily="18" charset="0"/>
+                        </a:rPr>
+                        <m:t>𝑠</m:t>
+                      </m:r>
+                      <m:r>
+                        <a:rPr lang="en-US">
+                          <a:latin typeface="Cambria Math" panose="02040503050406030204" pitchFamily="18" charset="0"/>
+                          <a:ea typeface="Cambria Math" panose="02040503050406030204" pitchFamily="18" charset="0"/>
+                        </a:rPr>
+                        <m:t>)</m:t>
                       </m:r>
                       <m:r>
                         <a:rPr lang="en-US" b="1">
@@ -12346,34 +12323,34 @@
                         </a:rPr>
                         <m:t>+</m:t>
                       </m:r>
-                      <m:sSub>
-                        <m:sSubPr>
-                          <m:ctrlPr>
-                            <a:rPr lang="en-US" i="1">
-                              <a:latin typeface="Cambria Math" panose="02040503050406030204" pitchFamily="18" charset="0"/>
-                              <a:ea typeface="Cambria Math" panose="02040503050406030204" pitchFamily="18" charset="0"/>
-                            </a:rPr>
-                          </m:ctrlPr>
-                        </m:sSubPr>
-                        <m:e>
-                          <m:r>
-                            <a:rPr lang="en-US" i="1">
-                              <a:latin typeface="Cambria Math" panose="02040503050406030204" pitchFamily="18" charset="0"/>
-                              <a:ea typeface="Cambria Math" panose="02040503050406030204" pitchFamily="18" charset="0"/>
-                            </a:rPr>
-                            <m:t>𝜀</m:t>
-                          </m:r>
-                        </m:e>
-                        <m:sub>
-                          <m:r>
-                            <a:rPr lang="en-US" i="1">
-                              <a:latin typeface="Cambria Math" panose="02040503050406030204" pitchFamily="18" charset="0"/>
-                              <a:ea typeface="Cambria Math" panose="02040503050406030204" pitchFamily="18" charset="0"/>
-                            </a:rPr>
-                            <m:t>𝑠</m:t>
-                          </m:r>
-                        </m:sub>
-                      </m:sSub>
+                      <m:r>
+                        <a:rPr lang="en-US" i="1">
+                          <a:latin typeface="Cambria Math" panose="02040503050406030204" pitchFamily="18" charset="0"/>
+                          <a:ea typeface="Cambria Math" panose="02040503050406030204" pitchFamily="18" charset="0"/>
+                        </a:rPr>
+                        <m:t>𝜀</m:t>
+                      </m:r>
+                      <m:r>
+                        <a:rPr lang="en-US" i="1">
+                          <a:latin typeface="Cambria Math" panose="02040503050406030204" pitchFamily="18" charset="0"/>
+                          <a:ea typeface="Cambria Math" panose="02040503050406030204" pitchFamily="18" charset="0"/>
+                        </a:rPr>
+                        <m:t>(</m:t>
+                      </m:r>
+                      <m:r>
+                        <a:rPr lang="en-US" i="1">
+                          <a:latin typeface="Cambria Math" panose="02040503050406030204" pitchFamily="18" charset="0"/>
+                          <a:ea typeface="Cambria Math" panose="02040503050406030204" pitchFamily="18" charset="0"/>
+                        </a:rPr>
+                        <m:t>𝑠</m:t>
+                      </m:r>
+                      <m:r>
+                        <a:rPr lang="en-US" i="1">
+                          <a:latin typeface="Cambria Math" panose="02040503050406030204" pitchFamily="18" charset="0"/>
+                          <a:ea typeface="Cambria Math" panose="02040503050406030204" pitchFamily="18" charset="0"/>
+                        </a:rPr>
+                        <m:t>)</m:t>
+                      </m:r>
                     </m:oMath>
                   </m:oMathPara>
                 </a14:m>
@@ -12404,733 +12381,133 @@
                       <m:jc m:val="centerGroup"/>
                     </m:oMathParaPr>
                     <m:oMath xmlns:m="http://schemas.openxmlformats.org/officeDocument/2006/math">
-                      <m:sSub>
-                        <m:sSubPr>
-                          <m:ctrlPr>
-                            <a:rPr lang="en-US" i="1">
-                              <a:latin typeface="Cambria Math" panose="02040503050406030204" pitchFamily="18" charset="0"/>
-                              <a:ea typeface="Cambria Math" panose="02040503050406030204" pitchFamily="18" charset="0"/>
-                            </a:rPr>
-                          </m:ctrlPr>
-                        </m:sSubPr>
-                        <m:e>
-                          <m:r>
-                            <a:rPr lang="en-US" i="1">
-                              <a:latin typeface="Cambria Math" panose="02040503050406030204" pitchFamily="18" charset="0"/>
-                              <a:ea typeface="Cambria Math" panose="02040503050406030204" pitchFamily="18" charset="0"/>
-                            </a:rPr>
-                            <m:t>𝜀</m:t>
-                          </m:r>
-                        </m:e>
-                        <m:sub>
-                          <m:r>
-                            <a:rPr lang="en-US" i="1">
-                              <a:latin typeface="Cambria Math" panose="02040503050406030204" pitchFamily="18" charset="0"/>
-                              <a:ea typeface="Cambria Math" panose="02040503050406030204" pitchFamily="18" charset="0"/>
-                            </a:rPr>
-                            <m:t>𝑠</m:t>
-                          </m:r>
-                          <m:r>
-                            <a:rPr lang="en-US" i="1">
-                              <a:latin typeface="Cambria Math" panose="02040503050406030204" pitchFamily="18" charset="0"/>
-                              <a:ea typeface="Cambria Math" panose="02040503050406030204" pitchFamily="18" charset="0"/>
-                            </a:rPr>
-                            <m:t>+1</m:t>
-                          </m:r>
-                        </m:sub>
-                      </m:sSub>
-                      <m:r>
-                        <a:rPr lang="en-US" b="0" i="1" smtClean="0">
-                          <a:latin typeface="Cambria Math" panose="02040503050406030204" pitchFamily="18" charset="0"/>
-                          <a:ea typeface="Cambria Math" panose="02040503050406030204" pitchFamily="18" charset="0"/>
-                        </a:rPr>
-                        <m:t>~</m:t>
-                      </m:r>
-                      <m:r>
-                        <m:rPr>
-                          <m:sty m:val="p"/>
-                        </m:rPr>
-                        <a:rPr lang="en-US" b="0" i="0" smtClean="0">
-                          <a:latin typeface="Cambria Math" panose="02040503050406030204" pitchFamily="18" charset="0"/>
-                          <a:ea typeface="Cambria Math" panose="02040503050406030204" pitchFamily="18" charset="0"/>
-                        </a:rPr>
-                        <m:t>Normal</m:t>
-                      </m:r>
-                      <m:r>
-                        <a:rPr lang="en-US" b="0" i="1" smtClean="0">
+                      <m:r>
+                        <a:rPr lang="en-US" i="1">
+                          <a:latin typeface="Cambria Math" panose="02040503050406030204" pitchFamily="18" charset="0"/>
+                          <a:ea typeface="Cambria Math" panose="02040503050406030204" pitchFamily="18" charset="0"/>
+                        </a:rPr>
+                        <m:t>𝜀</m:t>
+                      </m:r>
+                      <m:r>
+                        <a:rPr lang="en-US" i="1">
                           <a:latin typeface="Cambria Math" panose="02040503050406030204" pitchFamily="18" charset="0"/>
                           <a:ea typeface="Cambria Math" panose="02040503050406030204" pitchFamily="18" charset="0"/>
                         </a:rPr>
                         <m:t>(</m:t>
                       </m:r>
                       <m:r>
-                        <a:rPr lang="en-US" b="0" i="1" smtClean="0">
-                          <a:latin typeface="Cambria Math" panose="02040503050406030204" pitchFamily="18" charset="0"/>
-                          <a:ea typeface="Cambria Math" panose="02040503050406030204" pitchFamily="18" charset="0"/>
-                        </a:rPr>
-                        <m:t>𝜌</m:t>
-                      </m:r>
-                      <m:sSub>
-                        <m:sSubPr>
-                          <m:ctrlPr>
-                            <a:rPr lang="en-US" i="1">
-                              <a:latin typeface="Cambria Math" panose="02040503050406030204" pitchFamily="18" charset="0"/>
-                              <a:ea typeface="Cambria Math" panose="02040503050406030204" pitchFamily="18" charset="0"/>
-                            </a:rPr>
-                          </m:ctrlPr>
-                        </m:sSubPr>
-                        <m:e>
-                          <m:r>
-                            <a:rPr lang="en-US" i="1">
-                              <a:latin typeface="Cambria Math" panose="02040503050406030204" pitchFamily="18" charset="0"/>
-                              <a:ea typeface="Cambria Math" panose="02040503050406030204" pitchFamily="18" charset="0"/>
-                            </a:rPr>
-                            <m:t>𝜀</m:t>
-                          </m:r>
-                        </m:e>
-                        <m:sub>
-                          <m:r>
-                            <a:rPr lang="en-US" i="1">
-                              <a:latin typeface="Cambria Math" panose="02040503050406030204" pitchFamily="18" charset="0"/>
-                              <a:ea typeface="Cambria Math" panose="02040503050406030204" pitchFamily="18" charset="0"/>
-                            </a:rPr>
-                            <m:t>𝑠</m:t>
-                          </m:r>
-                        </m:sub>
-                      </m:sSub>
-                      <m:r>
-                        <a:rPr lang="en-US" b="0" i="1" smtClean="0">
-                          <a:latin typeface="Cambria Math" panose="02040503050406030204" pitchFamily="18" charset="0"/>
-                          <a:ea typeface="Cambria Math" panose="02040503050406030204" pitchFamily="18" charset="0"/>
-                        </a:rPr>
-                        <m:t>,</m:t>
-                      </m:r>
-                      <m:sSubSup>
-                        <m:sSubSupPr>
-                          <m:ctrlPr>
-                            <a:rPr lang="en-US" b="0" i="1" smtClean="0">
-                              <a:latin typeface="Cambria Math" panose="02040503050406030204" pitchFamily="18" charset="0"/>
-                              <a:ea typeface="Cambria Math" panose="02040503050406030204" pitchFamily="18" charset="0"/>
-                            </a:rPr>
-                          </m:ctrlPr>
-                        </m:sSubSupPr>
-                        <m:e>
-                          <m:r>
-                            <a:rPr lang="en-US" b="0" i="1" smtClean="0">
-                              <a:latin typeface="Cambria Math" panose="02040503050406030204" pitchFamily="18" charset="0"/>
-                              <a:ea typeface="Cambria Math" panose="02040503050406030204" pitchFamily="18" charset="0"/>
-                            </a:rPr>
-                            <m:t>𝜎</m:t>
-                          </m:r>
-                        </m:e>
-                        <m:sub>
-                          <m:r>
-                            <a:rPr lang="en-US" b="0" i="1" smtClean="0">
-                              <a:latin typeface="Cambria Math" panose="02040503050406030204" pitchFamily="18" charset="0"/>
-                              <a:ea typeface="Cambria Math" panose="02040503050406030204" pitchFamily="18" charset="0"/>
-                            </a:rPr>
-                            <m:t>𝜀</m:t>
-                          </m:r>
-                        </m:sub>
-                        <m:sup>
-                          <m:r>
-                            <a:rPr lang="en-US" b="0" i="1" smtClean="0">
-                              <a:latin typeface="Cambria Math" panose="02040503050406030204" pitchFamily="18" charset="0"/>
-                              <a:ea typeface="Cambria Math" panose="02040503050406030204" pitchFamily="18" charset="0"/>
-                            </a:rPr>
-                            <m:t>2</m:t>
-                          </m:r>
-                        </m:sup>
-                      </m:sSubSup>
-                      <m:r>
-                        <a:rPr lang="en-US" b="0" i="1" smtClean="0">
-                          <a:latin typeface="Cambria Math" panose="02040503050406030204" pitchFamily="18" charset="0"/>
-                          <a:ea typeface="Cambria Math" panose="02040503050406030204" pitchFamily="18" charset="0"/>
-                        </a:rPr>
-                        <m:t>)</m:t>
-                      </m:r>
-                    </m:oMath>
-                  </m:oMathPara>
-                </a14:m>
-                <a:endParaRPr lang="en-US" i="1" dirty="0" smtClean="0"/>
-              </a:p>
-              <a:p>
-                <a:pPr lvl="1"/>
-                <a:r>
-                  <a:rPr lang="en-US" dirty="0" smtClean="0"/>
-                  <a:t>Review properties:</a:t>
-                </a:r>
-              </a:p>
-              <a:p>
-                <a:pPr marL="457200" lvl="1" indent="0">
-                  <a:buNone/>
-                </a:pPr>
-                <a14:m>
-                  <m:oMathPara xmlns:m="http://schemas.openxmlformats.org/officeDocument/2006/math">
-                    <m:oMathParaPr>
-                      <m:jc m:val="centerGroup"/>
-                    </m:oMathParaPr>
-                    <m:oMath xmlns:m="http://schemas.openxmlformats.org/officeDocument/2006/math">
-                      <m:r>
-                        <a:rPr lang="en-US" b="0" i="1" smtClean="0">
-                          <a:latin typeface="Cambria Math" panose="02040503050406030204" pitchFamily="18" charset="0"/>
-                          <a:ea typeface="Cambria Math" panose="02040503050406030204" pitchFamily="18" charset="0"/>
-                        </a:rPr>
-                        <m:t>𝔼</m:t>
-                      </m:r>
-                      <m:d>
-                        <m:dPr>
-                          <m:ctrlPr>
-                            <a:rPr lang="en-US" b="0" i="1" smtClean="0">
-                              <a:latin typeface="Cambria Math" panose="02040503050406030204" pitchFamily="18" charset="0"/>
-                            </a:rPr>
-                          </m:ctrlPr>
-                        </m:dPr>
-                        <m:e>
-                          <m:sSub>
-                            <m:sSubPr>
-                              <m:ctrlPr>
-                                <a:rPr lang="en-US" b="0" i="1" smtClean="0">
-                                  <a:latin typeface="Cambria Math" panose="02040503050406030204" pitchFamily="18" charset="0"/>
-                                  <a:ea typeface="Cambria Math" panose="02040503050406030204" pitchFamily="18" charset="0"/>
-                                </a:rPr>
-                              </m:ctrlPr>
-                            </m:sSubPr>
-                            <m:e>
-                              <m:r>
-                                <a:rPr lang="en-US" b="0" i="1">
-                                  <a:latin typeface="Cambria Math" panose="02040503050406030204" pitchFamily="18" charset="0"/>
-                                  <a:ea typeface="Cambria Math" panose="02040503050406030204" pitchFamily="18" charset="0"/>
-                                </a:rPr>
-                                <m:t>𝜀</m:t>
-                              </m:r>
-                            </m:e>
-                            <m:sub>
-                              <m:r>
-                                <a:rPr lang="en-US" b="0" i="1" smtClean="0">
-                                  <a:latin typeface="Cambria Math" panose="02040503050406030204" pitchFamily="18" charset="0"/>
-                                  <a:ea typeface="Cambria Math" panose="02040503050406030204" pitchFamily="18" charset="0"/>
-                                </a:rPr>
-                                <m:t>𝑠</m:t>
-                              </m:r>
-                            </m:sub>
-                          </m:sSub>
-                        </m:e>
-                      </m:d>
-                      <m:r>
-                        <a:rPr lang="en-US" b="0" i="0" smtClean="0">
-                          <a:latin typeface="Cambria Math" panose="02040503050406030204" pitchFamily="18" charset="0"/>
-                          <a:ea typeface="Cambria Math" panose="02040503050406030204" pitchFamily="18" charset="0"/>
-                        </a:rPr>
-                        <m:t>=0</m:t>
-                      </m:r>
-                    </m:oMath>
-                  </m:oMathPara>
-                </a14:m>
-                <a:endParaRPr lang="en-US" b="1" dirty="0" smtClean="0"/>
-              </a:p>
-              <a:p>
-                <a:pPr marL="457200" lvl="1" indent="0">
-                  <a:buNone/>
-                </a:pPr>
-                <a14:m>
-                  <m:oMathPara xmlns:m="http://schemas.openxmlformats.org/officeDocument/2006/math">
-                    <m:oMathParaPr>
-                      <m:jc m:val="centerGroup"/>
-                    </m:oMathParaPr>
-                    <m:oMath xmlns:m="http://schemas.openxmlformats.org/officeDocument/2006/math">
-                      <m:r>
-                        <m:rPr>
-                          <m:sty m:val="p"/>
-                        </m:rPr>
-                        <a:rPr lang="en-US" b="0" i="0" smtClean="0">
-                          <a:latin typeface="Cambria Math" panose="02040503050406030204" pitchFamily="18" charset="0"/>
-                        </a:rPr>
-                        <m:t>Var</m:t>
-                      </m:r>
-                      <m:d>
-                        <m:dPr>
-                          <m:ctrlPr>
-                            <a:rPr lang="en-US" b="1" i="1" smtClean="0">
-                              <a:latin typeface="Cambria Math" panose="02040503050406030204" pitchFamily="18" charset="0"/>
-                            </a:rPr>
-                          </m:ctrlPr>
-                        </m:dPr>
-                        <m:e>
-                          <m:sSub>
-                            <m:sSubPr>
-                              <m:ctrlPr>
-                                <a:rPr lang="en-US" b="0" i="1" smtClean="0">
-                                  <a:latin typeface="Cambria Math" panose="02040503050406030204" pitchFamily="18" charset="0"/>
-                                  <a:ea typeface="Cambria Math" panose="02040503050406030204" pitchFamily="18" charset="0"/>
-                                </a:rPr>
-                              </m:ctrlPr>
-                            </m:sSubPr>
-                            <m:e>
-                              <m:r>
-                                <a:rPr lang="en-US" b="0" i="1">
-                                  <a:latin typeface="Cambria Math" panose="02040503050406030204" pitchFamily="18" charset="0"/>
-                                  <a:ea typeface="Cambria Math" panose="02040503050406030204" pitchFamily="18" charset="0"/>
-                                </a:rPr>
-                                <m:t>𝜀</m:t>
-                              </m:r>
-                            </m:e>
-                            <m:sub>
-                              <m:r>
-                                <a:rPr lang="en-US" b="0" i="1" smtClean="0">
-                                  <a:latin typeface="Cambria Math" panose="02040503050406030204" pitchFamily="18" charset="0"/>
-                                  <a:ea typeface="Cambria Math" panose="02040503050406030204" pitchFamily="18" charset="0"/>
-                                </a:rPr>
-                                <m:t>𝑠</m:t>
-                              </m:r>
-                            </m:sub>
-                          </m:sSub>
-                        </m:e>
-                      </m:d>
-                      <m:r>
-                        <a:rPr lang="en-US" b="0" i="0" smtClean="0">
-                          <a:latin typeface="Cambria Math" panose="02040503050406030204" pitchFamily="18" charset="0"/>
-                          <a:ea typeface="Cambria Math" panose="02040503050406030204" pitchFamily="18" charset="0"/>
-                        </a:rPr>
-                        <m:t>=</m:t>
-                      </m:r>
-                      <m:f>
-                        <m:fPr>
-                          <m:ctrlPr>
-                            <a:rPr lang="en-US" b="0" i="1" smtClean="0">
-                              <a:latin typeface="Cambria Math" panose="02040503050406030204" pitchFamily="18" charset="0"/>
-                              <a:ea typeface="Cambria Math" panose="02040503050406030204" pitchFamily="18" charset="0"/>
-                            </a:rPr>
-                          </m:ctrlPr>
-                        </m:fPr>
-                        <m:num>
-                          <m:sSubSup>
-                            <m:sSubSupPr>
-                              <m:ctrlPr>
-                                <a:rPr lang="en-US" i="1">
-                                  <a:latin typeface="Cambria Math" panose="02040503050406030204" pitchFamily="18" charset="0"/>
-                                  <a:ea typeface="Cambria Math" panose="02040503050406030204" pitchFamily="18" charset="0"/>
-                                </a:rPr>
-                              </m:ctrlPr>
-                            </m:sSubSupPr>
-                            <m:e>
-                              <m:r>
-                                <a:rPr lang="en-US" i="1">
-                                  <a:latin typeface="Cambria Math" panose="02040503050406030204" pitchFamily="18" charset="0"/>
-                                  <a:ea typeface="Cambria Math" panose="02040503050406030204" pitchFamily="18" charset="0"/>
-                                </a:rPr>
-                                <m:t>𝜎</m:t>
-                              </m:r>
-                            </m:e>
-                            <m:sub>
-                              <m:r>
-                                <a:rPr lang="en-US" i="1">
-                                  <a:latin typeface="Cambria Math" panose="02040503050406030204" pitchFamily="18" charset="0"/>
-                                  <a:ea typeface="Cambria Math" panose="02040503050406030204" pitchFamily="18" charset="0"/>
-                                </a:rPr>
-                                <m:t>𝜀</m:t>
-                              </m:r>
-                            </m:sub>
-                            <m:sup>
-                              <m:r>
-                                <a:rPr lang="en-US" i="1">
-                                  <a:latin typeface="Cambria Math" panose="02040503050406030204" pitchFamily="18" charset="0"/>
-                                  <a:ea typeface="Cambria Math" panose="02040503050406030204" pitchFamily="18" charset="0"/>
-                                </a:rPr>
-                                <m:t>2</m:t>
-                              </m:r>
-                            </m:sup>
-                          </m:sSubSup>
-                        </m:num>
-                        <m:den>
-                          <m:r>
-                            <a:rPr lang="en-US" b="0" i="1" smtClean="0">
-                              <a:latin typeface="Cambria Math" panose="02040503050406030204" pitchFamily="18" charset="0"/>
-                              <a:ea typeface="Cambria Math" panose="02040503050406030204" pitchFamily="18" charset="0"/>
-                            </a:rPr>
-                            <m:t>1−</m:t>
-                          </m:r>
-                          <m:sSup>
-                            <m:sSupPr>
-                              <m:ctrlPr>
-                                <a:rPr lang="en-US" b="0" i="1" smtClean="0">
-                                  <a:latin typeface="Cambria Math" panose="02040503050406030204" pitchFamily="18" charset="0"/>
-                                  <a:ea typeface="Cambria Math" panose="02040503050406030204" pitchFamily="18" charset="0"/>
-                                </a:rPr>
-                              </m:ctrlPr>
-                            </m:sSupPr>
-                            <m:e>
-                              <m:r>
-                                <a:rPr lang="en-US" i="1">
-                                  <a:latin typeface="Cambria Math" panose="02040503050406030204" pitchFamily="18" charset="0"/>
-                                  <a:ea typeface="Cambria Math" panose="02040503050406030204" pitchFamily="18" charset="0"/>
-                                </a:rPr>
-                                <m:t>𝜌</m:t>
-                              </m:r>
-                            </m:e>
-                            <m:sup>
-                              <m:r>
-                                <a:rPr lang="en-US" b="0" i="1" smtClean="0">
-                                  <a:latin typeface="Cambria Math" panose="02040503050406030204" pitchFamily="18" charset="0"/>
-                                  <a:ea typeface="Cambria Math" panose="02040503050406030204" pitchFamily="18" charset="0"/>
-                                </a:rPr>
-                                <m:t>2</m:t>
-                              </m:r>
-                            </m:sup>
-                          </m:sSup>
-                        </m:den>
-                      </m:f>
-                    </m:oMath>
-                  </m:oMathPara>
-                </a14:m>
-                <a:endParaRPr lang="en-US" b="1" dirty="0" smtClean="0"/>
-              </a:p>
-              <a:p>
-                <a:pPr marL="457200" lvl="1" indent="0">
-                  <a:buNone/>
-                </a:pPr>
-                <a14:m>
-                  <m:oMathPara xmlns:m="http://schemas.openxmlformats.org/officeDocument/2006/math">
-                    <m:oMathParaPr>
-                      <m:jc m:val="centerGroup"/>
-                    </m:oMathParaPr>
-                    <m:oMath xmlns:m="http://schemas.openxmlformats.org/officeDocument/2006/math">
+                        <a:rPr lang="en-US" i="1">
+                          <a:latin typeface="Cambria Math" panose="02040503050406030204" pitchFamily="18" charset="0"/>
+                          <a:ea typeface="Cambria Math" panose="02040503050406030204" pitchFamily="18" charset="0"/>
+                        </a:rPr>
+                        <m:t>𝑠</m:t>
+                      </m:r>
+                      <m:r>
+                        <a:rPr lang="en-US" i="1">
+                          <a:latin typeface="Cambria Math" panose="02040503050406030204" pitchFamily="18" charset="0"/>
+                          <a:ea typeface="Cambria Math" panose="02040503050406030204" pitchFamily="18" charset="0"/>
+                        </a:rPr>
+                        <m:t>+1)~</m:t>
+                      </m:r>
                       <m:r>
                         <m:rPr>
                           <m:sty m:val="p"/>
                         </m:rPr>
                         <a:rPr lang="en-US">
                           <a:latin typeface="Cambria Math" panose="02040503050406030204" pitchFamily="18" charset="0"/>
-                        </a:rPr>
-                        <m:t>C</m:t>
-                      </m:r>
-                      <m:r>
-                        <m:rPr>
-                          <m:sty m:val="p"/>
-                        </m:rPr>
-                        <a:rPr lang="en-US" b="0" i="0" smtClean="0">
-                          <a:latin typeface="Cambria Math" panose="02040503050406030204" pitchFamily="18" charset="0"/>
-                        </a:rPr>
-                        <m:t>orr</m:t>
-                      </m:r>
-                      <m:d>
-                        <m:dPr>
+                          <a:ea typeface="Cambria Math" panose="02040503050406030204" pitchFamily="18" charset="0"/>
+                        </a:rPr>
+                        <m:t>Normal</m:t>
+                      </m:r>
+                      <m:r>
+                        <a:rPr lang="en-US" i="1">
+                          <a:latin typeface="Cambria Math" panose="02040503050406030204" pitchFamily="18" charset="0"/>
+                          <a:ea typeface="Cambria Math" panose="02040503050406030204" pitchFamily="18" charset="0"/>
+                        </a:rPr>
+                        <m:t>(</m:t>
+                      </m:r>
+                      <m:r>
+                        <a:rPr lang="en-US" i="1">
+                          <a:latin typeface="Cambria Math" panose="02040503050406030204" pitchFamily="18" charset="0"/>
+                          <a:ea typeface="Cambria Math" panose="02040503050406030204" pitchFamily="18" charset="0"/>
+                        </a:rPr>
+                        <m:t>𝜌𝜀</m:t>
+                      </m:r>
+                      <m:r>
+                        <a:rPr lang="en-US" i="1">
+                          <a:latin typeface="Cambria Math" panose="02040503050406030204" pitchFamily="18" charset="0"/>
+                          <a:ea typeface="Cambria Math" panose="02040503050406030204" pitchFamily="18" charset="0"/>
+                        </a:rPr>
+                        <m:t>(</m:t>
+                      </m:r>
+                      <m:r>
+                        <a:rPr lang="en-US" i="1">
+                          <a:latin typeface="Cambria Math" panose="02040503050406030204" pitchFamily="18" charset="0"/>
+                          <a:ea typeface="Cambria Math" panose="02040503050406030204" pitchFamily="18" charset="0"/>
+                        </a:rPr>
+                        <m:t>𝑠</m:t>
+                      </m:r>
+                      <m:r>
+                        <a:rPr lang="en-US" i="1">
+                          <a:latin typeface="Cambria Math" panose="02040503050406030204" pitchFamily="18" charset="0"/>
+                          <a:ea typeface="Cambria Math" panose="02040503050406030204" pitchFamily="18" charset="0"/>
+                        </a:rPr>
+                        <m:t>)</m:t>
+                      </m:r>
+                      <m:r>
+                        <a:rPr lang="en-US" i="1">
+                          <a:latin typeface="Cambria Math" panose="02040503050406030204" pitchFamily="18" charset="0"/>
+                          <a:ea typeface="Cambria Math" panose="02040503050406030204" pitchFamily="18" charset="0"/>
+                        </a:rPr>
+                        <m:t>,</m:t>
+                      </m:r>
+                      <m:sSubSup>
+                        <m:sSubSupPr>
                           <m:ctrlPr>
-                            <a:rPr lang="en-US" b="1" i="1">
-                              <a:latin typeface="Cambria Math" panose="02040503050406030204" pitchFamily="18" charset="0"/>
+                            <a:rPr lang="en-US" i="1">
+                              <a:latin typeface="Cambria Math" panose="02040503050406030204" pitchFamily="18" charset="0"/>
+                              <a:ea typeface="Cambria Math" panose="02040503050406030204" pitchFamily="18" charset="0"/>
                             </a:rPr>
                           </m:ctrlPr>
-                        </m:dPr>
+                        </m:sSubSupPr>
                         <m:e>
-                          <m:sSub>
-                            <m:sSubPr>
-                              <m:ctrlPr>
-                                <a:rPr lang="en-US" b="0" i="1" smtClean="0">
-                                  <a:latin typeface="Cambria Math" panose="02040503050406030204" pitchFamily="18" charset="0"/>
-                                  <a:ea typeface="Cambria Math" panose="02040503050406030204" pitchFamily="18" charset="0"/>
-                                </a:rPr>
-                              </m:ctrlPr>
-                            </m:sSubPr>
-                            <m:e>
-                              <m:r>
-                                <a:rPr lang="en-US" b="0" i="1" smtClean="0">
-                                  <a:latin typeface="Cambria Math" panose="02040503050406030204" pitchFamily="18" charset="0"/>
-                                  <a:ea typeface="Cambria Math" panose="02040503050406030204" pitchFamily="18" charset="0"/>
-                                </a:rPr>
-                                <m:t>𝜀</m:t>
-                              </m:r>
-                            </m:e>
-                            <m:sub>
-                              <m:r>
-                                <a:rPr lang="en-US" b="0" i="1" smtClean="0">
-                                  <a:latin typeface="Cambria Math" panose="02040503050406030204" pitchFamily="18" charset="0"/>
-                                  <a:ea typeface="Cambria Math" panose="02040503050406030204" pitchFamily="18" charset="0"/>
-                                </a:rPr>
-                                <m:t>𝑠</m:t>
-                              </m:r>
-                            </m:sub>
-                          </m:sSub>
-                          <m:r>
-                            <a:rPr lang="en-US" b="0" i="1" smtClean="0">
-                              <a:latin typeface="Cambria Math" panose="02040503050406030204" pitchFamily="18" charset="0"/>
-                              <a:ea typeface="Cambria Math" panose="02040503050406030204" pitchFamily="18" charset="0"/>
-                            </a:rPr>
-                            <m:t>,</m:t>
-                          </m:r>
-                          <m:sSub>
-                            <m:sSubPr>
-                              <m:ctrlPr>
-                                <a:rPr lang="en-US" i="1">
-                                  <a:latin typeface="Cambria Math" panose="02040503050406030204" pitchFamily="18" charset="0"/>
-                                  <a:ea typeface="Cambria Math" panose="02040503050406030204" pitchFamily="18" charset="0"/>
-                                </a:rPr>
-                              </m:ctrlPr>
-                            </m:sSubPr>
-                            <m:e>
-                              <m:r>
-                                <a:rPr lang="en-US" i="1">
-                                  <a:latin typeface="Cambria Math" panose="02040503050406030204" pitchFamily="18" charset="0"/>
-                                  <a:ea typeface="Cambria Math" panose="02040503050406030204" pitchFamily="18" charset="0"/>
-                                </a:rPr>
-                                <m:t>𝜀</m:t>
-                              </m:r>
-                            </m:e>
-                            <m:sub>
-                              <m:r>
-                                <a:rPr lang="en-US" b="0" i="1" smtClean="0">
-                                  <a:latin typeface="Cambria Math" panose="02040503050406030204" pitchFamily="18" charset="0"/>
-                                  <a:ea typeface="Cambria Math" panose="02040503050406030204" pitchFamily="18" charset="0"/>
-                                </a:rPr>
-                                <m:t>𝑠</m:t>
-                              </m:r>
-                              <m:r>
-                                <a:rPr lang="en-US" b="0" i="1" smtClean="0">
-                                  <a:latin typeface="Cambria Math" panose="02040503050406030204" pitchFamily="18" charset="0"/>
-                                  <a:ea typeface="Cambria Math" panose="02040503050406030204" pitchFamily="18" charset="0"/>
-                                </a:rPr>
-                                <m:t>+1</m:t>
-                              </m:r>
-                            </m:sub>
-                          </m:sSub>
+                          <m:r>
+                            <a:rPr lang="en-US" i="1">
+                              <a:latin typeface="Cambria Math" panose="02040503050406030204" pitchFamily="18" charset="0"/>
+                              <a:ea typeface="Cambria Math" panose="02040503050406030204" pitchFamily="18" charset="0"/>
+                            </a:rPr>
+                            <m:t>𝜎</m:t>
+                          </m:r>
                         </m:e>
-                      </m:d>
-                      <m:r>
-                        <a:rPr lang="en-US">
-                          <a:latin typeface="Cambria Math" panose="02040503050406030204" pitchFamily="18" charset="0"/>
-                          <a:ea typeface="Cambria Math" panose="02040503050406030204" pitchFamily="18" charset="0"/>
-                        </a:rPr>
-                        <m:t>=</m:t>
-                      </m:r>
+                        <m:sub>
+                          <m:r>
+                            <a:rPr lang="en-US" i="1">
+                              <a:latin typeface="Cambria Math" panose="02040503050406030204" pitchFamily="18" charset="0"/>
+                              <a:ea typeface="Cambria Math" panose="02040503050406030204" pitchFamily="18" charset="0"/>
+                            </a:rPr>
+                            <m:t>𝜀</m:t>
+                          </m:r>
+                        </m:sub>
+                        <m:sup>
+                          <m:r>
+                            <a:rPr lang="en-US" i="1">
+                              <a:latin typeface="Cambria Math" panose="02040503050406030204" pitchFamily="18" charset="0"/>
+                              <a:ea typeface="Cambria Math" panose="02040503050406030204" pitchFamily="18" charset="0"/>
+                            </a:rPr>
+                            <m:t>2</m:t>
+                          </m:r>
+                        </m:sup>
+                      </m:sSubSup>
                       <m:r>
                         <a:rPr lang="en-US" i="1">
                           <a:latin typeface="Cambria Math" panose="02040503050406030204" pitchFamily="18" charset="0"/>
                           <a:ea typeface="Cambria Math" panose="02040503050406030204" pitchFamily="18" charset="0"/>
                         </a:rPr>
-                        <m:t>𝜌</m:t>
+                        <m:t>)</m:t>
                       </m:r>
                     </m:oMath>
                   </m:oMathPara>
                 </a14:m>
-                <a:endParaRPr lang="en-US" b="1" dirty="0"/>
-              </a:p>
-              <a:p>
-                <a:pPr marL="457200" lvl="1" indent="0">
-                  <a:buNone/>
-                </a:pPr>
-                <a14:m>
-                  <m:oMathPara xmlns:m="http://schemas.openxmlformats.org/officeDocument/2006/math">
-                    <m:oMathParaPr>
-                      <m:jc m:val="centerGroup"/>
-                    </m:oMathParaPr>
-                    <m:oMath xmlns:m="http://schemas.openxmlformats.org/officeDocument/2006/math">
-                      <m:r>
-                        <m:rPr>
-                          <m:sty m:val="p"/>
-                        </m:rPr>
-                        <a:rPr lang="en-US">
-                          <a:latin typeface="Cambria Math" panose="02040503050406030204" pitchFamily="18" charset="0"/>
-                        </a:rPr>
-                        <m:t>Co</m:t>
-                      </m:r>
-                      <m:r>
-                        <m:rPr>
-                          <m:sty m:val="p"/>
-                        </m:rPr>
-                        <a:rPr lang="en-US" b="0" i="0" smtClean="0">
-                          <a:latin typeface="Cambria Math" panose="02040503050406030204" pitchFamily="18" charset="0"/>
-                        </a:rPr>
-                        <m:t>v</m:t>
-                      </m:r>
-                      <m:d>
-                        <m:dPr>
-                          <m:ctrlPr>
-                            <a:rPr lang="en-US" b="1" i="1">
-                              <a:latin typeface="Cambria Math" panose="02040503050406030204" pitchFamily="18" charset="0"/>
-                            </a:rPr>
-                          </m:ctrlPr>
-                        </m:dPr>
-                        <m:e>
-                          <m:sSub>
-                            <m:sSubPr>
-                              <m:ctrlPr>
-                                <a:rPr lang="en-US" i="1">
-                                  <a:latin typeface="Cambria Math" panose="02040503050406030204" pitchFamily="18" charset="0"/>
-                                  <a:ea typeface="Cambria Math" panose="02040503050406030204" pitchFamily="18" charset="0"/>
-                                </a:rPr>
-                              </m:ctrlPr>
-                            </m:sSubPr>
-                            <m:e>
-                              <m:r>
-                                <a:rPr lang="en-US" i="1">
-                                  <a:latin typeface="Cambria Math" panose="02040503050406030204" pitchFamily="18" charset="0"/>
-                                  <a:ea typeface="Cambria Math" panose="02040503050406030204" pitchFamily="18" charset="0"/>
-                                </a:rPr>
-                                <m:t>𝜀</m:t>
-                              </m:r>
-                            </m:e>
-                            <m:sub>
-                              <m:r>
-                                <a:rPr lang="en-US" b="0" i="1" smtClean="0">
-                                  <a:latin typeface="Cambria Math" panose="02040503050406030204" pitchFamily="18" charset="0"/>
-                                  <a:ea typeface="Cambria Math" panose="02040503050406030204" pitchFamily="18" charset="0"/>
-                                </a:rPr>
-                                <m:t>𝑠</m:t>
-                              </m:r>
-                            </m:sub>
-                          </m:sSub>
-                          <m:r>
-                            <a:rPr lang="en-US" i="1">
-                              <a:latin typeface="Cambria Math" panose="02040503050406030204" pitchFamily="18" charset="0"/>
-                              <a:ea typeface="Cambria Math" panose="02040503050406030204" pitchFamily="18" charset="0"/>
-                            </a:rPr>
-                            <m:t>,</m:t>
-                          </m:r>
-                          <m:sSub>
-                            <m:sSubPr>
-                              <m:ctrlPr>
-                                <a:rPr lang="en-US" i="1">
-                                  <a:latin typeface="Cambria Math" panose="02040503050406030204" pitchFamily="18" charset="0"/>
-                                  <a:ea typeface="Cambria Math" panose="02040503050406030204" pitchFamily="18" charset="0"/>
-                                </a:rPr>
-                              </m:ctrlPr>
-                            </m:sSubPr>
-                            <m:e>
-                              <m:r>
-                                <a:rPr lang="en-US" i="1">
-                                  <a:latin typeface="Cambria Math" panose="02040503050406030204" pitchFamily="18" charset="0"/>
-                                  <a:ea typeface="Cambria Math" panose="02040503050406030204" pitchFamily="18" charset="0"/>
-                                </a:rPr>
-                                <m:t>𝜀</m:t>
-                              </m:r>
-                            </m:e>
-                            <m:sub>
-                              <m:r>
-                                <a:rPr lang="en-US" b="0" i="1" smtClean="0">
-                                  <a:latin typeface="Cambria Math" panose="02040503050406030204" pitchFamily="18" charset="0"/>
-                                  <a:ea typeface="Cambria Math" panose="02040503050406030204" pitchFamily="18" charset="0"/>
-                                </a:rPr>
-                                <m:t>𝑠</m:t>
-                              </m:r>
-                              <m:r>
-                                <a:rPr lang="en-US" b="0" i="1" smtClean="0">
-                                  <a:latin typeface="Cambria Math" panose="02040503050406030204" pitchFamily="18" charset="0"/>
-                                  <a:ea typeface="Cambria Math" panose="02040503050406030204" pitchFamily="18" charset="0"/>
-                                </a:rPr>
-                                <m:t>+1</m:t>
-                              </m:r>
-                            </m:sub>
-                          </m:sSub>
-                        </m:e>
-                      </m:d>
-                      <m:r>
-                        <a:rPr lang="en-US">
-                          <a:latin typeface="Cambria Math" panose="02040503050406030204" pitchFamily="18" charset="0"/>
-                          <a:ea typeface="Cambria Math" panose="02040503050406030204" pitchFamily="18" charset="0"/>
-                        </a:rPr>
-                        <m:t>=</m:t>
-                      </m:r>
-                      <m:f>
-                        <m:fPr>
-                          <m:ctrlPr>
-                            <a:rPr lang="en-US" i="1">
-                              <a:latin typeface="Cambria Math" panose="02040503050406030204" pitchFamily="18" charset="0"/>
-                              <a:ea typeface="Cambria Math" panose="02040503050406030204" pitchFamily="18" charset="0"/>
-                            </a:rPr>
-                          </m:ctrlPr>
-                        </m:fPr>
-                        <m:num>
-                          <m:sSubSup>
-                            <m:sSubSupPr>
-                              <m:ctrlPr>
-                                <a:rPr lang="en-US" i="1">
-                                  <a:latin typeface="Cambria Math" panose="02040503050406030204" pitchFamily="18" charset="0"/>
-                                  <a:ea typeface="Cambria Math" panose="02040503050406030204" pitchFamily="18" charset="0"/>
-                                </a:rPr>
-                              </m:ctrlPr>
-                            </m:sSubSupPr>
-                            <m:e>
-                              <m:r>
-                                <a:rPr lang="en-US" i="1">
-                                  <a:latin typeface="Cambria Math" panose="02040503050406030204" pitchFamily="18" charset="0"/>
-                                  <a:ea typeface="Cambria Math" panose="02040503050406030204" pitchFamily="18" charset="0"/>
-                                </a:rPr>
-                                <m:t>𝜎</m:t>
-                              </m:r>
-                            </m:e>
-                            <m:sub>
-                              <m:r>
-                                <a:rPr lang="en-US" i="1">
-                                  <a:latin typeface="Cambria Math" panose="02040503050406030204" pitchFamily="18" charset="0"/>
-                                  <a:ea typeface="Cambria Math" panose="02040503050406030204" pitchFamily="18" charset="0"/>
-                                </a:rPr>
-                                <m:t>𝜀</m:t>
-                              </m:r>
-                            </m:sub>
-                            <m:sup>
-                              <m:r>
-                                <a:rPr lang="en-US" i="1">
-                                  <a:latin typeface="Cambria Math" panose="02040503050406030204" pitchFamily="18" charset="0"/>
-                                  <a:ea typeface="Cambria Math" panose="02040503050406030204" pitchFamily="18" charset="0"/>
-                                </a:rPr>
-                                <m:t>2</m:t>
-                              </m:r>
-                            </m:sup>
-                          </m:sSubSup>
-                        </m:num>
-                        <m:den>
-                          <m:r>
-                            <a:rPr lang="en-US" i="1">
-                              <a:latin typeface="Cambria Math" panose="02040503050406030204" pitchFamily="18" charset="0"/>
-                              <a:ea typeface="Cambria Math" panose="02040503050406030204" pitchFamily="18" charset="0"/>
-                            </a:rPr>
-                            <m:t>1−</m:t>
-                          </m:r>
-                          <m:sSup>
-                            <m:sSupPr>
-                              <m:ctrlPr>
-                                <a:rPr lang="en-US" i="1">
-                                  <a:latin typeface="Cambria Math" panose="02040503050406030204" pitchFamily="18" charset="0"/>
-                                  <a:ea typeface="Cambria Math" panose="02040503050406030204" pitchFamily="18" charset="0"/>
-                                </a:rPr>
-                              </m:ctrlPr>
-                            </m:sSupPr>
-                            <m:e>
-                              <m:r>
-                                <a:rPr lang="en-US" i="1">
-                                  <a:latin typeface="Cambria Math" panose="02040503050406030204" pitchFamily="18" charset="0"/>
-                                  <a:ea typeface="Cambria Math" panose="02040503050406030204" pitchFamily="18" charset="0"/>
-                                </a:rPr>
-                                <m:t>𝜌</m:t>
-                              </m:r>
-                            </m:e>
-                            <m:sup>
-                              <m:r>
-                                <a:rPr lang="en-US" i="1">
-                                  <a:latin typeface="Cambria Math" panose="02040503050406030204" pitchFamily="18" charset="0"/>
-                                  <a:ea typeface="Cambria Math" panose="02040503050406030204" pitchFamily="18" charset="0"/>
-                                </a:rPr>
-                                <m:t>2</m:t>
-                              </m:r>
-                            </m:sup>
-                          </m:sSup>
-                        </m:den>
-                      </m:f>
-                      <m:r>
-                        <a:rPr lang="en-US" i="1">
-                          <a:latin typeface="Cambria Math" panose="02040503050406030204" pitchFamily="18" charset="0"/>
-                          <a:ea typeface="Cambria Math" panose="02040503050406030204" pitchFamily="18" charset="0"/>
-                        </a:rPr>
-                        <m:t>𝜌</m:t>
-                      </m:r>
-                    </m:oMath>
-                  </m:oMathPara>
-                </a14:m>
-                <a:endParaRPr lang="en-US" dirty="0"/>
-              </a:p>
-              <a:p>
-                <a:pPr marL="0" indent="0">
-                  <a:buNone/>
-                </a:pPr>
                 <a:endParaRPr lang="en-US" dirty="0"/>
               </a:p>
               <a:p>
@@ -13142,526 +12519,7 @@
             </p:txBody>
           </p:sp>
         </mc:Choice>
-        <mc:Fallback xmlns="">
-          <p:sp>
-            <p:nvSpPr>
-              <p:cNvPr id="3" name="Content Placeholder 2"/>
-              <p:cNvSpPr>
-                <a:spLocks noGrp="1" noRot="1" noChangeAspect="1" noMove="1" noResize="1" noEditPoints="1" noAdjustHandles="1" noChangeArrowheads="1" noChangeShapeType="1" noTextEdit="1"/>
-              </p:cNvSpPr>
-              <p:nvPr>
-                <p:ph idx="1"/>
-              </p:nvPr>
-            </p:nvSpPr>
-            <p:spPr>
-              <a:blipFill>
-                <a:blip r:embed="rId2"/>
-                <a:stretch>
-                  <a:fillRect l="-1424" t="-1026"/>
-                </a:stretch>
-              </a:blipFill>
-            </p:spPr>
-            <p:txBody>
-              <a:bodyPr/>
-              <a:lstStyle/>
-              <a:p>
-                <a:r>
-                  <a:rPr lang="en-GB">
-                    <a:noFill/>
-                  </a:rPr>
-                  <a:t> </a:t>
-                </a:r>
-              </a:p>
-            </p:txBody>
-          </p:sp>
-        </mc:Fallback>
-      </mc:AlternateContent>
-    </p:spTree>
-    <p:extLst>
-      <p:ext uri="{BB962C8B-B14F-4D97-AF65-F5344CB8AC3E}">
-        <p14:creationId xmlns:p14="http://schemas.microsoft.com/office/powerpoint/2010/main" val="3778279973"/>
-      </p:ext>
-    </p:extLst>
-  </p:cSld>
-  <p:clrMapOvr>
-    <a:masterClrMapping/>
-  </p:clrMapOvr>
-  <p:timing>
-    <p:tnLst>
-      <p:par>
-        <p:cTn id="1" dur="indefinite" restart="never" nodeType="tmRoot"/>
-      </p:par>
-    </p:tnLst>
-  </p:timing>
-</p:sld>
-</file>
-
-<file path=ppt/slides/slide9.xml><?xml version="1.0" encoding="utf-8"?>
-<p:sld xmlns:a="http://schemas.openxmlformats.org/drawingml/2006/main" xmlns:r="http://schemas.openxmlformats.org/officeDocument/2006/relationships" xmlns:p="http://schemas.openxmlformats.org/presentationml/2006/main">
-  <p:cSld>
-    <p:spTree>
-      <p:nvGrpSpPr>
-        <p:cNvPr id="1" name=""/>
-        <p:cNvGrpSpPr/>
-        <p:nvPr/>
-      </p:nvGrpSpPr>
-      <p:grpSpPr>
-        <a:xfrm>
-          <a:off x="0" y="0"/>
-          <a:ext cx="0" cy="0"/>
-          <a:chOff x="0" y="0"/>
-          <a:chExt cx="0" cy="0"/>
-        </a:xfrm>
-      </p:grpSpPr>
-      <p:sp>
-        <p:nvSpPr>
-          <p:cNvPr id="2" name="Title 1"/>
-          <p:cNvSpPr>
-            <a:spLocks noGrp="1"/>
-          </p:cNvSpPr>
-          <p:nvPr>
-            <p:ph type="title"/>
-          </p:nvPr>
-        </p:nvSpPr>
-        <p:spPr/>
-        <p:txBody>
-          <a:bodyPr/>
-          <a:lstStyle/>
-          <a:p>
-            <a:endParaRPr lang="en-GB"/>
-          </a:p>
-        </p:txBody>
-      </p:sp>
-      <mc:AlternateContent xmlns:mc="http://schemas.openxmlformats.org/markup-compatibility/2006" xmlns:a14="http://schemas.microsoft.com/office/drawing/2010/main">
-        <mc:Choice Requires="a14">
-          <p:sp>
-            <p:nvSpPr>
-              <p:cNvPr id="3" name="Content Placeholder 2"/>
-              <p:cNvSpPr>
-                <a:spLocks noGrp="1"/>
-              </p:cNvSpPr>
-              <p:nvPr>
-                <p:ph idx="1"/>
-              </p:nvPr>
-            </p:nvSpPr>
-            <p:spPr/>
-            <p:txBody>
-              <a:bodyPr/>
-              <a:lstStyle/>
-              <a:p>
-                <a:pPr marL="0" indent="0">
-                  <a:buNone/>
-                </a:pPr>
-                <a:r>
-                  <a:rPr lang="en-US" dirty="0" smtClean="0"/>
-                  <a:t>Equal distance </a:t>
-                </a:r>
-                <a:r>
-                  <a:rPr lang="en-US" dirty="0" err="1" smtClean="0"/>
-                  <a:t>autoregression</a:t>
-                </a:r>
-                <a:endParaRPr lang="en-US" dirty="0" smtClean="0"/>
-              </a:p>
-              <a:p>
-                <a:pPr marL="0" indent="0">
-                  <a:buNone/>
-                </a:pPr>
-                <a14:m>
-                  <m:oMathPara xmlns:m="http://schemas.openxmlformats.org/officeDocument/2006/math">
-                    <m:oMathParaPr>
-                      <m:jc m:val="centerGroup"/>
-                    </m:oMathParaPr>
-                    <m:oMath xmlns:m="http://schemas.openxmlformats.org/officeDocument/2006/math">
-                      <m:sSub>
-                        <m:sSubPr>
-                          <m:ctrlPr>
-                            <a:rPr lang="en-US" i="1">
-                              <a:latin typeface="Cambria Math" panose="02040503050406030204" pitchFamily="18" charset="0"/>
-                              <a:ea typeface="Cambria Math" panose="02040503050406030204" pitchFamily="18" charset="0"/>
-                            </a:rPr>
-                          </m:ctrlPr>
-                        </m:sSubPr>
-                        <m:e>
-                          <m:r>
-                            <a:rPr lang="en-US" i="1">
-                              <a:latin typeface="Cambria Math" panose="02040503050406030204" pitchFamily="18" charset="0"/>
-                              <a:ea typeface="Cambria Math" panose="02040503050406030204" pitchFamily="18" charset="0"/>
-                            </a:rPr>
-                            <m:t>𝑐</m:t>
-                          </m:r>
-                        </m:e>
-                        <m:sub>
-                          <m:r>
-                            <a:rPr lang="en-US" i="1">
-                              <a:latin typeface="Cambria Math" panose="02040503050406030204" pitchFamily="18" charset="0"/>
-                              <a:ea typeface="Cambria Math" panose="02040503050406030204" pitchFamily="18" charset="0"/>
-                            </a:rPr>
-                            <m:t>𝑠</m:t>
-                          </m:r>
-                        </m:sub>
-                      </m:sSub>
-                      <m:r>
-                        <a:rPr lang="en-US" i="1">
-                          <a:latin typeface="Cambria Math" panose="02040503050406030204" pitchFamily="18" charset="0"/>
-                          <a:ea typeface="Cambria Math" panose="02040503050406030204" pitchFamily="18" charset="0"/>
-                        </a:rPr>
-                        <m:t>(</m:t>
-                      </m:r>
-                      <m:r>
-                        <a:rPr lang="en-US" i="1">
-                          <a:latin typeface="Cambria Math" panose="02040503050406030204" pitchFamily="18" charset="0"/>
-                          <a:ea typeface="Cambria Math" panose="02040503050406030204" pitchFamily="18" charset="0"/>
-                        </a:rPr>
-                        <m:t>𝑖</m:t>
-                      </m:r>
-                      <m:r>
-                        <a:rPr lang="en-US" i="1">
-                          <a:latin typeface="Cambria Math" panose="02040503050406030204" pitchFamily="18" charset="0"/>
-                          <a:ea typeface="Cambria Math" panose="02040503050406030204" pitchFamily="18" charset="0"/>
-                        </a:rPr>
-                        <m:t>)~</m:t>
-                      </m:r>
-                      <m:r>
-                        <a:rPr lang="en-US" i="1">
-                          <a:latin typeface="Cambria Math" panose="02040503050406030204" pitchFamily="18" charset="0"/>
-                          <a:ea typeface="Cambria Math" panose="02040503050406030204" pitchFamily="18" charset="0"/>
-                        </a:rPr>
-                        <m:t>𝑔</m:t>
-                      </m:r>
-                      <m:r>
-                        <a:rPr lang="en-US" i="1">
-                          <a:latin typeface="Cambria Math" panose="02040503050406030204" pitchFamily="18" charset="0"/>
-                          <a:ea typeface="Cambria Math" panose="02040503050406030204" pitchFamily="18" charset="0"/>
-                        </a:rPr>
-                        <m:t>(</m:t>
-                      </m:r>
-                      <m:sSub>
-                        <m:sSubPr>
-                          <m:ctrlPr>
-                            <a:rPr lang="en-US" i="1">
-                              <a:latin typeface="Cambria Math" panose="02040503050406030204" pitchFamily="18" charset="0"/>
-                              <a:ea typeface="Cambria Math" panose="02040503050406030204" pitchFamily="18" charset="0"/>
-                            </a:rPr>
-                          </m:ctrlPr>
-                        </m:sSubPr>
-                        <m:e>
-                          <m:r>
-                            <a:rPr lang="en-US" i="1">
-                              <a:latin typeface="Cambria Math" panose="02040503050406030204" pitchFamily="18" charset="0"/>
-                              <a:ea typeface="Cambria Math" panose="02040503050406030204" pitchFamily="18" charset="0"/>
-                            </a:rPr>
-                            <m:t>𝜇</m:t>
-                          </m:r>
-                        </m:e>
-                        <m:sub>
-                          <m:r>
-                            <a:rPr lang="en-US" i="1">
-                              <a:latin typeface="Cambria Math" panose="02040503050406030204" pitchFamily="18" charset="0"/>
-                              <a:ea typeface="Cambria Math" panose="02040503050406030204" pitchFamily="18" charset="0"/>
-                            </a:rPr>
-                            <m:t>𝑠</m:t>
-                          </m:r>
-                        </m:sub>
-                      </m:sSub>
-                      <m:r>
-                        <a:rPr lang="en-US" i="1">
-                          <a:latin typeface="Cambria Math" panose="02040503050406030204" pitchFamily="18" charset="0"/>
-                          <a:ea typeface="Cambria Math" panose="02040503050406030204" pitchFamily="18" charset="0"/>
-                        </a:rPr>
-                        <m:t>)</m:t>
-                      </m:r>
-                    </m:oMath>
-                  </m:oMathPara>
-                </a14:m>
-                <a:endParaRPr lang="en-US" dirty="0"/>
-              </a:p>
-              <a:p>
-                <a:pPr marL="0" indent="0">
-                  <a:buNone/>
-                </a:pPr>
-                <a14:m>
-                  <m:oMathPara xmlns:m="http://schemas.openxmlformats.org/officeDocument/2006/math">
-                    <m:oMathParaPr>
-                      <m:jc m:val="centerGroup"/>
-                    </m:oMathParaPr>
-                    <m:oMath xmlns:m="http://schemas.openxmlformats.org/officeDocument/2006/math">
-                      <m:sSub>
-                        <m:sSubPr>
-                          <m:ctrlPr>
-                            <a:rPr lang="en-US" i="1">
-                              <a:latin typeface="Cambria Math" panose="02040503050406030204" pitchFamily="18" charset="0"/>
-                              <a:ea typeface="Cambria Math" panose="02040503050406030204" pitchFamily="18" charset="0"/>
-                            </a:rPr>
-                          </m:ctrlPr>
-                        </m:sSubPr>
-                        <m:e>
-                          <m:r>
-                            <a:rPr lang="en-US" i="1">
-                              <a:latin typeface="Cambria Math" panose="02040503050406030204" pitchFamily="18" charset="0"/>
-                              <a:ea typeface="Cambria Math" panose="02040503050406030204" pitchFamily="18" charset="0"/>
-                            </a:rPr>
-                            <m:t>𝜇</m:t>
-                          </m:r>
-                        </m:e>
-                        <m:sub>
-                          <m:r>
-                            <a:rPr lang="en-US" i="1">
-                              <a:latin typeface="Cambria Math" panose="02040503050406030204" pitchFamily="18" charset="0"/>
-                              <a:ea typeface="Cambria Math" panose="02040503050406030204" pitchFamily="18" charset="0"/>
-                            </a:rPr>
-                            <m:t>𝑠</m:t>
-                          </m:r>
-                        </m:sub>
-                      </m:sSub>
-                      <m:r>
-                        <a:rPr lang="en-US" i="1">
-                          <a:latin typeface="Cambria Math" panose="02040503050406030204" pitchFamily="18" charset="0"/>
-                          <a:ea typeface="Cambria Math" panose="02040503050406030204" pitchFamily="18" charset="0"/>
-                        </a:rPr>
-                        <m:t>=</m:t>
-                      </m:r>
-                      <m:r>
-                        <a:rPr lang="en-US" b="1">
-                          <a:latin typeface="Cambria Math" panose="02040503050406030204" pitchFamily="18" charset="0"/>
-                          <a:ea typeface="Cambria Math" panose="02040503050406030204" pitchFamily="18" charset="0"/>
-                        </a:rPr>
-                        <m:t>𝐗</m:t>
-                      </m:r>
-                      <m:r>
-                        <a:rPr lang="en-US" b="1">
-                          <a:latin typeface="Cambria Math" panose="02040503050406030204" pitchFamily="18" charset="0"/>
-                          <a:ea typeface="Cambria Math" panose="02040503050406030204" pitchFamily="18" charset="0"/>
-                        </a:rPr>
-                        <m:t>𝛃</m:t>
-                      </m:r>
-                      <m:r>
-                        <a:rPr lang="en-US" b="1">
-                          <a:latin typeface="Cambria Math" panose="02040503050406030204" pitchFamily="18" charset="0"/>
-                          <a:ea typeface="Cambria Math" panose="02040503050406030204" pitchFamily="18" charset="0"/>
-                        </a:rPr>
-                        <m:t>+</m:t>
-                      </m:r>
-                      <m:sSub>
-                        <m:sSubPr>
-                          <m:ctrlPr>
-                            <a:rPr lang="en-US" i="1">
-                              <a:latin typeface="Cambria Math" panose="02040503050406030204" pitchFamily="18" charset="0"/>
-                              <a:ea typeface="Cambria Math" panose="02040503050406030204" pitchFamily="18" charset="0"/>
-                            </a:rPr>
-                          </m:ctrlPr>
-                        </m:sSubPr>
-                        <m:e>
-                          <m:r>
-                            <a:rPr lang="en-US" i="1">
-                              <a:latin typeface="Cambria Math" panose="02040503050406030204" pitchFamily="18" charset="0"/>
-                              <a:ea typeface="Cambria Math" panose="02040503050406030204" pitchFamily="18" charset="0"/>
-                            </a:rPr>
-                            <m:t>𝜀</m:t>
-                          </m:r>
-                        </m:e>
-                        <m:sub>
-                          <m:r>
-                            <a:rPr lang="en-US" i="1">
-                              <a:latin typeface="Cambria Math" panose="02040503050406030204" pitchFamily="18" charset="0"/>
-                              <a:ea typeface="Cambria Math" panose="02040503050406030204" pitchFamily="18" charset="0"/>
-                            </a:rPr>
-                            <m:t>𝑠</m:t>
-                          </m:r>
-                        </m:sub>
-                      </m:sSub>
-                    </m:oMath>
-                  </m:oMathPara>
-                </a14:m>
-                <a:endParaRPr lang="en-US" b="1" dirty="0"/>
-              </a:p>
-              <a:p>
-                <a:pPr lvl="1"/>
-                <a:r>
-                  <a:rPr lang="en-US" dirty="0" smtClean="0"/>
-                  <a:t>Let’s assume first-order </a:t>
-                </a:r>
-                <a:r>
-                  <a:rPr lang="en-US" dirty="0" err="1" smtClean="0"/>
-                  <a:t>autoregression</a:t>
-                </a:r>
-                <a:r>
-                  <a:rPr lang="en-US" dirty="0" smtClean="0"/>
-                  <a:t>:</a:t>
-                </a:r>
-              </a:p>
-              <a:p>
-                <a:pPr marL="457200" lvl="1" indent="0">
-                  <a:buNone/>
-                </a:pPr>
-                <a14:m>
-                  <m:oMathPara xmlns:m="http://schemas.openxmlformats.org/officeDocument/2006/math">
-                    <m:oMathParaPr>
-                      <m:jc m:val="centerGroup"/>
-                    </m:oMathParaPr>
-                    <m:oMath xmlns:m="http://schemas.openxmlformats.org/officeDocument/2006/math">
-                      <m:sSub>
-                        <m:sSubPr>
-                          <m:ctrlPr>
-                            <a:rPr lang="en-US" i="1">
-                              <a:latin typeface="Cambria Math" panose="02040503050406030204" pitchFamily="18" charset="0"/>
-                              <a:ea typeface="Cambria Math" panose="02040503050406030204" pitchFamily="18" charset="0"/>
-                            </a:rPr>
-                          </m:ctrlPr>
-                        </m:sSubPr>
-                        <m:e>
-                          <m:r>
-                            <a:rPr lang="en-US" i="1">
-                              <a:latin typeface="Cambria Math" panose="02040503050406030204" pitchFamily="18" charset="0"/>
-                              <a:ea typeface="Cambria Math" panose="02040503050406030204" pitchFamily="18" charset="0"/>
-                            </a:rPr>
-                            <m:t>𝜀</m:t>
-                          </m:r>
-                        </m:e>
-                        <m:sub>
-                          <m:r>
-                            <a:rPr lang="en-US" i="1">
-                              <a:latin typeface="Cambria Math" panose="02040503050406030204" pitchFamily="18" charset="0"/>
-                              <a:ea typeface="Cambria Math" panose="02040503050406030204" pitchFamily="18" charset="0"/>
-                            </a:rPr>
-                            <m:t>𝑠</m:t>
-                          </m:r>
-                          <m:r>
-                            <a:rPr lang="en-US" i="1">
-                              <a:latin typeface="Cambria Math" panose="02040503050406030204" pitchFamily="18" charset="0"/>
-                              <a:ea typeface="Cambria Math" panose="02040503050406030204" pitchFamily="18" charset="0"/>
-                            </a:rPr>
-                            <m:t>+1</m:t>
-                          </m:r>
-                        </m:sub>
-                      </m:sSub>
-                      <m:r>
-                        <a:rPr lang="en-US" b="0" i="1" smtClean="0">
-                          <a:latin typeface="Cambria Math" panose="02040503050406030204" pitchFamily="18" charset="0"/>
-                          <a:ea typeface="Cambria Math" panose="02040503050406030204" pitchFamily="18" charset="0"/>
-                        </a:rPr>
-                        <m:t>~</m:t>
-                      </m:r>
-                      <m:r>
-                        <a:rPr lang="en-US" b="0" i="1" smtClean="0">
-                          <a:latin typeface="Cambria Math" panose="02040503050406030204" pitchFamily="18" charset="0"/>
-                          <a:ea typeface="Cambria Math" panose="02040503050406030204" pitchFamily="18" charset="0"/>
-                        </a:rPr>
-                        <m:t>𝑁𝑜𝑟𝑚𝑎𝑙</m:t>
-                      </m:r>
-                      <m:r>
-                        <a:rPr lang="en-US" b="0" i="1" smtClean="0">
-                          <a:latin typeface="Cambria Math" panose="02040503050406030204" pitchFamily="18" charset="0"/>
-                          <a:ea typeface="Cambria Math" panose="02040503050406030204" pitchFamily="18" charset="0"/>
-                        </a:rPr>
-                        <m:t>(</m:t>
-                      </m:r>
-                      <m:r>
-                        <a:rPr lang="en-US" b="0" i="1" smtClean="0">
-                          <a:latin typeface="Cambria Math" panose="02040503050406030204" pitchFamily="18" charset="0"/>
-                          <a:ea typeface="Cambria Math" panose="02040503050406030204" pitchFamily="18" charset="0"/>
-                        </a:rPr>
-                        <m:t>𝜌</m:t>
-                      </m:r>
-                      <m:sSub>
-                        <m:sSubPr>
-                          <m:ctrlPr>
-                            <a:rPr lang="en-US" i="1">
-                              <a:latin typeface="Cambria Math" panose="02040503050406030204" pitchFamily="18" charset="0"/>
-                              <a:ea typeface="Cambria Math" panose="02040503050406030204" pitchFamily="18" charset="0"/>
-                            </a:rPr>
-                          </m:ctrlPr>
-                        </m:sSubPr>
-                        <m:e>
-                          <m:r>
-                            <a:rPr lang="en-US" i="1">
-                              <a:latin typeface="Cambria Math" panose="02040503050406030204" pitchFamily="18" charset="0"/>
-                              <a:ea typeface="Cambria Math" panose="02040503050406030204" pitchFamily="18" charset="0"/>
-                            </a:rPr>
-                            <m:t>𝜀</m:t>
-                          </m:r>
-                        </m:e>
-                        <m:sub>
-                          <m:r>
-                            <a:rPr lang="en-US" i="1">
-                              <a:latin typeface="Cambria Math" panose="02040503050406030204" pitchFamily="18" charset="0"/>
-                              <a:ea typeface="Cambria Math" panose="02040503050406030204" pitchFamily="18" charset="0"/>
-                            </a:rPr>
-                            <m:t>𝑠</m:t>
-                          </m:r>
-                        </m:sub>
-                      </m:sSub>
-                      <m:r>
-                        <a:rPr lang="en-US" b="0" i="1" smtClean="0">
-                          <a:latin typeface="Cambria Math" panose="02040503050406030204" pitchFamily="18" charset="0"/>
-                          <a:ea typeface="Cambria Math" panose="02040503050406030204" pitchFamily="18" charset="0"/>
-                        </a:rPr>
-                        <m:t>,</m:t>
-                      </m:r>
-                      <m:sSubSup>
-                        <m:sSubSupPr>
-                          <m:ctrlPr>
-                            <a:rPr lang="en-US" b="0" i="1" smtClean="0">
-                              <a:latin typeface="Cambria Math" panose="02040503050406030204" pitchFamily="18" charset="0"/>
-                              <a:ea typeface="Cambria Math" panose="02040503050406030204" pitchFamily="18" charset="0"/>
-                            </a:rPr>
-                          </m:ctrlPr>
-                        </m:sSubSupPr>
-                        <m:e>
-                          <m:r>
-                            <a:rPr lang="en-US" b="0" i="1" smtClean="0">
-                              <a:latin typeface="Cambria Math" panose="02040503050406030204" pitchFamily="18" charset="0"/>
-                              <a:ea typeface="Cambria Math" panose="02040503050406030204" pitchFamily="18" charset="0"/>
-                            </a:rPr>
-                            <m:t>𝜎</m:t>
-                          </m:r>
-                        </m:e>
-                        <m:sub>
-                          <m:r>
-                            <a:rPr lang="en-US" b="0" i="1" smtClean="0">
-                              <a:latin typeface="Cambria Math" panose="02040503050406030204" pitchFamily="18" charset="0"/>
-                              <a:ea typeface="Cambria Math" panose="02040503050406030204" pitchFamily="18" charset="0"/>
-                            </a:rPr>
-                            <m:t>𝜀</m:t>
-                          </m:r>
-                        </m:sub>
-                        <m:sup>
-                          <m:r>
-                            <a:rPr lang="en-US" b="0" i="1" smtClean="0">
-                              <a:latin typeface="Cambria Math" panose="02040503050406030204" pitchFamily="18" charset="0"/>
-                              <a:ea typeface="Cambria Math" panose="02040503050406030204" pitchFamily="18" charset="0"/>
-                            </a:rPr>
-                            <m:t>2</m:t>
-                          </m:r>
-                        </m:sup>
-                      </m:sSubSup>
-                      <m:r>
-                        <a:rPr lang="en-US" b="0" i="1" smtClean="0">
-                          <a:latin typeface="Cambria Math" panose="02040503050406030204" pitchFamily="18" charset="0"/>
-                          <a:ea typeface="Cambria Math" panose="02040503050406030204" pitchFamily="18" charset="0"/>
-                        </a:rPr>
-                        <m:t>)</m:t>
-                      </m:r>
-                    </m:oMath>
-                  </m:oMathPara>
-                </a14:m>
-                <a:endParaRPr lang="en-US" i="1" dirty="0" smtClean="0"/>
-              </a:p>
-              <a:p>
-                <a:pPr marL="0" indent="0">
-                  <a:buNone/>
-                </a:pPr>
-                <a:endParaRPr lang="en-US" dirty="0"/>
-              </a:p>
-              <a:p>
-                <a:pPr marL="0" indent="0">
-                  <a:buNone/>
-                </a:pPr>
-                <a:endParaRPr lang="en-GB" dirty="0"/>
-              </a:p>
-            </p:txBody>
-          </p:sp>
-        </mc:Choice>
-        <mc:Fallback xmlns="">
+        <mc:Fallback>
           <p:sp>
             <p:nvSpPr>
               <p:cNvPr id="3" name="Content Placeholder 2"/>
@@ -13728,6 +12586,1235 @@
     <p:extLst>
       <p:ext uri="{BB962C8B-B14F-4D97-AF65-F5344CB8AC3E}">
         <p14:creationId xmlns:p14="http://schemas.microsoft.com/office/powerpoint/2010/main" val="398274604"/>
+      </p:ext>
+    </p:extLst>
+  </p:cSld>
+  <p:clrMapOvr>
+    <a:masterClrMapping/>
+  </p:clrMapOvr>
+  <p:timing>
+    <p:tnLst>
+      <p:par>
+        <p:cTn id="1" dur="indefinite" restart="never" nodeType="tmRoot"/>
+      </p:par>
+    </p:tnLst>
+  </p:timing>
+</p:sld>
+</file>
+
+<file path=ppt/slides/slide9.xml><?xml version="1.0" encoding="utf-8"?>
+<p:sld xmlns:a="http://schemas.openxmlformats.org/drawingml/2006/main" xmlns:r="http://schemas.openxmlformats.org/officeDocument/2006/relationships" xmlns:p="http://schemas.openxmlformats.org/presentationml/2006/main">
+  <p:cSld>
+    <p:spTree>
+      <p:nvGrpSpPr>
+        <p:cNvPr id="1" name=""/>
+        <p:cNvGrpSpPr/>
+        <p:nvPr/>
+      </p:nvGrpSpPr>
+      <p:grpSpPr>
+        <a:xfrm>
+          <a:off x="0" y="0"/>
+          <a:ext cx="0" cy="0"/>
+          <a:chOff x="0" y="0"/>
+          <a:chExt cx="0" cy="0"/>
+        </a:xfrm>
+      </p:grpSpPr>
+      <p:sp>
+        <p:nvSpPr>
+          <p:cNvPr id="2" name="Title 1"/>
+          <p:cNvSpPr>
+            <a:spLocks noGrp="1"/>
+          </p:cNvSpPr>
+          <p:nvPr>
+            <p:ph type="title"/>
+          </p:nvPr>
+        </p:nvSpPr>
+        <p:spPr/>
+        <p:txBody>
+          <a:bodyPr/>
+          <a:lstStyle/>
+          <a:p>
+            <a:endParaRPr lang="en-GB"/>
+          </a:p>
+        </p:txBody>
+      </p:sp>
+      <mc:AlternateContent xmlns:mc="http://schemas.openxmlformats.org/markup-compatibility/2006">
+        <mc:Choice xmlns:a14="http://schemas.microsoft.com/office/drawing/2010/main" Requires="a14">
+          <p:sp>
+            <p:nvSpPr>
+              <p:cNvPr id="3" name="Content Placeholder 2"/>
+              <p:cNvSpPr>
+                <a:spLocks noGrp="1"/>
+              </p:cNvSpPr>
+              <p:nvPr>
+                <p:ph idx="1"/>
+              </p:nvPr>
+            </p:nvSpPr>
+            <p:spPr/>
+            <p:txBody>
+              <a:bodyPr>
+                <a:normAutofit fontScale="92500" lnSpcReduction="20000"/>
+              </a:bodyPr>
+              <a:lstStyle/>
+              <a:p>
+                <a:pPr marL="0" indent="0">
+                  <a:buNone/>
+                </a:pPr>
+                <a:r>
+                  <a:rPr lang="en-US" dirty="0" smtClean="0"/>
+                  <a:t>Equal distance </a:t>
+                </a:r>
+                <a:r>
+                  <a:rPr lang="en-US" dirty="0" err="1" smtClean="0"/>
+                  <a:t>autoregression</a:t>
+                </a:r>
+                <a:endParaRPr lang="en-US" dirty="0" smtClean="0"/>
+              </a:p>
+              <a:p>
+                <a:pPr marL="0" indent="0">
+                  <a:buNone/>
+                </a:pPr>
+                <a14:m>
+                  <m:oMathPara xmlns:m="http://schemas.openxmlformats.org/officeDocument/2006/math">
+                    <m:oMathParaPr>
+                      <m:jc m:val="centerGroup"/>
+                    </m:oMathParaPr>
+                    <m:oMath xmlns:m="http://schemas.openxmlformats.org/officeDocument/2006/math">
+                      <m:r>
+                        <a:rPr lang="en-US" i="1">
+                          <a:latin typeface="Cambria Math" panose="02040503050406030204" pitchFamily="18" charset="0"/>
+                          <a:ea typeface="Cambria Math" panose="02040503050406030204" pitchFamily="18" charset="0"/>
+                        </a:rPr>
+                        <m:t>𝑐</m:t>
+                      </m:r>
+                      <m:r>
+                        <a:rPr lang="en-US" i="1">
+                          <a:latin typeface="Cambria Math" panose="02040503050406030204" pitchFamily="18" charset="0"/>
+                          <a:ea typeface="Cambria Math" panose="02040503050406030204" pitchFamily="18" charset="0"/>
+                        </a:rPr>
+                        <m:t>(</m:t>
+                      </m:r>
+                      <m:r>
+                        <a:rPr lang="en-US" i="1">
+                          <a:latin typeface="Cambria Math" panose="02040503050406030204" pitchFamily="18" charset="0"/>
+                          <a:ea typeface="Cambria Math" panose="02040503050406030204" pitchFamily="18" charset="0"/>
+                        </a:rPr>
+                        <m:t>𝑠</m:t>
+                      </m:r>
+                      <m:r>
+                        <a:rPr lang="en-US" i="1">
+                          <a:latin typeface="Cambria Math" panose="02040503050406030204" pitchFamily="18" charset="0"/>
+                          <a:ea typeface="Cambria Math" panose="02040503050406030204" pitchFamily="18" charset="0"/>
+                        </a:rPr>
+                        <m:t>)~</m:t>
+                      </m:r>
+                      <m:r>
+                        <a:rPr lang="en-US" i="1">
+                          <a:latin typeface="Cambria Math" panose="02040503050406030204" pitchFamily="18" charset="0"/>
+                          <a:ea typeface="Cambria Math" panose="02040503050406030204" pitchFamily="18" charset="0"/>
+                        </a:rPr>
+                        <m:t>𝑔</m:t>
+                      </m:r>
+                      <m:d>
+                        <m:dPr>
+                          <m:ctrlPr>
+                            <a:rPr lang="en-US" i="1">
+                              <a:latin typeface="Cambria Math" panose="02040503050406030204" pitchFamily="18" charset="0"/>
+                              <a:ea typeface="Cambria Math" panose="02040503050406030204" pitchFamily="18" charset="0"/>
+                            </a:rPr>
+                          </m:ctrlPr>
+                        </m:dPr>
+                        <m:e>
+                          <m:r>
+                            <a:rPr lang="en-US" i="1">
+                              <a:latin typeface="Cambria Math" panose="02040503050406030204" pitchFamily="18" charset="0"/>
+                              <a:ea typeface="Cambria Math" panose="02040503050406030204" pitchFamily="18" charset="0"/>
+                            </a:rPr>
+                            <m:t>𝜇</m:t>
+                          </m:r>
+                          <m:r>
+                            <a:rPr lang="en-US" i="1">
+                              <a:latin typeface="Cambria Math" panose="02040503050406030204" pitchFamily="18" charset="0"/>
+                              <a:ea typeface="Cambria Math" panose="02040503050406030204" pitchFamily="18" charset="0"/>
+                            </a:rPr>
+                            <m:t>(</m:t>
+                          </m:r>
+                          <m:r>
+                            <a:rPr lang="en-US" i="1">
+                              <a:latin typeface="Cambria Math" panose="02040503050406030204" pitchFamily="18" charset="0"/>
+                              <a:ea typeface="Cambria Math" panose="02040503050406030204" pitchFamily="18" charset="0"/>
+                            </a:rPr>
+                            <m:t>𝑠</m:t>
+                          </m:r>
+                          <m:r>
+                            <a:rPr lang="en-US" i="1">
+                              <a:latin typeface="Cambria Math" panose="02040503050406030204" pitchFamily="18" charset="0"/>
+                              <a:ea typeface="Cambria Math" panose="02040503050406030204" pitchFamily="18" charset="0"/>
+                            </a:rPr>
+                            <m:t>)</m:t>
+                          </m:r>
+                        </m:e>
+                      </m:d>
+                    </m:oMath>
+                  </m:oMathPara>
+                </a14:m>
+                <a:endParaRPr lang="en-US" dirty="0"/>
+              </a:p>
+              <a:p>
+                <a:pPr marL="0" indent="0">
+                  <a:buNone/>
+                </a:pPr>
+                <a14:m>
+                  <m:oMathPara xmlns:m="http://schemas.openxmlformats.org/officeDocument/2006/math">
+                    <m:oMathParaPr>
+                      <m:jc m:val="centerGroup"/>
+                    </m:oMathParaPr>
+                    <m:oMath xmlns:m="http://schemas.openxmlformats.org/officeDocument/2006/math">
+                      <m:r>
+                        <a:rPr lang="en-US" i="1">
+                          <a:latin typeface="Cambria Math" panose="02040503050406030204" pitchFamily="18" charset="0"/>
+                          <a:ea typeface="Cambria Math" panose="02040503050406030204" pitchFamily="18" charset="0"/>
+                        </a:rPr>
+                        <m:t>𝜇</m:t>
+                      </m:r>
+                      <m:d>
+                        <m:dPr>
+                          <m:ctrlPr>
+                            <a:rPr lang="en-US" i="1">
+                              <a:latin typeface="Cambria Math" panose="02040503050406030204" pitchFamily="18" charset="0"/>
+                              <a:ea typeface="Cambria Math" panose="02040503050406030204" pitchFamily="18" charset="0"/>
+                            </a:rPr>
+                          </m:ctrlPr>
+                        </m:dPr>
+                        <m:e>
+                          <m:r>
+                            <a:rPr lang="en-US" i="1">
+                              <a:latin typeface="Cambria Math" panose="02040503050406030204" pitchFamily="18" charset="0"/>
+                              <a:ea typeface="Cambria Math" panose="02040503050406030204" pitchFamily="18" charset="0"/>
+                            </a:rPr>
+                            <m:t>𝑠</m:t>
+                          </m:r>
+                        </m:e>
+                      </m:d>
+                      <m:r>
+                        <a:rPr lang="en-US" i="1">
+                          <a:latin typeface="Cambria Math" panose="02040503050406030204" pitchFamily="18" charset="0"/>
+                          <a:ea typeface="Cambria Math" panose="02040503050406030204" pitchFamily="18" charset="0"/>
+                        </a:rPr>
+                        <m:t>=</m:t>
+                      </m:r>
+                      <m:r>
+                        <a:rPr lang="en-US" b="1">
+                          <a:latin typeface="Cambria Math" panose="02040503050406030204" pitchFamily="18" charset="0"/>
+                          <a:ea typeface="Cambria Math" panose="02040503050406030204" pitchFamily="18" charset="0"/>
+                        </a:rPr>
+                        <m:t>𝐱</m:t>
+                      </m:r>
+                      <m:r>
+                        <a:rPr lang="en-US">
+                          <a:latin typeface="Cambria Math" panose="02040503050406030204" pitchFamily="18" charset="0"/>
+                          <a:ea typeface="Cambria Math" panose="02040503050406030204" pitchFamily="18" charset="0"/>
+                        </a:rPr>
+                        <m:t>(</m:t>
+                      </m:r>
+                      <m:r>
+                        <a:rPr lang="en-US" i="1">
+                          <a:latin typeface="Cambria Math" panose="02040503050406030204" pitchFamily="18" charset="0"/>
+                          <a:ea typeface="Cambria Math" panose="02040503050406030204" pitchFamily="18" charset="0"/>
+                        </a:rPr>
+                        <m:t>𝑠</m:t>
+                      </m:r>
+                      <m:r>
+                        <a:rPr lang="en-US">
+                          <a:latin typeface="Cambria Math" panose="02040503050406030204" pitchFamily="18" charset="0"/>
+                          <a:ea typeface="Cambria Math" panose="02040503050406030204" pitchFamily="18" charset="0"/>
+                        </a:rPr>
+                        <m:t>)</m:t>
+                      </m:r>
+                      <m:r>
+                        <a:rPr lang="en-US" b="1">
+                          <a:latin typeface="Cambria Math" panose="02040503050406030204" pitchFamily="18" charset="0"/>
+                          <a:ea typeface="Cambria Math" panose="02040503050406030204" pitchFamily="18" charset="0"/>
+                        </a:rPr>
+                        <m:t>𝛃</m:t>
+                      </m:r>
+                      <m:r>
+                        <a:rPr lang="en-US" b="1">
+                          <a:latin typeface="Cambria Math" panose="02040503050406030204" pitchFamily="18" charset="0"/>
+                          <a:ea typeface="Cambria Math" panose="02040503050406030204" pitchFamily="18" charset="0"/>
+                        </a:rPr>
+                        <m:t>+</m:t>
+                      </m:r>
+                      <m:r>
+                        <a:rPr lang="en-US" i="1">
+                          <a:latin typeface="Cambria Math" panose="02040503050406030204" pitchFamily="18" charset="0"/>
+                          <a:ea typeface="Cambria Math" panose="02040503050406030204" pitchFamily="18" charset="0"/>
+                        </a:rPr>
+                        <m:t>𝜀</m:t>
+                      </m:r>
+                      <m:r>
+                        <a:rPr lang="en-US" i="1">
+                          <a:latin typeface="Cambria Math" panose="02040503050406030204" pitchFamily="18" charset="0"/>
+                          <a:ea typeface="Cambria Math" panose="02040503050406030204" pitchFamily="18" charset="0"/>
+                        </a:rPr>
+                        <m:t>(</m:t>
+                      </m:r>
+                      <m:r>
+                        <a:rPr lang="en-US" i="1">
+                          <a:latin typeface="Cambria Math" panose="02040503050406030204" pitchFamily="18" charset="0"/>
+                          <a:ea typeface="Cambria Math" panose="02040503050406030204" pitchFamily="18" charset="0"/>
+                        </a:rPr>
+                        <m:t>𝑠</m:t>
+                      </m:r>
+                      <m:r>
+                        <a:rPr lang="en-US" i="1">
+                          <a:latin typeface="Cambria Math" panose="02040503050406030204" pitchFamily="18" charset="0"/>
+                          <a:ea typeface="Cambria Math" panose="02040503050406030204" pitchFamily="18" charset="0"/>
+                        </a:rPr>
+                        <m:t>)</m:t>
+                      </m:r>
+                    </m:oMath>
+                  </m:oMathPara>
+                </a14:m>
+                <a:endParaRPr lang="en-US" b="1" dirty="0"/>
+              </a:p>
+              <a:p>
+                <a:pPr lvl="1"/>
+                <a:r>
+                  <a:rPr lang="en-US" dirty="0" smtClean="0"/>
+                  <a:t>Let’s assume first-order </a:t>
+                </a:r>
+                <a:r>
+                  <a:rPr lang="en-US" dirty="0" err="1" smtClean="0"/>
+                  <a:t>autoregression</a:t>
+                </a:r>
+                <a:r>
+                  <a:rPr lang="en-US" dirty="0" smtClean="0"/>
+                  <a:t>:</a:t>
+                </a:r>
+              </a:p>
+              <a:p>
+                <a:pPr marL="457200" lvl="1" indent="0">
+                  <a:buNone/>
+                </a:pPr>
+                <a14:m>
+                  <m:oMathPara xmlns:m="http://schemas.openxmlformats.org/officeDocument/2006/math">
+                    <m:oMathParaPr>
+                      <m:jc m:val="centerGroup"/>
+                    </m:oMathParaPr>
+                    <m:oMath xmlns:m="http://schemas.openxmlformats.org/officeDocument/2006/math">
+                      <m:r>
+                        <a:rPr lang="en-US" i="1">
+                          <a:latin typeface="Cambria Math" panose="02040503050406030204" pitchFamily="18" charset="0"/>
+                          <a:ea typeface="Cambria Math" panose="02040503050406030204" pitchFamily="18" charset="0"/>
+                        </a:rPr>
+                        <m:t>𝜀</m:t>
+                      </m:r>
+                      <m:r>
+                        <a:rPr lang="en-US" i="1">
+                          <a:latin typeface="Cambria Math" panose="02040503050406030204" pitchFamily="18" charset="0"/>
+                          <a:ea typeface="Cambria Math" panose="02040503050406030204" pitchFamily="18" charset="0"/>
+                        </a:rPr>
+                        <m:t>(</m:t>
+                      </m:r>
+                      <m:r>
+                        <a:rPr lang="en-US" i="1">
+                          <a:latin typeface="Cambria Math" panose="02040503050406030204" pitchFamily="18" charset="0"/>
+                          <a:ea typeface="Cambria Math" panose="02040503050406030204" pitchFamily="18" charset="0"/>
+                        </a:rPr>
+                        <m:t>𝑠</m:t>
+                      </m:r>
+                      <m:r>
+                        <a:rPr lang="en-US" i="1">
+                          <a:latin typeface="Cambria Math" panose="02040503050406030204" pitchFamily="18" charset="0"/>
+                          <a:ea typeface="Cambria Math" panose="02040503050406030204" pitchFamily="18" charset="0"/>
+                        </a:rPr>
+                        <m:t>+1)~</m:t>
+                      </m:r>
+                      <m:r>
+                        <m:rPr>
+                          <m:sty m:val="p"/>
+                        </m:rPr>
+                        <a:rPr lang="en-US">
+                          <a:latin typeface="Cambria Math" panose="02040503050406030204" pitchFamily="18" charset="0"/>
+                          <a:ea typeface="Cambria Math" panose="02040503050406030204" pitchFamily="18" charset="0"/>
+                        </a:rPr>
+                        <m:t>Normal</m:t>
+                      </m:r>
+                      <m:r>
+                        <a:rPr lang="en-US" i="1">
+                          <a:latin typeface="Cambria Math" panose="02040503050406030204" pitchFamily="18" charset="0"/>
+                          <a:ea typeface="Cambria Math" panose="02040503050406030204" pitchFamily="18" charset="0"/>
+                        </a:rPr>
+                        <m:t>(</m:t>
+                      </m:r>
+                      <m:r>
+                        <a:rPr lang="en-US" i="1">
+                          <a:latin typeface="Cambria Math" panose="02040503050406030204" pitchFamily="18" charset="0"/>
+                          <a:ea typeface="Cambria Math" panose="02040503050406030204" pitchFamily="18" charset="0"/>
+                        </a:rPr>
+                        <m:t>𝜌𝜀</m:t>
+                      </m:r>
+                      <m:r>
+                        <a:rPr lang="en-US" i="1">
+                          <a:latin typeface="Cambria Math" panose="02040503050406030204" pitchFamily="18" charset="0"/>
+                          <a:ea typeface="Cambria Math" panose="02040503050406030204" pitchFamily="18" charset="0"/>
+                        </a:rPr>
+                        <m:t>(</m:t>
+                      </m:r>
+                      <m:r>
+                        <a:rPr lang="en-US" i="1">
+                          <a:latin typeface="Cambria Math" panose="02040503050406030204" pitchFamily="18" charset="0"/>
+                          <a:ea typeface="Cambria Math" panose="02040503050406030204" pitchFamily="18" charset="0"/>
+                        </a:rPr>
+                        <m:t>𝑠</m:t>
+                      </m:r>
+                      <m:r>
+                        <a:rPr lang="en-US" i="1">
+                          <a:latin typeface="Cambria Math" panose="02040503050406030204" pitchFamily="18" charset="0"/>
+                          <a:ea typeface="Cambria Math" panose="02040503050406030204" pitchFamily="18" charset="0"/>
+                        </a:rPr>
+                        <m:t>),</m:t>
+                      </m:r>
+                      <m:sSubSup>
+                        <m:sSubSupPr>
+                          <m:ctrlPr>
+                            <a:rPr lang="en-US" i="1">
+                              <a:latin typeface="Cambria Math" panose="02040503050406030204" pitchFamily="18" charset="0"/>
+                              <a:ea typeface="Cambria Math" panose="02040503050406030204" pitchFamily="18" charset="0"/>
+                            </a:rPr>
+                          </m:ctrlPr>
+                        </m:sSubSupPr>
+                        <m:e>
+                          <m:r>
+                            <a:rPr lang="en-US" i="1">
+                              <a:latin typeface="Cambria Math" panose="02040503050406030204" pitchFamily="18" charset="0"/>
+                              <a:ea typeface="Cambria Math" panose="02040503050406030204" pitchFamily="18" charset="0"/>
+                            </a:rPr>
+                            <m:t>𝜎</m:t>
+                          </m:r>
+                        </m:e>
+                        <m:sub>
+                          <m:r>
+                            <a:rPr lang="en-US" i="1">
+                              <a:latin typeface="Cambria Math" panose="02040503050406030204" pitchFamily="18" charset="0"/>
+                              <a:ea typeface="Cambria Math" panose="02040503050406030204" pitchFamily="18" charset="0"/>
+                            </a:rPr>
+                            <m:t>𝜀</m:t>
+                          </m:r>
+                        </m:sub>
+                        <m:sup>
+                          <m:r>
+                            <a:rPr lang="en-US" i="1">
+                              <a:latin typeface="Cambria Math" panose="02040503050406030204" pitchFamily="18" charset="0"/>
+                              <a:ea typeface="Cambria Math" panose="02040503050406030204" pitchFamily="18" charset="0"/>
+                            </a:rPr>
+                            <m:t>2</m:t>
+                          </m:r>
+                        </m:sup>
+                      </m:sSubSup>
+                      <m:r>
+                        <a:rPr lang="en-US" i="1">
+                          <a:latin typeface="Cambria Math" panose="02040503050406030204" pitchFamily="18" charset="0"/>
+                          <a:ea typeface="Cambria Math" panose="02040503050406030204" pitchFamily="18" charset="0"/>
+                        </a:rPr>
+                        <m:t>)</m:t>
+                      </m:r>
+                    </m:oMath>
+                  </m:oMathPara>
+                </a14:m>
+                <a:endParaRPr lang="en-US" dirty="0"/>
+              </a:p>
+              <a:p>
+                <a:pPr lvl="1"/>
+                <a:r>
+                  <a:rPr lang="en-US" dirty="0" smtClean="0"/>
+                  <a:t>Review properties:</a:t>
+                </a:r>
+              </a:p>
+              <a:p>
+                <a:pPr marL="457200" lvl="1" indent="0">
+                  <a:buNone/>
+                </a:pPr>
+                <a14:m>
+                  <m:oMathPara xmlns:m="http://schemas.openxmlformats.org/officeDocument/2006/math">
+                    <m:oMathParaPr>
+                      <m:jc m:val="centerGroup"/>
+                    </m:oMathParaPr>
+                    <m:oMath xmlns:m="http://schemas.openxmlformats.org/officeDocument/2006/math">
+                      <m:r>
+                        <a:rPr lang="en-US" b="0" i="1" smtClean="0">
+                          <a:latin typeface="Cambria Math" panose="02040503050406030204" pitchFamily="18" charset="0"/>
+                          <a:ea typeface="Cambria Math" panose="02040503050406030204" pitchFamily="18" charset="0"/>
+                        </a:rPr>
+                        <m:t>𝔼</m:t>
+                      </m:r>
+                      <m:d>
+                        <m:dPr>
+                          <m:ctrlPr>
+                            <a:rPr lang="en-US" b="0" i="1" smtClean="0">
+                              <a:latin typeface="Cambria Math" panose="02040503050406030204" pitchFamily="18" charset="0"/>
+                            </a:rPr>
+                          </m:ctrlPr>
+                        </m:dPr>
+                        <m:e>
+                          <m:r>
+                            <a:rPr lang="en-US" i="1">
+                              <a:latin typeface="Cambria Math" panose="02040503050406030204" pitchFamily="18" charset="0"/>
+                              <a:ea typeface="Cambria Math" panose="02040503050406030204" pitchFamily="18" charset="0"/>
+                            </a:rPr>
+                            <m:t>𝜀</m:t>
+                          </m:r>
+                          <m:r>
+                            <a:rPr lang="en-US" i="1">
+                              <a:latin typeface="Cambria Math" panose="02040503050406030204" pitchFamily="18" charset="0"/>
+                              <a:ea typeface="Cambria Math" panose="02040503050406030204" pitchFamily="18" charset="0"/>
+                            </a:rPr>
+                            <m:t>(</m:t>
+                          </m:r>
+                          <m:r>
+                            <a:rPr lang="en-US" i="1">
+                              <a:latin typeface="Cambria Math" panose="02040503050406030204" pitchFamily="18" charset="0"/>
+                              <a:ea typeface="Cambria Math" panose="02040503050406030204" pitchFamily="18" charset="0"/>
+                            </a:rPr>
+                            <m:t>𝑠</m:t>
+                          </m:r>
+                          <m:r>
+                            <a:rPr lang="en-US" i="1">
+                              <a:latin typeface="Cambria Math" panose="02040503050406030204" pitchFamily="18" charset="0"/>
+                              <a:ea typeface="Cambria Math" panose="02040503050406030204" pitchFamily="18" charset="0"/>
+                            </a:rPr>
+                            <m:t>)</m:t>
+                          </m:r>
+                        </m:e>
+                      </m:d>
+                      <m:r>
+                        <a:rPr lang="en-US" b="0" i="0" smtClean="0">
+                          <a:latin typeface="Cambria Math" panose="02040503050406030204" pitchFamily="18" charset="0"/>
+                          <a:ea typeface="Cambria Math" panose="02040503050406030204" pitchFamily="18" charset="0"/>
+                        </a:rPr>
+                        <m:t>=0</m:t>
+                      </m:r>
+                    </m:oMath>
+                  </m:oMathPara>
+                </a14:m>
+                <a:endParaRPr lang="en-US" b="1" dirty="0" smtClean="0"/>
+              </a:p>
+              <a:p>
+                <a:pPr marL="457200" lvl="1" indent="0">
+                  <a:buNone/>
+                </a:pPr>
+                <a14:m>
+                  <m:oMathPara xmlns:m="http://schemas.openxmlformats.org/officeDocument/2006/math">
+                    <m:oMathParaPr>
+                      <m:jc m:val="centerGroup"/>
+                    </m:oMathParaPr>
+                    <m:oMath xmlns:m="http://schemas.openxmlformats.org/officeDocument/2006/math">
+                      <m:r>
+                        <m:rPr>
+                          <m:sty m:val="p"/>
+                        </m:rPr>
+                        <a:rPr lang="en-US" b="0" i="0" smtClean="0">
+                          <a:latin typeface="Cambria Math" panose="02040503050406030204" pitchFamily="18" charset="0"/>
+                        </a:rPr>
+                        <m:t>Var</m:t>
+                      </m:r>
+                      <m:d>
+                        <m:dPr>
+                          <m:ctrlPr>
+                            <a:rPr lang="en-US" b="1" i="1" smtClean="0">
+                              <a:latin typeface="Cambria Math" panose="02040503050406030204" pitchFamily="18" charset="0"/>
+                            </a:rPr>
+                          </m:ctrlPr>
+                        </m:dPr>
+                        <m:e>
+                          <m:r>
+                            <a:rPr lang="en-US" i="1">
+                              <a:latin typeface="Cambria Math" panose="02040503050406030204" pitchFamily="18" charset="0"/>
+                              <a:ea typeface="Cambria Math" panose="02040503050406030204" pitchFamily="18" charset="0"/>
+                            </a:rPr>
+                            <m:t>𝜀</m:t>
+                          </m:r>
+                          <m:r>
+                            <a:rPr lang="en-US" i="1">
+                              <a:latin typeface="Cambria Math" panose="02040503050406030204" pitchFamily="18" charset="0"/>
+                              <a:ea typeface="Cambria Math" panose="02040503050406030204" pitchFamily="18" charset="0"/>
+                            </a:rPr>
+                            <m:t>(</m:t>
+                          </m:r>
+                          <m:r>
+                            <a:rPr lang="en-US" i="1">
+                              <a:latin typeface="Cambria Math" panose="02040503050406030204" pitchFamily="18" charset="0"/>
+                              <a:ea typeface="Cambria Math" panose="02040503050406030204" pitchFamily="18" charset="0"/>
+                            </a:rPr>
+                            <m:t>𝑠</m:t>
+                          </m:r>
+                          <m:r>
+                            <a:rPr lang="en-US" i="1">
+                              <a:latin typeface="Cambria Math" panose="02040503050406030204" pitchFamily="18" charset="0"/>
+                              <a:ea typeface="Cambria Math" panose="02040503050406030204" pitchFamily="18" charset="0"/>
+                            </a:rPr>
+                            <m:t>)</m:t>
+                          </m:r>
+                        </m:e>
+                      </m:d>
+                      <m:r>
+                        <a:rPr lang="en-US" b="0" i="0" smtClean="0">
+                          <a:latin typeface="Cambria Math" panose="02040503050406030204" pitchFamily="18" charset="0"/>
+                          <a:ea typeface="Cambria Math" panose="02040503050406030204" pitchFamily="18" charset="0"/>
+                        </a:rPr>
+                        <m:t>=</m:t>
+                      </m:r>
+                      <m:f>
+                        <m:fPr>
+                          <m:ctrlPr>
+                            <a:rPr lang="en-US" b="0" i="1" smtClean="0">
+                              <a:latin typeface="Cambria Math" panose="02040503050406030204" pitchFamily="18" charset="0"/>
+                              <a:ea typeface="Cambria Math" panose="02040503050406030204" pitchFamily="18" charset="0"/>
+                            </a:rPr>
+                          </m:ctrlPr>
+                        </m:fPr>
+                        <m:num>
+                          <m:sSubSup>
+                            <m:sSubSupPr>
+                              <m:ctrlPr>
+                                <a:rPr lang="en-US" i="1">
+                                  <a:latin typeface="Cambria Math" panose="02040503050406030204" pitchFamily="18" charset="0"/>
+                                  <a:ea typeface="Cambria Math" panose="02040503050406030204" pitchFamily="18" charset="0"/>
+                                </a:rPr>
+                              </m:ctrlPr>
+                            </m:sSubSupPr>
+                            <m:e>
+                              <m:r>
+                                <a:rPr lang="en-US" i="1">
+                                  <a:latin typeface="Cambria Math" panose="02040503050406030204" pitchFamily="18" charset="0"/>
+                                  <a:ea typeface="Cambria Math" panose="02040503050406030204" pitchFamily="18" charset="0"/>
+                                </a:rPr>
+                                <m:t>𝜎</m:t>
+                              </m:r>
+                            </m:e>
+                            <m:sub>
+                              <m:r>
+                                <a:rPr lang="en-US" i="1">
+                                  <a:latin typeface="Cambria Math" panose="02040503050406030204" pitchFamily="18" charset="0"/>
+                                  <a:ea typeface="Cambria Math" panose="02040503050406030204" pitchFamily="18" charset="0"/>
+                                </a:rPr>
+                                <m:t>𝜀</m:t>
+                              </m:r>
+                            </m:sub>
+                            <m:sup>
+                              <m:r>
+                                <a:rPr lang="en-US" i="1">
+                                  <a:latin typeface="Cambria Math" panose="02040503050406030204" pitchFamily="18" charset="0"/>
+                                  <a:ea typeface="Cambria Math" panose="02040503050406030204" pitchFamily="18" charset="0"/>
+                                </a:rPr>
+                                <m:t>2</m:t>
+                              </m:r>
+                            </m:sup>
+                          </m:sSubSup>
+                        </m:num>
+                        <m:den>
+                          <m:r>
+                            <a:rPr lang="en-US" b="0" i="1" smtClean="0">
+                              <a:latin typeface="Cambria Math" panose="02040503050406030204" pitchFamily="18" charset="0"/>
+                              <a:ea typeface="Cambria Math" panose="02040503050406030204" pitchFamily="18" charset="0"/>
+                            </a:rPr>
+                            <m:t>1−</m:t>
+                          </m:r>
+                          <m:sSup>
+                            <m:sSupPr>
+                              <m:ctrlPr>
+                                <a:rPr lang="en-US" b="0" i="1" smtClean="0">
+                                  <a:latin typeface="Cambria Math" panose="02040503050406030204" pitchFamily="18" charset="0"/>
+                                  <a:ea typeface="Cambria Math" panose="02040503050406030204" pitchFamily="18" charset="0"/>
+                                </a:rPr>
+                              </m:ctrlPr>
+                            </m:sSupPr>
+                            <m:e>
+                              <m:r>
+                                <a:rPr lang="en-US" i="1">
+                                  <a:latin typeface="Cambria Math" panose="02040503050406030204" pitchFamily="18" charset="0"/>
+                                  <a:ea typeface="Cambria Math" panose="02040503050406030204" pitchFamily="18" charset="0"/>
+                                </a:rPr>
+                                <m:t>𝜌</m:t>
+                              </m:r>
+                            </m:e>
+                            <m:sup>
+                              <m:r>
+                                <a:rPr lang="en-US" b="0" i="1" smtClean="0">
+                                  <a:latin typeface="Cambria Math" panose="02040503050406030204" pitchFamily="18" charset="0"/>
+                                  <a:ea typeface="Cambria Math" panose="02040503050406030204" pitchFamily="18" charset="0"/>
+                                </a:rPr>
+                                <m:t>2</m:t>
+                              </m:r>
+                            </m:sup>
+                          </m:sSup>
+                        </m:den>
+                      </m:f>
+                    </m:oMath>
+                  </m:oMathPara>
+                </a14:m>
+                <a:endParaRPr lang="en-US" b="1" dirty="0" smtClean="0"/>
+              </a:p>
+              <a:p>
+                <a:pPr marL="457200" lvl="1" indent="0">
+                  <a:buNone/>
+                </a:pPr>
+                <a14:m>
+                  <m:oMathPara xmlns:m="http://schemas.openxmlformats.org/officeDocument/2006/math">
+                    <m:oMathParaPr>
+                      <m:jc m:val="centerGroup"/>
+                    </m:oMathParaPr>
+                    <m:oMath xmlns:m="http://schemas.openxmlformats.org/officeDocument/2006/math">
+                      <m:r>
+                        <m:rPr>
+                          <m:sty m:val="p"/>
+                        </m:rPr>
+                        <a:rPr lang="en-US">
+                          <a:latin typeface="Cambria Math" panose="02040503050406030204" pitchFamily="18" charset="0"/>
+                        </a:rPr>
+                        <m:t>C</m:t>
+                      </m:r>
+                      <m:r>
+                        <m:rPr>
+                          <m:sty m:val="p"/>
+                        </m:rPr>
+                        <a:rPr lang="en-US" b="0" i="0" smtClean="0">
+                          <a:latin typeface="Cambria Math" panose="02040503050406030204" pitchFamily="18" charset="0"/>
+                        </a:rPr>
+                        <m:t>orr</m:t>
+                      </m:r>
+                      <m:d>
+                        <m:dPr>
+                          <m:ctrlPr>
+                            <a:rPr lang="en-US" b="1" i="1">
+                              <a:latin typeface="Cambria Math" panose="02040503050406030204" pitchFamily="18" charset="0"/>
+                            </a:rPr>
+                          </m:ctrlPr>
+                        </m:dPr>
+                        <m:e>
+                          <m:r>
+                            <a:rPr lang="en-US" i="1">
+                              <a:latin typeface="Cambria Math" panose="02040503050406030204" pitchFamily="18" charset="0"/>
+                              <a:ea typeface="Cambria Math" panose="02040503050406030204" pitchFamily="18" charset="0"/>
+                            </a:rPr>
+                            <m:t>𝜀</m:t>
+                          </m:r>
+                          <m:r>
+                            <a:rPr lang="en-US" i="1">
+                              <a:latin typeface="Cambria Math" panose="02040503050406030204" pitchFamily="18" charset="0"/>
+                              <a:ea typeface="Cambria Math" panose="02040503050406030204" pitchFamily="18" charset="0"/>
+                            </a:rPr>
+                            <m:t>(</m:t>
+                          </m:r>
+                          <m:r>
+                            <a:rPr lang="en-US" i="1">
+                              <a:latin typeface="Cambria Math" panose="02040503050406030204" pitchFamily="18" charset="0"/>
+                              <a:ea typeface="Cambria Math" panose="02040503050406030204" pitchFamily="18" charset="0"/>
+                            </a:rPr>
+                            <m:t>𝑠</m:t>
+                          </m:r>
+                          <m:r>
+                            <a:rPr lang="en-US" i="1">
+                              <a:latin typeface="Cambria Math" panose="02040503050406030204" pitchFamily="18" charset="0"/>
+                              <a:ea typeface="Cambria Math" panose="02040503050406030204" pitchFamily="18" charset="0"/>
+                            </a:rPr>
+                            <m:t>),</m:t>
+                          </m:r>
+                          <m:r>
+                            <a:rPr lang="en-US" i="1">
+                              <a:latin typeface="Cambria Math" panose="02040503050406030204" pitchFamily="18" charset="0"/>
+                              <a:ea typeface="Cambria Math" panose="02040503050406030204" pitchFamily="18" charset="0"/>
+                            </a:rPr>
+                            <m:t>𝜀</m:t>
+                          </m:r>
+                          <m:r>
+                            <a:rPr lang="en-US" i="1">
+                              <a:latin typeface="Cambria Math" panose="02040503050406030204" pitchFamily="18" charset="0"/>
+                              <a:ea typeface="Cambria Math" panose="02040503050406030204" pitchFamily="18" charset="0"/>
+                            </a:rPr>
+                            <m:t>(</m:t>
+                          </m:r>
+                          <m:r>
+                            <a:rPr lang="en-US" i="1">
+                              <a:latin typeface="Cambria Math" panose="02040503050406030204" pitchFamily="18" charset="0"/>
+                              <a:ea typeface="Cambria Math" panose="02040503050406030204" pitchFamily="18" charset="0"/>
+                            </a:rPr>
+                            <m:t>𝑠</m:t>
+                          </m:r>
+                          <m:r>
+                            <a:rPr lang="en-US" b="0" i="1" smtClean="0">
+                              <a:latin typeface="Cambria Math" panose="02040503050406030204" pitchFamily="18" charset="0"/>
+                              <a:ea typeface="Cambria Math" panose="02040503050406030204" pitchFamily="18" charset="0"/>
+                            </a:rPr>
+                            <m:t>+1</m:t>
+                          </m:r>
+                          <m:r>
+                            <a:rPr lang="en-US" i="1">
+                              <a:latin typeface="Cambria Math" panose="02040503050406030204" pitchFamily="18" charset="0"/>
+                              <a:ea typeface="Cambria Math" panose="02040503050406030204" pitchFamily="18" charset="0"/>
+                            </a:rPr>
+                            <m:t>)</m:t>
+                          </m:r>
+                        </m:e>
+                      </m:d>
+                      <m:r>
+                        <a:rPr lang="en-US">
+                          <a:latin typeface="Cambria Math" panose="02040503050406030204" pitchFamily="18" charset="0"/>
+                          <a:ea typeface="Cambria Math" panose="02040503050406030204" pitchFamily="18" charset="0"/>
+                        </a:rPr>
+                        <m:t>=</m:t>
+                      </m:r>
+                      <m:r>
+                        <a:rPr lang="en-US" i="1">
+                          <a:latin typeface="Cambria Math" panose="02040503050406030204" pitchFamily="18" charset="0"/>
+                          <a:ea typeface="Cambria Math" panose="02040503050406030204" pitchFamily="18" charset="0"/>
+                        </a:rPr>
+                        <m:t>𝜌</m:t>
+                      </m:r>
+                    </m:oMath>
+                  </m:oMathPara>
+                </a14:m>
+                <a:endParaRPr lang="en-US" b="1" dirty="0" smtClean="0"/>
+              </a:p>
+              <a:p>
+                <a:pPr marL="457200" lvl="1" indent="0">
+                  <a:buNone/>
+                </a:pPr>
+                <a14:m>
+                  <m:oMathPara xmlns:m="http://schemas.openxmlformats.org/officeDocument/2006/math">
+                    <m:oMathParaPr>
+                      <m:jc m:val="centerGroup"/>
+                    </m:oMathParaPr>
+                    <m:oMath xmlns:m="http://schemas.openxmlformats.org/officeDocument/2006/math">
+                      <m:r>
+                        <m:rPr>
+                          <m:sty m:val="p"/>
+                        </m:rPr>
+                        <a:rPr lang="en-US">
+                          <a:latin typeface="Cambria Math" panose="02040503050406030204" pitchFamily="18" charset="0"/>
+                        </a:rPr>
+                        <m:t>Corr</m:t>
+                      </m:r>
+                      <m:d>
+                        <m:dPr>
+                          <m:ctrlPr>
+                            <a:rPr lang="en-US" b="1" i="1">
+                              <a:latin typeface="Cambria Math" panose="02040503050406030204" pitchFamily="18" charset="0"/>
+                            </a:rPr>
+                          </m:ctrlPr>
+                        </m:dPr>
+                        <m:e>
+                          <m:r>
+                            <a:rPr lang="en-US" i="1">
+                              <a:latin typeface="Cambria Math" panose="02040503050406030204" pitchFamily="18" charset="0"/>
+                              <a:ea typeface="Cambria Math" panose="02040503050406030204" pitchFamily="18" charset="0"/>
+                            </a:rPr>
+                            <m:t>𝜀</m:t>
+                          </m:r>
+                          <m:r>
+                            <a:rPr lang="en-US" i="1">
+                              <a:latin typeface="Cambria Math" panose="02040503050406030204" pitchFamily="18" charset="0"/>
+                              <a:ea typeface="Cambria Math" panose="02040503050406030204" pitchFamily="18" charset="0"/>
+                            </a:rPr>
+                            <m:t>(</m:t>
+                          </m:r>
+                          <m:r>
+                            <a:rPr lang="en-US" i="1">
+                              <a:latin typeface="Cambria Math" panose="02040503050406030204" pitchFamily="18" charset="0"/>
+                              <a:ea typeface="Cambria Math" panose="02040503050406030204" pitchFamily="18" charset="0"/>
+                            </a:rPr>
+                            <m:t>𝑠</m:t>
+                          </m:r>
+                          <m:r>
+                            <a:rPr lang="en-US" i="1">
+                              <a:latin typeface="Cambria Math" panose="02040503050406030204" pitchFamily="18" charset="0"/>
+                              <a:ea typeface="Cambria Math" panose="02040503050406030204" pitchFamily="18" charset="0"/>
+                            </a:rPr>
+                            <m:t>),</m:t>
+                          </m:r>
+                          <m:r>
+                            <a:rPr lang="en-US" i="1">
+                              <a:latin typeface="Cambria Math" panose="02040503050406030204" pitchFamily="18" charset="0"/>
+                              <a:ea typeface="Cambria Math" panose="02040503050406030204" pitchFamily="18" charset="0"/>
+                            </a:rPr>
+                            <m:t>𝜀</m:t>
+                          </m:r>
+                          <m:r>
+                            <a:rPr lang="en-US" i="1">
+                              <a:latin typeface="Cambria Math" panose="02040503050406030204" pitchFamily="18" charset="0"/>
+                              <a:ea typeface="Cambria Math" panose="02040503050406030204" pitchFamily="18" charset="0"/>
+                            </a:rPr>
+                            <m:t>(</m:t>
+                          </m:r>
+                          <m:r>
+                            <a:rPr lang="en-US" i="1">
+                              <a:latin typeface="Cambria Math" panose="02040503050406030204" pitchFamily="18" charset="0"/>
+                              <a:ea typeface="Cambria Math" panose="02040503050406030204" pitchFamily="18" charset="0"/>
+                            </a:rPr>
+                            <m:t>𝑠</m:t>
+                          </m:r>
+                          <m:r>
+                            <a:rPr lang="en-US" i="1">
+                              <a:latin typeface="Cambria Math" panose="02040503050406030204" pitchFamily="18" charset="0"/>
+                              <a:ea typeface="Cambria Math" panose="02040503050406030204" pitchFamily="18" charset="0"/>
+                            </a:rPr>
+                            <m:t>+</m:t>
+                          </m:r>
+                          <m:r>
+                            <a:rPr lang="en-US" b="0" i="1" smtClean="0">
+                              <a:latin typeface="Cambria Math" panose="02040503050406030204" pitchFamily="18" charset="0"/>
+                              <a:ea typeface="Cambria Math" panose="02040503050406030204" pitchFamily="18" charset="0"/>
+                            </a:rPr>
+                            <m:t>𝐷</m:t>
+                          </m:r>
+                          <m:r>
+                            <a:rPr lang="en-US" i="1">
+                              <a:latin typeface="Cambria Math" panose="02040503050406030204" pitchFamily="18" charset="0"/>
+                              <a:ea typeface="Cambria Math" panose="02040503050406030204" pitchFamily="18" charset="0"/>
+                            </a:rPr>
+                            <m:t>)</m:t>
+                          </m:r>
+                        </m:e>
+                      </m:d>
+                      <m:r>
+                        <a:rPr lang="en-US">
+                          <a:latin typeface="Cambria Math" panose="02040503050406030204" pitchFamily="18" charset="0"/>
+                          <a:ea typeface="Cambria Math" panose="02040503050406030204" pitchFamily="18" charset="0"/>
+                        </a:rPr>
+                        <m:t>=</m:t>
+                      </m:r>
+                      <m:sSup>
+                        <m:sSupPr>
+                          <m:ctrlPr>
+                            <a:rPr lang="en-US" b="0" i="1" smtClean="0">
+                              <a:latin typeface="Cambria Math" panose="02040503050406030204" pitchFamily="18" charset="0"/>
+                              <a:ea typeface="Cambria Math" panose="02040503050406030204" pitchFamily="18" charset="0"/>
+                            </a:rPr>
+                          </m:ctrlPr>
+                        </m:sSupPr>
+                        <m:e>
+                          <m:r>
+                            <a:rPr lang="en-US" i="1">
+                              <a:latin typeface="Cambria Math" panose="02040503050406030204" pitchFamily="18" charset="0"/>
+                              <a:ea typeface="Cambria Math" panose="02040503050406030204" pitchFamily="18" charset="0"/>
+                            </a:rPr>
+                            <m:t>𝜌</m:t>
+                          </m:r>
+                        </m:e>
+                        <m:sup>
+                          <m:r>
+                            <a:rPr lang="en-US" b="0" i="1" smtClean="0">
+                              <a:latin typeface="Cambria Math" panose="02040503050406030204" pitchFamily="18" charset="0"/>
+                              <a:ea typeface="Cambria Math" panose="02040503050406030204" pitchFamily="18" charset="0"/>
+                            </a:rPr>
+                            <m:t>𝐷</m:t>
+                          </m:r>
+                        </m:sup>
+                      </m:sSup>
+                    </m:oMath>
+                  </m:oMathPara>
+                </a14:m>
+                <a:endParaRPr lang="en-US" b="1" dirty="0" smtClean="0"/>
+              </a:p>
+              <a:p>
+                <a:pPr marL="914400" lvl="2" indent="0">
+                  <a:buNone/>
+                </a:pPr>
+                <a:r>
+                  <a:rPr lang="en-US" dirty="0" smtClean="0"/>
+                  <a:t>… Therefore…</a:t>
+                </a:r>
+                <a:endParaRPr lang="en-US" dirty="0"/>
+              </a:p>
+              <a:p>
+                <a:pPr marL="457200" lvl="1" indent="0">
+                  <a:buNone/>
+                </a:pPr>
+                <a14:m>
+                  <m:oMathPara xmlns:m="http://schemas.openxmlformats.org/officeDocument/2006/math">
+                    <m:oMathParaPr>
+                      <m:jc m:val="centerGroup"/>
+                    </m:oMathParaPr>
+                    <m:oMath xmlns:m="http://schemas.openxmlformats.org/officeDocument/2006/math">
+                      <m:r>
+                        <m:rPr>
+                          <m:sty m:val="p"/>
+                        </m:rPr>
+                        <a:rPr lang="en-US">
+                          <a:latin typeface="Cambria Math" panose="02040503050406030204" pitchFamily="18" charset="0"/>
+                        </a:rPr>
+                        <m:t>Co</m:t>
+                      </m:r>
+                      <m:r>
+                        <m:rPr>
+                          <m:sty m:val="p"/>
+                        </m:rPr>
+                        <a:rPr lang="en-US" b="0" i="0" smtClean="0">
+                          <a:latin typeface="Cambria Math" panose="02040503050406030204" pitchFamily="18" charset="0"/>
+                        </a:rPr>
+                        <m:t>v</m:t>
+                      </m:r>
+                      <m:d>
+                        <m:dPr>
+                          <m:ctrlPr>
+                            <a:rPr lang="en-US" b="1" i="1">
+                              <a:latin typeface="Cambria Math" panose="02040503050406030204" pitchFamily="18" charset="0"/>
+                            </a:rPr>
+                          </m:ctrlPr>
+                        </m:dPr>
+                        <m:e>
+                          <m:r>
+                            <a:rPr lang="en-US" i="1">
+                              <a:latin typeface="Cambria Math" panose="02040503050406030204" pitchFamily="18" charset="0"/>
+                              <a:ea typeface="Cambria Math" panose="02040503050406030204" pitchFamily="18" charset="0"/>
+                            </a:rPr>
+                            <m:t>𝜀</m:t>
+                          </m:r>
+                          <m:r>
+                            <a:rPr lang="en-US" i="1">
+                              <a:latin typeface="Cambria Math" panose="02040503050406030204" pitchFamily="18" charset="0"/>
+                              <a:ea typeface="Cambria Math" panose="02040503050406030204" pitchFamily="18" charset="0"/>
+                            </a:rPr>
+                            <m:t>(</m:t>
+                          </m:r>
+                          <m:r>
+                            <a:rPr lang="en-US" i="1">
+                              <a:latin typeface="Cambria Math" panose="02040503050406030204" pitchFamily="18" charset="0"/>
+                              <a:ea typeface="Cambria Math" panose="02040503050406030204" pitchFamily="18" charset="0"/>
+                            </a:rPr>
+                            <m:t>𝑠</m:t>
+                          </m:r>
+                          <m:r>
+                            <a:rPr lang="en-US" i="1">
+                              <a:latin typeface="Cambria Math" panose="02040503050406030204" pitchFamily="18" charset="0"/>
+                              <a:ea typeface="Cambria Math" panose="02040503050406030204" pitchFamily="18" charset="0"/>
+                            </a:rPr>
+                            <m:t>),</m:t>
+                          </m:r>
+                          <m:r>
+                            <a:rPr lang="en-US" i="1">
+                              <a:latin typeface="Cambria Math" panose="02040503050406030204" pitchFamily="18" charset="0"/>
+                              <a:ea typeface="Cambria Math" panose="02040503050406030204" pitchFamily="18" charset="0"/>
+                            </a:rPr>
+                            <m:t>𝜀</m:t>
+                          </m:r>
+                          <m:r>
+                            <a:rPr lang="en-US" i="1">
+                              <a:latin typeface="Cambria Math" panose="02040503050406030204" pitchFamily="18" charset="0"/>
+                              <a:ea typeface="Cambria Math" panose="02040503050406030204" pitchFamily="18" charset="0"/>
+                            </a:rPr>
+                            <m:t>(</m:t>
+                          </m:r>
+                          <m:r>
+                            <a:rPr lang="en-US" i="1">
+                              <a:latin typeface="Cambria Math" panose="02040503050406030204" pitchFamily="18" charset="0"/>
+                              <a:ea typeface="Cambria Math" panose="02040503050406030204" pitchFamily="18" charset="0"/>
+                            </a:rPr>
+                            <m:t>𝑠</m:t>
+                          </m:r>
+                          <m:r>
+                            <a:rPr lang="en-US" i="1">
+                              <a:latin typeface="Cambria Math" panose="02040503050406030204" pitchFamily="18" charset="0"/>
+                              <a:ea typeface="Cambria Math" panose="02040503050406030204" pitchFamily="18" charset="0"/>
+                            </a:rPr>
+                            <m:t>+</m:t>
+                          </m:r>
+                          <m:r>
+                            <a:rPr lang="en-US" i="1">
+                              <a:latin typeface="Cambria Math" panose="02040503050406030204" pitchFamily="18" charset="0"/>
+                              <a:ea typeface="Cambria Math" panose="02040503050406030204" pitchFamily="18" charset="0"/>
+                            </a:rPr>
+                            <m:t>𝐷</m:t>
+                          </m:r>
+                          <m:r>
+                            <a:rPr lang="en-US" i="1">
+                              <a:latin typeface="Cambria Math" panose="02040503050406030204" pitchFamily="18" charset="0"/>
+                              <a:ea typeface="Cambria Math" panose="02040503050406030204" pitchFamily="18" charset="0"/>
+                            </a:rPr>
+                            <m:t>)</m:t>
+                          </m:r>
+                        </m:e>
+                      </m:d>
+                      <m:r>
+                        <a:rPr lang="en-US">
+                          <a:latin typeface="Cambria Math" panose="02040503050406030204" pitchFamily="18" charset="0"/>
+                          <a:ea typeface="Cambria Math" panose="02040503050406030204" pitchFamily="18" charset="0"/>
+                        </a:rPr>
+                        <m:t>=</m:t>
+                      </m:r>
+                      <m:f>
+                        <m:fPr>
+                          <m:ctrlPr>
+                            <a:rPr lang="en-US" i="1">
+                              <a:latin typeface="Cambria Math" panose="02040503050406030204" pitchFamily="18" charset="0"/>
+                              <a:ea typeface="Cambria Math" panose="02040503050406030204" pitchFamily="18" charset="0"/>
+                            </a:rPr>
+                          </m:ctrlPr>
+                        </m:fPr>
+                        <m:num>
+                          <m:sSubSup>
+                            <m:sSubSupPr>
+                              <m:ctrlPr>
+                                <a:rPr lang="en-US" i="1">
+                                  <a:latin typeface="Cambria Math" panose="02040503050406030204" pitchFamily="18" charset="0"/>
+                                  <a:ea typeface="Cambria Math" panose="02040503050406030204" pitchFamily="18" charset="0"/>
+                                </a:rPr>
+                              </m:ctrlPr>
+                            </m:sSubSupPr>
+                            <m:e>
+                              <m:r>
+                                <a:rPr lang="en-US" i="1">
+                                  <a:latin typeface="Cambria Math" panose="02040503050406030204" pitchFamily="18" charset="0"/>
+                                  <a:ea typeface="Cambria Math" panose="02040503050406030204" pitchFamily="18" charset="0"/>
+                                </a:rPr>
+                                <m:t>𝜎</m:t>
+                              </m:r>
+                            </m:e>
+                            <m:sub>
+                              <m:r>
+                                <a:rPr lang="en-US" i="1">
+                                  <a:latin typeface="Cambria Math" panose="02040503050406030204" pitchFamily="18" charset="0"/>
+                                  <a:ea typeface="Cambria Math" panose="02040503050406030204" pitchFamily="18" charset="0"/>
+                                </a:rPr>
+                                <m:t>𝜀</m:t>
+                              </m:r>
+                            </m:sub>
+                            <m:sup>
+                              <m:r>
+                                <a:rPr lang="en-US" i="1">
+                                  <a:latin typeface="Cambria Math" panose="02040503050406030204" pitchFamily="18" charset="0"/>
+                                  <a:ea typeface="Cambria Math" panose="02040503050406030204" pitchFamily="18" charset="0"/>
+                                </a:rPr>
+                                <m:t>2</m:t>
+                              </m:r>
+                            </m:sup>
+                          </m:sSubSup>
+                        </m:num>
+                        <m:den>
+                          <m:r>
+                            <a:rPr lang="en-US" i="1">
+                              <a:latin typeface="Cambria Math" panose="02040503050406030204" pitchFamily="18" charset="0"/>
+                              <a:ea typeface="Cambria Math" panose="02040503050406030204" pitchFamily="18" charset="0"/>
+                            </a:rPr>
+                            <m:t>1−</m:t>
+                          </m:r>
+                          <m:sSup>
+                            <m:sSupPr>
+                              <m:ctrlPr>
+                                <a:rPr lang="en-US" i="1">
+                                  <a:latin typeface="Cambria Math" panose="02040503050406030204" pitchFamily="18" charset="0"/>
+                                  <a:ea typeface="Cambria Math" panose="02040503050406030204" pitchFamily="18" charset="0"/>
+                                </a:rPr>
+                              </m:ctrlPr>
+                            </m:sSupPr>
+                            <m:e>
+                              <m:r>
+                                <a:rPr lang="en-US" i="1">
+                                  <a:latin typeface="Cambria Math" panose="02040503050406030204" pitchFamily="18" charset="0"/>
+                                  <a:ea typeface="Cambria Math" panose="02040503050406030204" pitchFamily="18" charset="0"/>
+                                </a:rPr>
+                                <m:t>𝜌</m:t>
+                              </m:r>
+                            </m:e>
+                            <m:sup>
+                              <m:r>
+                                <a:rPr lang="en-US" i="1">
+                                  <a:latin typeface="Cambria Math" panose="02040503050406030204" pitchFamily="18" charset="0"/>
+                                  <a:ea typeface="Cambria Math" panose="02040503050406030204" pitchFamily="18" charset="0"/>
+                                </a:rPr>
+                                <m:t>2</m:t>
+                              </m:r>
+                            </m:sup>
+                          </m:sSup>
+                        </m:den>
+                      </m:f>
+                      <m:sSup>
+                        <m:sSupPr>
+                          <m:ctrlPr>
+                            <a:rPr lang="en-US" b="0" i="1" smtClean="0">
+                              <a:latin typeface="Cambria Math" panose="02040503050406030204" pitchFamily="18" charset="0"/>
+                              <a:ea typeface="Cambria Math" panose="02040503050406030204" pitchFamily="18" charset="0"/>
+                            </a:rPr>
+                          </m:ctrlPr>
+                        </m:sSupPr>
+                        <m:e>
+                          <m:r>
+                            <a:rPr lang="en-US" i="1">
+                              <a:latin typeface="Cambria Math" panose="02040503050406030204" pitchFamily="18" charset="0"/>
+                              <a:ea typeface="Cambria Math" panose="02040503050406030204" pitchFamily="18" charset="0"/>
+                            </a:rPr>
+                            <m:t>𝜌</m:t>
+                          </m:r>
+                        </m:e>
+                        <m:sup>
+                          <m:r>
+                            <a:rPr lang="en-US" b="0" i="1" smtClean="0">
+                              <a:latin typeface="Cambria Math" panose="02040503050406030204" pitchFamily="18" charset="0"/>
+                              <a:ea typeface="Cambria Math" panose="02040503050406030204" pitchFamily="18" charset="0"/>
+                            </a:rPr>
+                            <m:t>𝐷</m:t>
+                          </m:r>
+                        </m:sup>
+                      </m:sSup>
+                    </m:oMath>
+                  </m:oMathPara>
+                </a14:m>
+                <a:endParaRPr lang="en-US" dirty="0"/>
+              </a:p>
+              <a:p>
+                <a:pPr marL="0" indent="0">
+                  <a:buNone/>
+                </a:pPr>
+                <a:endParaRPr lang="en-US" dirty="0"/>
+              </a:p>
+              <a:p>
+                <a:pPr marL="0" indent="0">
+                  <a:buNone/>
+                </a:pPr>
+                <a:endParaRPr lang="en-GB" dirty="0"/>
+              </a:p>
+            </p:txBody>
+          </p:sp>
+        </mc:Choice>
+        <mc:Fallback>
+          <p:sp>
+            <p:nvSpPr>
+              <p:cNvPr id="3" name="Content Placeholder 2"/>
+              <p:cNvSpPr>
+                <a:spLocks noGrp="1" noRot="1" noChangeAspect="1" noMove="1" noResize="1" noEditPoints="1" noAdjustHandles="1" noChangeArrowheads="1" noChangeShapeType="1" noTextEdit="1"/>
+              </p:cNvSpPr>
+              <p:nvPr>
+                <p:ph idx="1"/>
+              </p:nvPr>
+            </p:nvSpPr>
+            <p:spPr>
+              <a:blipFill>
+                <a:blip r:embed="rId2"/>
+                <a:stretch>
+                  <a:fillRect l="-1220" t="-2154"/>
+                </a:stretch>
+              </a:blipFill>
+            </p:spPr>
+            <p:txBody>
+              <a:bodyPr/>
+              <a:lstStyle/>
+              <a:p>
+                <a:r>
+                  <a:rPr lang="en-GB">
+                    <a:noFill/>
+                  </a:rPr>
+                  <a:t> </a:t>
+                </a:r>
+              </a:p>
+            </p:txBody>
+          </p:sp>
+        </mc:Fallback>
+      </mc:AlternateContent>
+    </p:spTree>
+    <p:extLst>
+      <p:ext uri="{BB962C8B-B14F-4D97-AF65-F5344CB8AC3E}">
+        <p14:creationId xmlns:p14="http://schemas.microsoft.com/office/powerpoint/2010/main" val="3778279973"/>
       </p:ext>
     </p:extLst>
   </p:cSld>
